--- a/PredictingSuccessOfNovel/CSCI544_PredictingNovelSuccess.pptx.pptx
+++ b/PredictingSuccessOfNovel/CSCI544_PredictingNovelSuccess.pptx.pptx
@@ -1,19 +1,19 @@
 
 <file path=ppt/presentation.xml><?xml version="1.0" encoding="utf-8"?>
-<p:presentation xmlns:a="http://schemas.openxmlformats.org/drawingml/2006/main" xmlns:r="http://schemas.openxmlformats.org/officeDocument/2006/relationships" xmlns:mc="http://schemas.openxmlformats.org/markup-compatibility/2006" xmlns:mv="urn:schemas-microsoft-com:mac:vml" xmlns:p="http://schemas.openxmlformats.org/presentationml/2006/main" xmlns:c="http://schemas.openxmlformats.org/drawingml/2006/chart" xmlns:dgm="http://schemas.openxmlformats.org/drawingml/2006/diagram" xmlns:o="urn:schemas-microsoft-com:office:office" xmlns:v="urn:schemas-microsoft-com:vml" xmlns:pvml="urn:schemas-microsoft-com:office:powerpoint" xmlns:com="http://schemas.openxmlformats.org/drawingml/2006/compatibility" xmlns:p14="http://schemas.microsoft.com/office/powerpoint/2010/main" autoCompressPictures="0" strictFirstAndLastChars="0" saveSubsetFonts="1">
+<p:presentation xmlns:a="http://schemas.openxmlformats.org/drawingml/2006/main" xmlns:r="http://schemas.openxmlformats.org/officeDocument/2006/relationships" xmlns:p="http://schemas.openxmlformats.org/presentationml/2006/main" strictFirstAndLastChars="0" saveSubsetFonts="1" autoCompressPictures="0">
   <p:sldMasterIdLst>
-    <p:sldMasterId id="2147483650" r:id="rId4"/>
+    <p:sldMasterId id="2147483650" r:id="rId1"/>
   </p:sldMasterIdLst>
   <p:notesMasterIdLst>
-    <p:notesMasterId r:id="rId5"/>
+    <p:notesMasterId r:id="rId3"/>
   </p:notesMasterIdLst>
   <p:sldIdLst>
-    <p:sldId id="256" r:id="rId6"/>
+    <p:sldId id="256" r:id="rId2"/>
   </p:sldIdLst>
-  <p:sldSz cy="21945600" cx="43891200"/>
+  <p:sldSz cx="43891200" cy="21945600"/>
   <p:notesSz cx="6858000" cy="9144000"/>
   <p:defaultTextStyle>
-    <a:defPPr marR="0" rtl="0" algn="l">
+    <a:defPPr marR="0" algn="l" rtl="0">
       <a:lnSpc>
         <a:spcPct val="100000"/>
       </a:lnSpc>
@@ -24,7 +24,7 @@
         <a:spcPts val="0"/>
       </a:spcAft>
     </a:defPPr>
-    <a:lvl1pPr marR="0" rtl="0" algn="l">
+    <a:lvl1pPr marR="0" algn="l" rtl="0">
       <a:lnSpc>
         <a:spcPct val="100000"/>
       </a:lnSpc>
@@ -35,7 +35,7 @@
         <a:spcPts val="0"/>
       </a:spcAft>
       <a:buNone/>
-      <a:defRPr b="0" baseline="0" i="0" sz="1400" u="none" cap="none" strike="noStrike">
+      <a:defRPr sz="1400" b="0" i="0" u="none" strike="noStrike" cap="none" baseline="0">
         <a:solidFill>
           <a:srgbClr val="000000"/>
         </a:solidFill>
@@ -46,7 +46,7 @@
         <a:rtl val="0"/>
       </a:defRPr>
     </a:lvl1pPr>
-    <a:lvl2pPr marR="0" rtl="0" algn="l">
+    <a:lvl2pPr marR="0" algn="l" rtl="0">
       <a:lnSpc>
         <a:spcPct val="100000"/>
       </a:lnSpc>
@@ -57,7 +57,7 @@
         <a:spcPts val="0"/>
       </a:spcAft>
       <a:buNone/>
-      <a:defRPr b="0" baseline="0" i="0" sz="1400" u="none" cap="none" strike="noStrike">
+      <a:defRPr sz="1400" b="0" i="0" u="none" strike="noStrike" cap="none" baseline="0">
         <a:solidFill>
           <a:srgbClr val="000000"/>
         </a:solidFill>
@@ -68,7 +68,7 @@
         <a:rtl val="0"/>
       </a:defRPr>
     </a:lvl2pPr>
-    <a:lvl3pPr marR="0" rtl="0" algn="l">
+    <a:lvl3pPr marR="0" algn="l" rtl="0">
       <a:lnSpc>
         <a:spcPct val="100000"/>
       </a:lnSpc>
@@ -79,7 +79,7 @@
         <a:spcPts val="0"/>
       </a:spcAft>
       <a:buNone/>
-      <a:defRPr b="0" baseline="0" i="0" sz="1400" u="none" cap="none" strike="noStrike">
+      <a:defRPr sz="1400" b="0" i="0" u="none" strike="noStrike" cap="none" baseline="0">
         <a:solidFill>
           <a:srgbClr val="000000"/>
         </a:solidFill>
@@ -90,7 +90,7 @@
         <a:rtl val="0"/>
       </a:defRPr>
     </a:lvl3pPr>
-    <a:lvl4pPr marR="0" rtl="0" algn="l">
+    <a:lvl4pPr marR="0" algn="l" rtl="0">
       <a:lnSpc>
         <a:spcPct val="100000"/>
       </a:lnSpc>
@@ -101,7 +101,7 @@
         <a:spcPts val="0"/>
       </a:spcAft>
       <a:buNone/>
-      <a:defRPr b="0" baseline="0" i="0" sz="1400" u="none" cap="none" strike="noStrike">
+      <a:defRPr sz="1400" b="0" i="0" u="none" strike="noStrike" cap="none" baseline="0">
         <a:solidFill>
           <a:srgbClr val="000000"/>
         </a:solidFill>
@@ -112,7 +112,7 @@
         <a:rtl val="0"/>
       </a:defRPr>
     </a:lvl4pPr>
-    <a:lvl5pPr marR="0" rtl="0" algn="l">
+    <a:lvl5pPr marR="0" algn="l" rtl="0">
       <a:lnSpc>
         <a:spcPct val="100000"/>
       </a:lnSpc>
@@ -123,7 +123,7 @@
         <a:spcPts val="0"/>
       </a:spcAft>
       <a:buNone/>
-      <a:defRPr b="0" baseline="0" i="0" sz="1400" u="none" cap="none" strike="noStrike">
+      <a:defRPr sz="1400" b="0" i="0" u="none" strike="noStrike" cap="none" baseline="0">
         <a:solidFill>
           <a:srgbClr val="000000"/>
         </a:solidFill>
@@ -134,7 +134,7 @@
         <a:rtl val="0"/>
       </a:defRPr>
     </a:lvl5pPr>
-    <a:lvl6pPr marR="0" rtl="0" algn="l">
+    <a:lvl6pPr marR="0" algn="l" rtl="0">
       <a:lnSpc>
         <a:spcPct val="100000"/>
       </a:lnSpc>
@@ -145,7 +145,7 @@
         <a:spcPts val="0"/>
       </a:spcAft>
       <a:buNone/>
-      <a:defRPr b="0" baseline="0" i="0" sz="1400" u="none" cap="none" strike="noStrike">
+      <a:defRPr sz="1400" b="0" i="0" u="none" strike="noStrike" cap="none" baseline="0">
         <a:solidFill>
           <a:srgbClr val="000000"/>
         </a:solidFill>
@@ -156,7 +156,7 @@
         <a:rtl val="0"/>
       </a:defRPr>
     </a:lvl6pPr>
-    <a:lvl7pPr marR="0" rtl="0" algn="l">
+    <a:lvl7pPr marR="0" algn="l" rtl="0">
       <a:lnSpc>
         <a:spcPct val="100000"/>
       </a:lnSpc>
@@ -167,7 +167,7 @@
         <a:spcPts val="0"/>
       </a:spcAft>
       <a:buNone/>
-      <a:defRPr b="0" baseline="0" i="0" sz="1400" u="none" cap="none" strike="noStrike">
+      <a:defRPr sz="1400" b="0" i="0" u="none" strike="noStrike" cap="none" baseline="0">
         <a:solidFill>
           <a:srgbClr val="000000"/>
         </a:solidFill>
@@ -178,7 +178,7 @@
         <a:rtl val="0"/>
       </a:defRPr>
     </a:lvl7pPr>
-    <a:lvl8pPr marR="0" rtl="0" algn="l">
+    <a:lvl8pPr marR="0" algn="l" rtl="0">
       <a:lnSpc>
         <a:spcPct val="100000"/>
       </a:lnSpc>
@@ -189,7 +189,7 @@
         <a:spcPts val="0"/>
       </a:spcAft>
       <a:buNone/>
-      <a:defRPr b="0" baseline="0" i="0" sz="1400" u="none" cap="none" strike="noStrike">
+      <a:defRPr sz="1400" b="0" i="0" u="none" strike="noStrike" cap="none" baseline="0">
         <a:solidFill>
           <a:srgbClr val="000000"/>
         </a:solidFill>
@@ -200,7 +200,7 @@
         <a:rtl val="0"/>
       </a:defRPr>
     </a:lvl8pPr>
-    <a:lvl9pPr marR="0" rtl="0" algn="l">
+    <a:lvl9pPr marR="0" algn="l" rtl="0">
       <a:lnSpc>
         <a:spcPct val="100000"/>
       </a:lnSpc>
@@ -211,7 +211,7 @@
         <a:spcPts val="0"/>
       </a:spcAft>
       <a:buNone/>
-      <a:defRPr b="0" baseline="0" i="0" sz="1400" u="none" cap="none" strike="noStrike">
+      <a:defRPr sz="1400" b="0" i="0" u="none" strike="noStrike" cap="none" baseline="0">
         <a:solidFill>
           <a:srgbClr val="000000"/>
         </a:solidFill>
@@ -227,13 +227,14 @@
 </file>
 
 <file path=ppt/notesMasters/notesMaster1.xml><?xml version="1.0" encoding="utf-8"?>
-<p:notesMaster xmlns:a="http://schemas.openxmlformats.org/drawingml/2006/main" xmlns:r="http://schemas.openxmlformats.org/officeDocument/2006/relationships" xmlns:mc="http://schemas.openxmlformats.org/markup-compatibility/2006" xmlns:mv="urn:schemas-microsoft-com:mac:vml" xmlns:p="http://schemas.openxmlformats.org/presentationml/2006/main" xmlns:c="http://schemas.openxmlformats.org/drawingml/2006/chart" xmlns:dgm="http://schemas.openxmlformats.org/drawingml/2006/diagram" xmlns:o="urn:schemas-microsoft-com:office:office" xmlns:v="urn:schemas-microsoft-com:vml" xmlns:pvml="urn:schemas-microsoft-com:office:powerpoint" xmlns:com="http://schemas.openxmlformats.org/drawingml/2006/compatibility" xmlns:p14="http://schemas.microsoft.com/office/powerpoint/2010/main">
+<p:notesMaster xmlns:a="http://schemas.openxmlformats.org/drawingml/2006/main" xmlns:r="http://schemas.openxmlformats.org/officeDocument/2006/relationships" xmlns:p="http://schemas.openxmlformats.org/presentationml/2006/main">
   <p:cSld>
     <p:bg>
       <p:bgPr>
         <a:solidFill>
           <a:schemeClr val="lt1"/>
         </a:solidFill>
+        <a:effectLst/>
       </p:bgPr>
     </p:bg>
     <p:spTree>
@@ -253,9 +254,11 @@
       <p:sp>
         <p:nvSpPr>
           <p:cNvPr id="2" name="Shape 2"/>
-          <p:cNvSpPr txBox="1"/>
+          <p:cNvSpPr txBox="1">
+            <a:spLocks noGrp="1"/>
+          </p:cNvSpPr>
           <p:nvPr>
-            <p:ph idx="2" type="hdr"/>
+            <p:ph type="hdr" idx="2"/>
           </p:nvPr>
         </p:nvSpPr>
         <p:spPr>
@@ -272,72 +275,76 @@
           </a:ln>
         </p:spPr>
         <p:txBody>
-          <a:bodyPr anchorCtr="0" anchor="t" bIns="91425" lIns="91425" rIns="91425" tIns="91425"/>
+          <a:bodyPr lIns="91425" tIns="91425" rIns="91425" bIns="91425" anchor="t" anchorCtr="0"/>
           <a:lstStyle>
-            <a:lvl1pPr indent="0" marL="0" marR="0" rtl="0" algn="l">
+            <a:lvl1pPr marL="0" marR="0" indent="0" algn="l" rtl="0">
               <a:spcBef>
                 <a:spcPts val="0"/>
               </a:spcBef>
               <a:defRPr/>
             </a:lvl1pPr>
-            <a:lvl2pPr indent="-5410" marL="1567510" marR="0" rtl="0" algn="l">
+            <a:lvl2pPr marL="1567510" marR="0" indent="-5410" algn="l" rtl="0">
               <a:spcBef>
                 <a:spcPts val="0"/>
               </a:spcBef>
               <a:defRPr/>
             </a:lvl2pPr>
-            <a:lvl3pPr indent="-10820" marL="3135020" marR="0" rtl="0" algn="l">
+            <a:lvl3pPr marL="3135020" marR="0" indent="-10820" algn="l" rtl="0">
               <a:spcBef>
                 <a:spcPts val="0"/>
               </a:spcBef>
               <a:defRPr/>
             </a:lvl3pPr>
-            <a:lvl4pPr indent="-3531" marL="4702531" marR="0" rtl="0" algn="l">
+            <a:lvl4pPr marL="4702531" marR="0" indent="-3531" algn="l" rtl="0">
               <a:spcBef>
                 <a:spcPts val="0"/>
               </a:spcBef>
               <a:defRPr/>
             </a:lvl4pPr>
-            <a:lvl5pPr indent="-8940" marL="6270041" marR="0" rtl="0" algn="l">
+            <a:lvl5pPr marL="6270041" marR="0" indent="-8940" algn="l" rtl="0">
               <a:spcBef>
                 <a:spcPts val="0"/>
               </a:spcBef>
               <a:defRPr/>
             </a:lvl5pPr>
-            <a:lvl6pPr indent="-1651" marL="7837551" marR="0" rtl="0" algn="l">
+            <a:lvl6pPr marL="7837551" marR="0" indent="-1651" algn="l" rtl="0">
               <a:spcBef>
                 <a:spcPts val="0"/>
               </a:spcBef>
               <a:defRPr/>
             </a:lvl6pPr>
-            <a:lvl7pPr indent="-7060" marL="9405061" marR="0" rtl="0" algn="l">
+            <a:lvl7pPr marL="9405061" marR="0" indent="-7060" algn="l" rtl="0">
               <a:spcBef>
                 <a:spcPts val="0"/>
               </a:spcBef>
               <a:defRPr/>
             </a:lvl7pPr>
-            <a:lvl8pPr indent="-12471" marL="10972571" marR="0" rtl="0" algn="l">
+            <a:lvl8pPr marL="10972571" marR="0" indent="-12471" algn="l" rtl="0">
               <a:spcBef>
                 <a:spcPts val="0"/>
               </a:spcBef>
               <a:defRPr/>
             </a:lvl8pPr>
-            <a:lvl9pPr indent="-5181" marL="12540082" marR="0" rtl="0" algn="l">
+            <a:lvl9pPr marL="12540082" marR="0" indent="-5181" algn="l" rtl="0">
               <a:spcBef>
                 <a:spcPts val="0"/>
               </a:spcBef>
               <a:defRPr/>
             </a:lvl9pPr>
           </a:lstStyle>
-          <a:p/>
+          <a:p>
+            <a:endParaRPr/>
+          </a:p>
         </p:txBody>
       </p:sp>
       <p:sp>
         <p:nvSpPr>
           <p:cNvPr id="3" name="Shape 3"/>
-          <p:cNvSpPr txBox="1"/>
+          <p:cNvSpPr txBox="1">
+            <a:spLocks noGrp="1"/>
+          </p:cNvSpPr>
           <p:nvPr>
-            <p:ph idx="10" type="dt"/>
+            <p:ph type="dt" idx="10"/>
           </p:nvPr>
         </p:nvSpPr>
         <p:spPr>
@@ -354,72 +361,76 @@
           </a:ln>
         </p:spPr>
         <p:txBody>
-          <a:bodyPr anchorCtr="0" anchor="t" bIns="91425" lIns="91425" rIns="91425" tIns="91425"/>
+          <a:bodyPr lIns="91425" tIns="91425" rIns="91425" bIns="91425" anchor="t" anchorCtr="0"/>
           <a:lstStyle>
-            <a:lvl1pPr indent="0" marL="0" marR="0" rtl="0" algn="r">
+            <a:lvl1pPr marL="0" marR="0" indent="0" algn="r" rtl="0">
               <a:spcBef>
                 <a:spcPts val="0"/>
               </a:spcBef>
               <a:defRPr/>
             </a:lvl1pPr>
-            <a:lvl2pPr indent="-5410" marL="1567510" marR="0" rtl="0" algn="l">
+            <a:lvl2pPr marL="1567510" marR="0" indent="-5410" algn="l" rtl="0">
               <a:spcBef>
                 <a:spcPts val="0"/>
               </a:spcBef>
               <a:defRPr/>
             </a:lvl2pPr>
-            <a:lvl3pPr indent="-10820" marL="3135020" marR="0" rtl="0" algn="l">
+            <a:lvl3pPr marL="3135020" marR="0" indent="-10820" algn="l" rtl="0">
               <a:spcBef>
                 <a:spcPts val="0"/>
               </a:spcBef>
               <a:defRPr/>
             </a:lvl3pPr>
-            <a:lvl4pPr indent="-3531" marL="4702531" marR="0" rtl="0" algn="l">
+            <a:lvl4pPr marL="4702531" marR="0" indent="-3531" algn="l" rtl="0">
               <a:spcBef>
                 <a:spcPts val="0"/>
               </a:spcBef>
               <a:defRPr/>
             </a:lvl4pPr>
-            <a:lvl5pPr indent="-8940" marL="6270041" marR="0" rtl="0" algn="l">
+            <a:lvl5pPr marL="6270041" marR="0" indent="-8940" algn="l" rtl="0">
               <a:spcBef>
                 <a:spcPts val="0"/>
               </a:spcBef>
               <a:defRPr/>
             </a:lvl5pPr>
-            <a:lvl6pPr indent="-1651" marL="7837551" marR="0" rtl="0" algn="l">
+            <a:lvl6pPr marL="7837551" marR="0" indent="-1651" algn="l" rtl="0">
               <a:spcBef>
                 <a:spcPts val="0"/>
               </a:spcBef>
               <a:defRPr/>
             </a:lvl6pPr>
-            <a:lvl7pPr indent="-7060" marL="9405061" marR="0" rtl="0" algn="l">
+            <a:lvl7pPr marL="9405061" marR="0" indent="-7060" algn="l" rtl="0">
               <a:spcBef>
                 <a:spcPts val="0"/>
               </a:spcBef>
               <a:defRPr/>
             </a:lvl7pPr>
-            <a:lvl8pPr indent="-12471" marL="10972571" marR="0" rtl="0" algn="l">
+            <a:lvl8pPr marL="10972571" marR="0" indent="-12471" algn="l" rtl="0">
               <a:spcBef>
                 <a:spcPts val="0"/>
               </a:spcBef>
               <a:defRPr/>
             </a:lvl8pPr>
-            <a:lvl9pPr indent="-5181" marL="12540082" marR="0" rtl="0" algn="l">
+            <a:lvl9pPr marL="12540082" marR="0" indent="-5181" algn="l" rtl="0">
               <a:spcBef>
                 <a:spcPts val="0"/>
               </a:spcBef>
               <a:defRPr/>
             </a:lvl9pPr>
           </a:lstStyle>
-          <a:p/>
+          <a:p>
+            <a:endParaRPr/>
+          </a:p>
         </p:txBody>
       </p:sp>
       <p:sp>
         <p:nvSpPr>
           <p:cNvPr id="4" name="Shape 4"/>
-          <p:cNvSpPr/>
+          <p:cNvSpPr>
+            <a:spLocks noGrp="1" noRot="1" noChangeAspect="1"/>
+          </p:cNvSpPr>
           <p:nvPr>
-            <p:ph idx="3" type="sldImg"/>
+            <p:ph type="sldImg" idx="3"/>
           </p:nvPr>
         </p:nvSpPr>
         <p:spPr>
@@ -428,8 +439,13 @@
             <a:ext cx="6858000" cy="3429000"/>
           </a:xfrm>
           <a:custGeom>
+            <a:avLst/>
+            <a:gdLst/>
+            <a:ahLst/>
+            <a:cxnLst/>
+            <a:rect l="0" t="0" r="0" b="0"/>
             <a:pathLst>
-              <a:path extrusionOk="0" h="120000" w="120000">
+              <a:path w="120000" h="120000" extrusionOk="0">
                 <a:moveTo>
                   <a:pt x="0" y="0"/>
                 </a:moveTo>
@@ -447,23 +463,25 @@
             </a:pathLst>
           </a:custGeom>
           <a:noFill/>
-          <a:ln cap="flat" w="12700">
+          <a:ln w="12700" cap="flat">
             <a:solidFill>
               <a:srgbClr val="000000"/>
             </a:solidFill>
             <a:prstDash val="solid"/>
             <a:round/>
-            <a:headEnd len="med" w="med" type="none"/>
-            <a:tailEnd len="med" w="med" type="none"/>
+            <a:headEnd type="none" w="med" len="med"/>
+            <a:tailEnd type="none" w="med" len="med"/>
           </a:ln>
         </p:spPr>
       </p:sp>
       <p:sp>
         <p:nvSpPr>
           <p:cNvPr id="5" name="Shape 5"/>
-          <p:cNvSpPr txBox="1"/>
+          <p:cNvSpPr txBox="1">
+            <a:spLocks noGrp="1"/>
+          </p:cNvSpPr>
           <p:nvPr>
-            <p:ph idx="1" type="body"/>
+            <p:ph type="body" idx="1"/>
           </p:nvPr>
         </p:nvSpPr>
         <p:spPr>
@@ -480,72 +498,76 @@
           </a:ln>
         </p:spPr>
         <p:txBody>
-          <a:bodyPr anchorCtr="0" anchor="t" bIns="91425" lIns="91425" rIns="91425" tIns="91425"/>
+          <a:bodyPr lIns="91425" tIns="91425" rIns="91425" bIns="91425" anchor="t" anchorCtr="0"/>
           <a:lstStyle>
-            <a:lvl1pPr indent="0" marL="0" marR="0" rtl="0" algn="l">
+            <a:lvl1pPr marL="0" marR="0" indent="0" algn="l" rtl="0">
               <a:spcBef>
                 <a:spcPts val="0"/>
               </a:spcBef>
               <a:defRPr/>
             </a:lvl1pPr>
-            <a:lvl2pPr indent="-5410" marL="1567510" marR="0" rtl="0" algn="l">
+            <a:lvl2pPr marL="1567510" marR="0" indent="-5410" algn="l" rtl="0">
               <a:spcBef>
                 <a:spcPts val="0"/>
               </a:spcBef>
               <a:defRPr/>
             </a:lvl2pPr>
-            <a:lvl3pPr indent="-10820" marL="3135020" marR="0" rtl="0" algn="l">
+            <a:lvl3pPr marL="3135020" marR="0" indent="-10820" algn="l" rtl="0">
               <a:spcBef>
                 <a:spcPts val="0"/>
               </a:spcBef>
               <a:defRPr/>
             </a:lvl3pPr>
-            <a:lvl4pPr indent="-3531" marL="4702531" marR="0" rtl="0" algn="l">
+            <a:lvl4pPr marL="4702531" marR="0" indent="-3531" algn="l" rtl="0">
               <a:spcBef>
                 <a:spcPts val="0"/>
               </a:spcBef>
               <a:defRPr/>
             </a:lvl4pPr>
-            <a:lvl5pPr indent="-8940" marL="6270041" marR="0" rtl="0" algn="l">
+            <a:lvl5pPr marL="6270041" marR="0" indent="-8940" algn="l" rtl="0">
               <a:spcBef>
                 <a:spcPts val="0"/>
               </a:spcBef>
               <a:defRPr/>
             </a:lvl5pPr>
-            <a:lvl6pPr indent="-1651" marL="7837551" marR="0" rtl="0" algn="l">
+            <a:lvl6pPr marL="7837551" marR="0" indent="-1651" algn="l" rtl="0">
               <a:spcBef>
                 <a:spcPts val="0"/>
               </a:spcBef>
               <a:defRPr/>
             </a:lvl6pPr>
-            <a:lvl7pPr indent="-7060" marL="9405061" marR="0" rtl="0" algn="l">
+            <a:lvl7pPr marL="9405061" marR="0" indent="-7060" algn="l" rtl="0">
               <a:spcBef>
                 <a:spcPts val="0"/>
               </a:spcBef>
               <a:defRPr/>
             </a:lvl7pPr>
-            <a:lvl8pPr indent="-12471" marL="10972571" marR="0" rtl="0" algn="l">
+            <a:lvl8pPr marL="10972571" marR="0" indent="-12471" algn="l" rtl="0">
               <a:spcBef>
                 <a:spcPts val="0"/>
               </a:spcBef>
               <a:defRPr/>
             </a:lvl8pPr>
-            <a:lvl9pPr indent="-5181" marL="12540082" marR="0" rtl="0" algn="l">
+            <a:lvl9pPr marL="12540082" marR="0" indent="-5181" algn="l" rtl="0">
               <a:spcBef>
                 <a:spcPts val="0"/>
               </a:spcBef>
               <a:defRPr/>
             </a:lvl9pPr>
           </a:lstStyle>
-          <a:p/>
+          <a:p>
+            <a:endParaRPr/>
+          </a:p>
         </p:txBody>
       </p:sp>
       <p:sp>
         <p:nvSpPr>
           <p:cNvPr id="6" name="Shape 6"/>
-          <p:cNvSpPr txBox="1"/>
+          <p:cNvSpPr txBox="1">
+            <a:spLocks noGrp="1"/>
+          </p:cNvSpPr>
           <p:nvPr>
-            <p:ph idx="11" type="ftr"/>
+            <p:ph type="ftr" idx="11"/>
           </p:nvPr>
         </p:nvSpPr>
         <p:spPr>
@@ -562,72 +584,76 @@
           </a:ln>
         </p:spPr>
         <p:txBody>
-          <a:bodyPr anchorCtr="0" anchor="b" bIns="91425" lIns="91425" rIns="91425" tIns="91425"/>
+          <a:bodyPr lIns="91425" tIns="91425" rIns="91425" bIns="91425" anchor="b" anchorCtr="0"/>
           <a:lstStyle>
-            <a:lvl1pPr indent="0" marL="0" marR="0" rtl="0" algn="l">
+            <a:lvl1pPr marL="0" marR="0" indent="0" algn="l" rtl="0">
               <a:spcBef>
                 <a:spcPts val="0"/>
               </a:spcBef>
               <a:defRPr/>
             </a:lvl1pPr>
-            <a:lvl2pPr indent="-5410" marL="1567510" marR="0" rtl="0" algn="l">
+            <a:lvl2pPr marL="1567510" marR="0" indent="-5410" algn="l" rtl="0">
               <a:spcBef>
                 <a:spcPts val="0"/>
               </a:spcBef>
               <a:defRPr/>
             </a:lvl2pPr>
-            <a:lvl3pPr indent="-10820" marL="3135020" marR="0" rtl="0" algn="l">
+            <a:lvl3pPr marL="3135020" marR="0" indent="-10820" algn="l" rtl="0">
               <a:spcBef>
                 <a:spcPts val="0"/>
               </a:spcBef>
               <a:defRPr/>
             </a:lvl3pPr>
-            <a:lvl4pPr indent="-3531" marL="4702531" marR="0" rtl="0" algn="l">
+            <a:lvl4pPr marL="4702531" marR="0" indent="-3531" algn="l" rtl="0">
               <a:spcBef>
                 <a:spcPts val="0"/>
               </a:spcBef>
               <a:defRPr/>
             </a:lvl4pPr>
-            <a:lvl5pPr indent="-8940" marL="6270041" marR="0" rtl="0" algn="l">
+            <a:lvl5pPr marL="6270041" marR="0" indent="-8940" algn="l" rtl="0">
               <a:spcBef>
                 <a:spcPts val="0"/>
               </a:spcBef>
               <a:defRPr/>
             </a:lvl5pPr>
-            <a:lvl6pPr indent="-1651" marL="7837551" marR="0" rtl="0" algn="l">
+            <a:lvl6pPr marL="7837551" marR="0" indent="-1651" algn="l" rtl="0">
               <a:spcBef>
                 <a:spcPts val="0"/>
               </a:spcBef>
               <a:defRPr/>
             </a:lvl6pPr>
-            <a:lvl7pPr indent="-7060" marL="9405061" marR="0" rtl="0" algn="l">
+            <a:lvl7pPr marL="9405061" marR="0" indent="-7060" algn="l" rtl="0">
               <a:spcBef>
                 <a:spcPts val="0"/>
               </a:spcBef>
               <a:defRPr/>
             </a:lvl7pPr>
-            <a:lvl8pPr indent="-12471" marL="10972571" marR="0" rtl="0" algn="l">
+            <a:lvl8pPr marL="10972571" marR="0" indent="-12471" algn="l" rtl="0">
               <a:spcBef>
                 <a:spcPts val="0"/>
               </a:spcBef>
               <a:defRPr/>
             </a:lvl8pPr>
-            <a:lvl9pPr indent="-5181" marL="12540082" marR="0" rtl="0" algn="l">
+            <a:lvl9pPr marL="12540082" marR="0" indent="-5181" algn="l" rtl="0">
               <a:spcBef>
                 <a:spcPts val="0"/>
               </a:spcBef>
               <a:defRPr/>
             </a:lvl9pPr>
           </a:lstStyle>
-          <a:p/>
+          <a:p>
+            <a:endParaRPr/>
+          </a:p>
         </p:txBody>
       </p:sp>
       <p:sp>
         <p:nvSpPr>
           <p:cNvPr id="7" name="Shape 7"/>
-          <p:cNvSpPr txBox="1"/>
+          <p:cNvSpPr txBox="1">
+            <a:spLocks noGrp="1"/>
+          </p:cNvSpPr>
           <p:nvPr>
-            <p:ph idx="12" type="sldNum"/>
+            <p:ph type="sldNum" idx="12"/>
           </p:nvPr>
         </p:nvSpPr>
         <p:spPr>
@@ -644,16 +670,16 @@
           </a:ln>
         </p:spPr>
         <p:txBody>
-          <a:bodyPr anchorCtr="0" anchor="b" bIns="45700" lIns="91425" rIns="91425" tIns="45700">
+          <a:bodyPr lIns="91425" tIns="45700" rIns="91425" bIns="45700" anchor="b" anchorCtr="0">
             <a:noAutofit/>
           </a:bodyPr>
           <a:lstStyle>
-            <a:lvl1pPr indent="0" marL="0" marR="0" rtl="0" algn="r">
+            <a:lvl1pPr marL="0" marR="0" indent="0" algn="r" rtl="0">
               <a:spcBef>
                 <a:spcPts val="0"/>
               </a:spcBef>
               <a:buNone/>
-              <a:defRPr b="0" baseline="0" i="0" sz="1200" u="none" cap="none" strike="noStrike">
+              <a:defRPr sz="1200" b="0" i="0" u="none" strike="noStrike" cap="none" baseline="0">
                 <a:solidFill>
                   <a:schemeClr val="dk1"/>
                 </a:solidFill>
@@ -665,7 +691,7 @@
             </a:lvl1pPr>
           </a:lstStyle>
           <a:p>
-            <a:pPr indent="0" lvl="0" marL="0">
+            <a:pPr marL="0" lvl="0" indent="0">
               <a:spcBef>
                 <a:spcPts val="0"/>
               </a:spcBef>
@@ -676,21 +702,119 @@
               <a:rPr lang="en-US"/>
               <a:t>‹#›</a:t>
             </a:fld>
+            <a:endParaRPr lang="en-US"/>
           </a:p>
         </p:txBody>
       </p:sp>
     </p:spTree>
+    <p:extLst>
+      <p:ext uri="{BB962C8B-B14F-4D97-AF65-F5344CB8AC3E}">
+        <p14:creationId xmlns:p14="http://schemas.microsoft.com/office/powerpoint/2010/main" val="4235365343"/>
+      </p:ext>
+    </p:extLst>
   </p:cSld>
-  <p:clrMap accent1="accent1" accent2="accent2" accent3="accent3" accent4="accent4" accent5="accent5" accent6="accent6" bg1="lt1" bg2="dk2" tx1="dk1" tx2="lt2" folHlink="folHlink" hlink="hlink"/>
+  <p:clrMap bg1="lt1" tx1="dk1" bg2="dk2" tx2="lt2" accent1="accent1" accent2="accent2" accent3="accent3" accent4="accent4" accent5="accent5" accent6="accent6" hlink="hlink" folHlink="folHlink"/>
+  <p:notesStyle>
+    <a:lvl1pPr marL="0" algn="l" defTabSz="914400" rtl="0" eaLnBrk="1" latinLnBrk="0" hangingPunct="1">
+      <a:defRPr sz="1200" kern="1200">
+        <a:solidFill>
+          <a:schemeClr val="tx1"/>
+        </a:solidFill>
+        <a:latin typeface="+mn-lt"/>
+        <a:ea typeface="+mn-ea"/>
+        <a:cs typeface="+mn-cs"/>
+      </a:defRPr>
+    </a:lvl1pPr>
+    <a:lvl2pPr marL="457200" algn="l" defTabSz="914400" rtl="0" eaLnBrk="1" latinLnBrk="0" hangingPunct="1">
+      <a:defRPr sz="1200" kern="1200">
+        <a:solidFill>
+          <a:schemeClr val="tx1"/>
+        </a:solidFill>
+        <a:latin typeface="+mn-lt"/>
+        <a:ea typeface="+mn-ea"/>
+        <a:cs typeface="+mn-cs"/>
+      </a:defRPr>
+    </a:lvl2pPr>
+    <a:lvl3pPr marL="914400" algn="l" defTabSz="914400" rtl="0" eaLnBrk="1" latinLnBrk="0" hangingPunct="1">
+      <a:defRPr sz="1200" kern="1200">
+        <a:solidFill>
+          <a:schemeClr val="tx1"/>
+        </a:solidFill>
+        <a:latin typeface="+mn-lt"/>
+        <a:ea typeface="+mn-ea"/>
+        <a:cs typeface="+mn-cs"/>
+      </a:defRPr>
+    </a:lvl3pPr>
+    <a:lvl4pPr marL="1371600" algn="l" defTabSz="914400" rtl="0" eaLnBrk="1" latinLnBrk="0" hangingPunct="1">
+      <a:defRPr sz="1200" kern="1200">
+        <a:solidFill>
+          <a:schemeClr val="tx1"/>
+        </a:solidFill>
+        <a:latin typeface="+mn-lt"/>
+        <a:ea typeface="+mn-ea"/>
+        <a:cs typeface="+mn-cs"/>
+      </a:defRPr>
+    </a:lvl4pPr>
+    <a:lvl5pPr marL="1828800" algn="l" defTabSz="914400" rtl="0" eaLnBrk="1" latinLnBrk="0" hangingPunct="1">
+      <a:defRPr sz="1200" kern="1200">
+        <a:solidFill>
+          <a:schemeClr val="tx1"/>
+        </a:solidFill>
+        <a:latin typeface="+mn-lt"/>
+        <a:ea typeface="+mn-ea"/>
+        <a:cs typeface="+mn-cs"/>
+      </a:defRPr>
+    </a:lvl5pPr>
+    <a:lvl6pPr marL="2286000" algn="l" defTabSz="914400" rtl="0" eaLnBrk="1" latinLnBrk="0" hangingPunct="1">
+      <a:defRPr sz="1200" kern="1200">
+        <a:solidFill>
+          <a:schemeClr val="tx1"/>
+        </a:solidFill>
+        <a:latin typeface="+mn-lt"/>
+        <a:ea typeface="+mn-ea"/>
+        <a:cs typeface="+mn-cs"/>
+      </a:defRPr>
+    </a:lvl6pPr>
+    <a:lvl7pPr marL="2743200" algn="l" defTabSz="914400" rtl="0" eaLnBrk="1" latinLnBrk="0" hangingPunct="1">
+      <a:defRPr sz="1200" kern="1200">
+        <a:solidFill>
+          <a:schemeClr val="tx1"/>
+        </a:solidFill>
+        <a:latin typeface="+mn-lt"/>
+        <a:ea typeface="+mn-ea"/>
+        <a:cs typeface="+mn-cs"/>
+      </a:defRPr>
+    </a:lvl7pPr>
+    <a:lvl8pPr marL="3200400" algn="l" defTabSz="914400" rtl="0" eaLnBrk="1" latinLnBrk="0" hangingPunct="1">
+      <a:defRPr sz="1200" kern="1200">
+        <a:solidFill>
+          <a:schemeClr val="tx1"/>
+        </a:solidFill>
+        <a:latin typeface="+mn-lt"/>
+        <a:ea typeface="+mn-ea"/>
+        <a:cs typeface="+mn-cs"/>
+      </a:defRPr>
+    </a:lvl8pPr>
+    <a:lvl9pPr marL="3657600" algn="l" defTabSz="914400" rtl="0" eaLnBrk="1" latinLnBrk="0" hangingPunct="1">
+      <a:defRPr sz="1200" kern="1200">
+        <a:solidFill>
+          <a:schemeClr val="tx1"/>
+        </a:solidFill>
+        <a:latin typeface="+mn-lt"/>
+        <a:ea typeface="+mn-ea"/>
+        <a:cs typeface="+mn-cs"/>
+      </a:defRPr>
+    </a:lvl9pPr>
+  </p:notesStyle>
 </p:notesMaster>
 </file>
 
 <file path=ppt/notesSlides/notesSlide1.xml><?xml version="1.0" encoding="utf-8"?>
-<p:notes xmlns:a="http://schemas.openxmlformats.org/drawingml/2006/main" xmlns:r="http://schemas.openxmlformats.org/officeDocument/2006/relationships" xmlns:mc="http://schemas.openxmlformats.org/markup-compatibility/2006" xmlns:mv="urn:schemas-microsoft-com:mac:vml" xmlns:p="http://schemas.openxmlformats.org/presentationml/2006/main" xmlns:c="http://schemas.openxmlformats.org/drawingml/2006/chart" xmlns:dgm="http://schemas.openxmlformats.org/drawingml/2006/diagram" xmlns:o="urn:schemas-microsoft-com:office:office" xmlns:v="urn:schemas-microsoft-com:vml" xmlns:pvml="urn:schemas-microsoft-com:office:powerpoint" xmlns:com="http://schemas.openxmlformats.org/drawingml/2006/compatibility" xmlns:p14="http://schemas.microsoft.com/office/powerpoint/2010/main" showMasterPhAnim="0" showMasterSp="0">
+<p:notes xmlns:a="http://schemas.openxmlformats.org/drawingml/2006/main" xmlns:r="http://schemas.openxmlformats.org/officeDocument/2006/relationships" xmlns:p="http://schemas.openxmlformats.org/presentationml/2006/main" showMasterSp="0" showMasterPhAnim="0">
   <p:cSld>
     <p:spTree>
       <p:nvGrpSpPr>
-        <p:cNvPr id="75" name="Shape 75"/>
+        <p:cNvPr id="1" name="Shape 75"/>
         <p:cNvGrpSpPr/>
         <p:nvPr/>
       </p:nvGrpSpPr>
@@ -705,9 +829,11 @@
       <p:sp>
         <p:nvSpPr>
           <p:cNvPr id="76" name="Shape 76"/>
-          <p:cNvSpPr txBox="1"/>
+          <p:cNvSpPr txBox="1">
+            <a:spLocks noGrp="1"/>
+          </p:cNvSpPr>
           <p:nvPr>
-            <p:ph idx="1" type="body"/>
+            <p:ph type="body" idx="1"/>
           </p:nvPr>
         </p:nvSpPr>
         <p:spPr>
@@ -720,7 +846,7 @@
           </a:prstGeom>
         </p:spPr>
         <p:txBody>
-          <a:bodyPr anchorCtr="0" anchor="t" bIns="91425" lIns="91425" rIns="91425" tIns="91425">
+          <a:bodyPr lIns="91425" tIns="91425" rIns="91425" bIns="91425" anchor="t" anchorCtr="0">
             <a:noAutofit/>
           </a:bodyPr>
           <a:lstStyle/>
@@ -731,9 +857,6 @@
               </a:spcBef>
               <a:buNone/>
             </a:pPr>
-            <a:r>
-              <a:t/>
-            </a:r>
             <a:endParaRPr/>
           </a:p>
         </p:txBody>
@@ -741,9 +864,11 @@
       <p:sp>
         <p:nvSpPr>
           <p:cNvPr id="77" name="Shape 77"/>
-          <p:cNvSpPr/>
+          <p:cNvSpPr>
+            <a:spLocks noGrp="1" noRot="1" noChangeAspect="1"/>
+          </p:cNvSpPr>
           <p:nvPr>
-            <p:ph idx="2" type="sldImg"/>
+            <p:ph type="sldImg" idx="2"/>
           </p:nvPr>
         </p:nvSpPr>
         <p:spPr>
@@ -752,8 +877,13 @@
             <a:ext cx="6858000" cy="3429000"/>
           </a:xfrm>
           <a:custGeom>
+            <a:avLst/>
+            <a:gdLst/>
+            <a:ahLst/>
+            <a:cxnLst/>
+            <a:rect l="0" t="0" r="0" b="0"/>
             <a:pathLst>
-              <a:path extrusionOk="0" h="120000" w="120000">
+              <a:path w="120000" h="120000" extrusionOk="0">
                 <a:moveTo>
                   <a:pt x="0" y="0"/>
                 </a:moveTo>
@@ -771,18 +901,23 @@
             </a:pathLst>
           </a:custGeom>
           <a:noFill/>
-          <a:ln cap="flat" w="9525">
+          <a:ln w="9525" cap="flat">
             <a:solidFill>
               <a:srgbClr val="000000"/>
             </a:solidFill>
             <a:prstDash val="solid"/>
             <a:round/>
-            <a:headEnd len="med" w="med" type="none"/>
-            <a:tailEnd len="med" w="med" type="none"/>
+            <a:headEnd type="none" w="med" len="med"/>
+            <a:tailEnd type="none" w="med" len="med"/>
           </a:ln>
         </p:spPr>
       </p:sp>
     </p:spTree>
+    <p:extLst>
+      <p:ext uri="{BB962C8B-B14F-4D97-AF65-F5344CB8AC3E}">
+        <p14:creationId xmlns:p14="http://schemas.microsoft.com/office/powerpoint/2010/main" val="3677373664"/>
+      </p:ext>
+    </p:extLst>
   </p:cSld>
   <p:clrMapOvr>
     <a:masterClrMapping/>
@@ -791,11 +926,11 @@
 </file>
 
 <file path=ppt/slideLayouts/slideLayout1.xml><?xml version="1.0" encoding="utf-8"?>
-<p:sldLayout xmlns:a="http://schemas.openxmlformats.org/drawingml/2006/main" xmlns:r="http://schemas.openxmlformats.org/officeDocument/2006/relationships" xmlns:mc="http://schemas.openxmlformats.org/markup-compatibility/2006" xmlns:mv="urn:schemas-microsoft-com:mac:vml" xmlns:p="http://schemas.openxmlformats.org/presentationml/2006/main" xmlns:c="http://schemas.openxmlformats.org/drawingml/2006/chart" xmlns:dgm="http://schemas.openxmlformats.org/drawingml/2006/diagram" xmlns:o="urn:schemas-microsoft-com:office:office" xmlns:v="urn:schemas-microsoft-com:vml" xmlns:pvml="urn:schemas-microsoft-com:office:powerpoint" xmlns:com="http://schemas.openxmlformats.org/drawingml/2006/compatibility" xmlns:p14="http://schemas.microsoft.com/office/powerpoint/2010/main">
+<p:sldLayout xmlns:a="http://schemas.openxmlformats.org/drawingml/2006/main" xmlns:r="http://schemas.openxmlformats.org/officeDocument/2006/relationships" xmlns:p="http://schemas.openxmlformats.org/presentationml/2006/main">
   <p:cSld name="Custom Layout">
     <p:spTree>
       <p:nvGrpSpPr>
-        <p:cNvPr id="9" name="Shape 9"/>
+        <p:cNvPr id="1" name="Shape 9"/>
         <p:cNvGrpSpPr/>
         <p:nvPr/>
       </p:nvGrpSpPr>
@@ -810,7 +945,9 @@
       <p:sp>
         <p:nvSpPr>
           <p:cNvPr id="10" name="Shape 10"/>
-          <p:cNvSpPr txBox="1"/>
+          <p:cNvSpPr txBox="1">
+            <a:spLocks noGrp="1"/>
+          </p:cNvSpPr>
           <p:nvPr>
             <p:ph type="title"/>
           </p:nvPr>
@@ -829,7 +966,7 @@
           </a:ln>
         </p:spPr>
         <p:txBody>
-          <a:bodyPr anchorCtr="0" anchor="t" bIns="91425" lIns="91425" rIns="91425" tIns="91425"/>
+          <a:bodyPr lIns="91425" tIns="91425" rIns="91425" bIns="91425" anchor="t" anchorCtr="0"/>
           <a:lstStyle>
             <a:lvl1pPr rtl="0">
               <a:spcBef>
@@ -886,15 +1023,19 @@
               <a:defRPr/>
             </a:lvl9pPr>
           </a:lstStyle>
-          <a:p/>
+          <a:p>
+            <a:endParaRPr/>
+          </a:p>
         </p:txBody>
       </p:sp>
       <p:sp>
         <p:nvSpPr>
           <p:cNvPr id="11" name="Shape 11"/>
-          <p:cNvSpPr txBox="1"/>
+          <p:cNvSpPr txBox="1">
+            <a:spLocks noGrp="1"/>
+          </p:cNvSpPr>
           <p:nvPr>
-            <p:ph idx="1" type="body"/>
+            <p:ph type="body" idx="1"/>
           </p:nvPr>
         </p:nvSpPr>
         <p:spPr>
@@ -911,7 +1052,7 @@
           </a:ln>
         </p:spPr>
         <p:txBody>
-          <a:bodyPr anchorCtr="0" anchor="t" bIns="91425" lIns="91425" rIns="91425" tIns="91425"/>
+          <a:bodyPr lIns="91425" tIns="91425" rIns="91425" bIns="91425" anchor="t" anchorCtr="0"/>
           <a:lstStyle>
             <a:lvl1pPr rtl="0">
               <a:spcBef>
@@ -968,7 +1109,9 @@
               <a:defRPr/>
             </a:lvl9pPr>
           </a:lstStyle>
-          <a:p/>
+          <a:p>
+            <a:endParaRPr/>
+          </a:p>
         </p:txBody>
       </p:sp>
     </p:spTree>
@@ -980,11 +1123,11 @@
 </file>
 
 <file path=ppt/slideLayouts/slideLayout2.xml><?xml version="1.0" encoding="utf-8"?>
-<p:sldLayout xmlns:a="http://schemas.openxmlformats.org/drawingml/2006/main" xmlns:r="http://schemas.openxmlformats.org/officeDocument/2006/relationships" xmlns:mc="http://schemas.openxmlformats.org/markup-compatibility/2006" xmlns:mv="urn:schemas-microsoft-com:mac:vml" xmlns:p="http://schemas.openxmlformats.org/presentationml/2006/main" xmlns:c="http://schemas.openxmlformats.org/drawingml/2006/chart" xmlns:dgm="http://schemas.openxmlformats.org/drawingml/2006/diagram" xmlns:o="urn:schemas-microsoft-com:office:office" xmlns:v="urn:schemas-microsoft-com:vml" xmlns:pvml="urn:schemas-microsoft-com:office:powerpoint" xmlns:com="http://schemas.openxmlformats.org/drawingml/2006/compatibility" xmlns:p14="http://schemas.microsoft.com/office/powerpoint/2010/main" type="blank">
+<p:sldLayout xmlns:a="http://schemas.openxmlformats.org/drawingml/2006/main" xmlns:r="http://schemas.openxmlformats.org/officeDocument/2006/relationships" xmlns:p="http://schemas.openxmlformats.org/presentationml/2006/main" type="blank">
   <p:cSld name="Blank">
     <p:spTree>
       <p:nvGrpSpPr>
-        <p:cNvPr id="12" name="Shape 12"/>
+        <p:cNvPr id="1" name="Shape 12"/>
         <p:cNvGrpSpPr/>
         <p:nvPr/>
       </p:nvGrpSpPr>
@@ -1005,18 +1148,19 @@
 </file>
 
 <file path=ppt/slideMasters/slideMaster1.xml><?xml version="1.0" encoding="utf-8"?>
-<p:sldMaster xmlns:a="http://schemas.openxmlformats.org/drawingml/2006/main" xmlns:r="http://schemas.openxmlformats.org/officeDocument/2006/relationships" xmlns:mc="http://schemas.openxmlformats.org/markup-compatibility/2006" xmlns:mv="urn:schemas-microsoft-com:mac:vml" xmlns:p="http://schemas.openxmlformats.org/presentationml/2006/main" xmlns:c="http://schemas.openxmlformats.org/drawingml/2006/chart" xmlns:dgm="http://schemas.openxmlformats.org/drawingml/2006/diagram" xmlns:o="urn:schemas-microsoft-com:office:office" xmlns:v="urn:schemas-microsoft-com:vml" xmlns:pvml="urn:schemas-microsoft-com:office:powerpoint" xmlns:com="http://schemas.openxmlformats.org/drawingml/2006/compatibility" xmlns:p14="http://schemas.microsoft.com/office/powerpoint/2010/main">
+<p:sldMaster xmlns:a="http://schemas.openxmlformats.org/drawingml/2006/main" xmlns:r="http://schemas.openxmlformats.org/officeDocument/2006/relationships" xmlns:p="http://schemas.openxmlformats.org/presentationml/2006/main">
   <p:cSld>
     <p:bg>
       <p:bgPr>
         <a:solidFill>
           <a:schemeClr val="lt1"/>
         </a:solidFill>
+        <a:effectLst/>
       </p:bgPr>
     </p:bg>
     <p:spTree>
       <p:nvGrpSpPr>
-        <p:cNvPr id="8" name="Shape 8"/>
+        <p:cNvPr id="1" name="Shape 8"/>
         <p:cNvGrpSpPr/>
         <p:nvPr/>
       </p:nvGrpSpPr>
@@ -1030,15 +1174,15 @@
       </p:grpSpPr>
     </p:spTree>
   </p:cSld>
-  <p:clrMap accent1="accent1" accent2="accent2" accent3="accent3" accent4="accent4" accent5="accent5" accent6="accent6" bg1="lt1" bg2="dk2" tx1="dk1" tx2="lt2" folHlink="folHlink" hlink="hlink"/>
+  <p:clrMap bg1="lt1" tx1="dk1" bg2="dk2" tx2="lt2" accent1="accent1" accent2="accent2" accent3="accent3" accent4="accent4" accent5="accent5" accent6="accent6" hlink="hlink" folHlink="folHlink"/>
   <p:sldLayoutIdLst>
     <p:sldLayoutId id="2147483648" r:id="rId1"/>
     <p:sldLayoutId id="2147483649" r:id="rId2"/>
   </p:sldLayoutIdLst>
-  <p:hf dt="0" ftr="0" hdr="0" sldNum="0"/>
+  <p:hf sldNum="0" hdr="0" ftr="0" dt="0"/>
   <p:txStyles>
     <p:titleStyle>
-      <a:defPPr marR="0" rtl="0" algn="l">
+      <a:defPPr marR="0" algn="l" rtl="0">
         <a:lnSpc>
           <a:spcPct val="100000"/>
         </a:lnSpc>
@@ -1049,7 +1193,7 @@
           <a:spcPts val="0"/>
         </a:spcAft>
       </a:defPPr>
-      <a:lvl1pPr marR="0" rtl="0" algn="l">
+      <a:lvl1pPr marR="0" algn="l" rtl="0">
         <a:lnSpc>
           <a:spcPct val="100000"/>
         </a:lnSpc>
@@ -1060,7 +1204,7 @@
           <a:spcPts val="0"/>
         </a:spcAft>
         <a:buNone/>
-        <a:defRPr b="0" baseline="0" i="0" sz="1400" u="none" cap="none" strike="noStrike">
+        <a:defRPr sz="1400" b="0" i="0" u="none" strike="noStrike" cap="none" baseline="0">
           <a:solidFill>
             <a:srgbClr val="000000"/>
           </a:solidFill>
@@ -1071,7 +1215,7 @@
           <a:rtl val="0"/>
         </a:defRPr>
       </a:lvl1pPr>
-      <a:lvl2pPr marR="0" rtl="0" algn="l">
+      <a:lvl2pPr marR="0" algn="l" rtl="0">
         <a:lnSpc>
           <a:spcPct val="100000"/>
         </a:lnSpc>
@@ -1082,7 +1226,7 @@
           <a:spcPts val="0"/>
         </a:spcAft>
         <a:buNone/>
-        <a:defRPr b="0" baseline="0" i="0" sz="1400" u="none" cap="none" strike="noStrike">
+        <a:defRPr sz="1400" b="0" i="0" u="none" strike="noStrike" cap="none" baseline="0">
           <a:solidFill>
             <a:srgbClr val="000000"/>
           </a:solidFill>
@@ -1095,7 +1239,7 @@
       </a:lvl2pPr>
     </p:titleStyle>
     <p:bodyStyle>
-      <a:defPPr marR="0" rtl="0" algn="l">
+      <a:defPPr marR="0" algn="l" rtl="0">
         <a:lnSpc>
           <a:spcPct val="100000"/>
         </a:lnSpc>
@@ -1106,7 +1250,7 @@
           <a:spcPts val="0"/>
         </a:spcAft>
       </a:defPPr>
-      <a:lvl1pPr marR="0" rtl="0" algn="l">
+      <a:lvl1pPr marR="0" algn="l" rtl="0">
         <a:lnSpc>
           <a:spcPct val="100000"/>
         </a:lnSpc>
@@ -1117,7 +1261,7 @@
           <a:spcPts val="0"/>
         </a:spcAft>
         <a:buNone/>
-        <a:defRPr b="0" baseline="0" i="0" sz="1400" u="none" cap="none" strike="noStrike">
+        <a:defRPr sz="1400" b="0" i="0" u="none" strike="noStrike" cap="none" baseline="0">
           <a:solidFill>
             <a:srgbClr val="000000"/>
           </a:solidFill>
@@ -1128,7 +1272,7 @@
           <a:rtl val="0"/>
         </a:defRPr>
       </a:lvl1pPr>
-      <a:lvl2pPr marR="0" rtl="0" algn="l">
+      <a:lvl2pPr marR="0" algn="l" rtl="0">
         <a:lnSpc>
           <a:spcPct val="100000"/>
         </a:lnSpc>
@@ -1139,7 +1283,7 @@
           <a:spcPts val="0"/>
         </a:spcAft>
         <a:buNone/>
-        <a:defRPr b="0" baseline="0" i="0" sz="1400" u="none" cap="none" strike="noStrike">
+        <a:defRPr sz="1400" b="0" i="0" u="none" strike="noStrike" cap="none" baseline="0">
           <a:solidFill>
             <a:srgbClr val="000000"/>
           </a:solidFill>
@@ -1150,7 +1294,7 @@
           <a:rtl val="0"/>
         </a:defRPr>
       </a:lvl2pPr>
-      <a:lvl3pPr marR="0" rtl="0" algn="l">
+      <a:lvl3pPr marR="0" algn="l" rtl="0">
         <a:lnSpc>
           <a:spcPct val="100000"/>
         </a:lnSpc>
@@ -1161,7 +1305,7 @@
           <a:spcPts val="0"/>
         </a:spcAft>
         <a:buNone/>
-        <a:defRPr b="0" baseline="0" i="0" sz="1400" u="none" cap="none" strike="noStrike">
+        <a:defRPr sz="1400" b="0" i="0" u="none" strike="noStrike" cap="none" baseline="0">
           <a:solidFill>
             <a:srgbClr val="000000"/>
           </a:solidFill>
@@ -1172,7 +1316,7 @@
           <a:rtl val="0"/>
         </a:defRPr>
       </a:lvl3pPr>
-      <a:lvl4pPr marR="0" rtl="0" algn="l">
+      <a:lvl4pPr marR="0" algn="l" rtl="0">
         <a:lnSpc>
           <a:spcPct val="100000"/>
         </a:lnSpc>
@@ -1183,7 +1327,7 @@
           <a:spcPts val="0"/>
         </a:spcAft>
         <a:buNone/>
-        <a:defRPr b="0" baseline="0" i="0" sz="1400" u="none" cap="none" strike="noStrike">
+        <a:defRPr sz="1400" b="0" i="0" u="none" strike="noStrike" cap="none" baseline="0">
           <a:solidFill>
             <a:srgbClr val="000000"/>
           </a:solidFill>
@@ -1194,7 +1338,7 @@
           <a:rtl val="0"/>
         </a:defRPr>
       </a:lvl4pPr>
-      <a:lvl5pPr marR="0" rtl="0" algn="l">
+      <a:lvl5pPr marR="0" algn="l" rtl="0">
         <a:lnSpc>
           <a:spcPct val="100000"/>
         </a:lnSpc>
@@ -1205,7 +1349,7 @@
           <a:spcPts val="0"/>
         </a:spcAft>
         <a:buNone/>
-        <a:defRPr b="0" baseline="0" i="0" sz="1400" u="none" cap="none" strike="noStrike">
+        <a:defRPr sz="1400" b="0" i="0" u="none" strike="noStrike" cap="none" baseline="0">
           <a:solidFill>
             <a:srgbClr val="000000"/>
           </a:solidFill>
@@ -1216,7 +1360,7 @@
           <a:rtl val="0"/>
         </a:defRPr>
       </a:lvl5pPr>
-      <a:lvl6pPr marR="0" rtl="0" algn="l">
+      <a:lvl6pPr marR="0" algn="l" rtl="0">
         <a:lnSpc>
           <a:spcPct val="100000"/>
         </a:lnSpc>
@@ -1227,7 +1371,7 @@
           <a:spcPts val="0"/>
         </a:spcAft>
         <a:buNone/>
-        <a:defRPr b="0" baseline="0" i="0" sz="1400" u="none" cap="none" strike="noStrike">
+        <a:defRPr sz="1400" b="0" i="0" u="none" strike="noStrike" cap="none" baseline="0">
           <a:solidFill>
             <a:srgbClr val="000000"/>
           </a:solidFill>
@@ -1238,7 +1382,7 @@
           <a:rtl val="0"/>
         </a:defRPr>
       </a:lvl6pPr>
-      <a:lvl7pPr marR="0" rtl="0" algn="l">
+      <a:lvl7pPr marR="0" algn="l" rtl="0">
         <a:lnSpc>
           <a:spcPct val="100000"/>
         </a:lnSpc>
@@ -1249,7 +1393,7 @@
           <a:spcPts val="0"/>
         </a:spcAft>
         <a:buNone/>
-        <a:defRPr b="0" baseline="0" i="0" sz="1400" u="none" cap="none" strike="noStrike">
+        <a:defRPr sz="1400" b="0" i="0" u="none" strike="noStrike" cap="none" baseline="0">
           <a:solidFill>
             <a:srgbClr val="000000"/>
           </a:solidFill>
@@ -1260,7 +1404,7 @@
           <a:rtl val="0"/>
         </a:defRPr>
       </a:lvl7pPr>
-      <a:lvl8pPr marR="0" rtl="0" algn="l">
+      <a:lvl8pPr marR="0" algn="l" rtl="0">
         <a:lnSpc>
           <a:spcPct val="100000"/>
         </a:lnSpc>
@@ -1271,7 +1415,7 @@
           <a:spcPts val="0"/>
         </a:spcAft>
         <a:buNone/>
-        <a:defRPr b="0" baseline="0" i="0" sz="1400" u="none" cap="none" strike="noStrike">
+        <a:defRPr sz="1400" b="0" i="0" u="none" strike="noStrike" cap="none" baseline="0">
           <a:solidFill>
             <a:srgbClr val="000000"/>
           </a:solidFill>
@@ -1282,7 +1426,7 @@
           <a:rtl val="0"/>
         </a:defRPr>
       </a:lvl8pPr>
-      <a:lvl9pPr marR="0" rtl="0" algn="l">
+      <a:lvl9pPr marR="0" algn="l" rtl="0">
         <a:lnSpc>
           <a:spcPct val="100000"/>
         </a:lnSpc>
@@ -1293,7 +1437,7 @@
           <a:spcPts val="0"/>
         </a:spcAft>
         <a:buNone/>
-        <a:defRPr b="0" baseline="0" i="0" sz="1400" u="none" cap="none" strike="noStrike">
+        <a:defRPr sz="1400" b="0" i="0" u="none" strike="noStrike" cap="none" baseline="0">
           <a:solidFill>
             <a:srgbClr val="000000"/>
           </a:solidFill>
@@ -1306,7 +1450,7 @@
       </a:lvl9pPr>
     </p:bodyStyle>
     <p:otherStyle>
-      <a:defPPr marR="0" rtl="0" algn="l">
+      <a:defPPr marR="0" algn="l" rtl="0">
         <a:lnSpc>
           <a:spcPct val="100000"/>
         </a:lnSpc>
@@ -1317,7 +1461,7 @@
           <a:spcPts val="0"/>
         </a:spcAft>
       </a:defPPr>
-      <a:lvl1pPr marR="0" rtl="0" algn="l">
+      <a:lvl1pPr marR="0" algn="l" rtl="0">
         <a:lnSpc>
           <a:spcPct val="100000"/>
         </a:lnSpc>
@@ -1328,7 +1472,7 @@
           <a:spcPts val="0"/>
         </a:spcAft>
         <a:buNone/>
-        <a:defRPr b="0" baseline="0" i="0" sz="1400" u="none" cap="none" strike="noStrike">
+        <a:defRPr sz="1400" b="0" i="0" u="none" strike="noStrike" cap="none" baseline="0">
           <a:solidFill>
             <a:srgbClr val="000000"/>
           </a:solidFill>
@@ -1339,7 +1483,7 @@
           <a:rtl val="0"/>
         </a:defRPr>
       </a:lvl1pPr>
-      <a:lvl2pPr marR="0" rtl="0" algn="l">
+      <a:lvl2pPr marR="0" algn="l" rtl="0">
         <a:lnSpc>
           <a:spcPct val="100000"/>
         </a:lnSpc>
@@ -1350,7 +1494,7 @@
           <a:spcPts val="0"/>
         </a:spcAft>
         <a:buNone/>
-        <a:defRPr b="0" baseline="0" i="0" sz="1400" u="none" cap="none" strike="noStrike">
+        <a:defRPr sz="1400" b="0" i="0" u="none" strike="noStrike" cap="none" baseline="0">
           <a:solidFill>
             <a:srgbClr val="000000"/>
           </a:solidFill>
@@ -1361,7 +1505,7 @@
           <a:rtl val="0"/>
         </a:defRPr>
       </a:lvl2pPr>
-      <a:lvl3pPr marR="0" rtl="0" algn="l">
+      <a:lvl3pPr marR="0" algn="l" rtl="0">
         <a:lnSpc>
           <a:spcPct val="100000"/>
         </a:lnSpc>
@@ -1372,7 +1516,7 @@
           <a:spcPts val="0"/>
         </a:spcAft>
         <a:buNone/>
-        <a:defRPr b="0" baseline="0" i="0" sz="1400" u="none" cap="none" strike="noStrike">
+        <a:defRPr sz="1400" b="0" i="0" u="none" strike="noStrike" cap="none" baseline="0">
           <a:solidFill>
             <a:srgbClr val="000000"/>
           </a:solidFill>
@@ -1383,7 +1527,7 @@
           <a:rtl val="0"/>
         </a:defRPr>
       </a:lvl3pPr>
-      <a:lvl4pPr marR="0" rtl="0" algn="l">
+      <a:lvl4pPr marR="0" algn="l" rtl="0">
         <a:lnSpc>
           <a:spcPct val="100000"/>
         </a:lnSpc>
@@ -1394,7 +1538,7 @@
           <a:spcPts val="0"/>
         </a:spcAft>
         <a:buNone/>
-        <a:defRPr b="0" baseline="0" i="0" sz="1400" u="none" cap="none" strike="noStrike">
+        <a:defRPr sz="1400" b="0" i="0" u="none" strike="noStrike" cap="none" baseline="0">
           <a:solidFill>
             <a:srgbClr val="000000"/>
           </a:solidFill>
@@ -1405,7 +1549,7 @@
           <a:rtl val="0"/>
         </a:defRPr>
       </a:lvl4pPr>
-      <a:lvl5pPr marR="0" rtl="0" algn="l">
+      <a:lvl5pPr marR="0" algn="l" rtl="0">
         <a:lnSpc>
           <a:spcPct val="100000"/>
         </a:lnSpc>
@@ -1416,7 +1560,7 @@
           <a:spcPts val="0"/>
         </a:spcAft>
         <a:buNone/>
-        <a:defRPr b="0" baseline="0" i="0" sz="1400" u="none" cap="none" strike="noStrike">
+        <a:defRPr sz="1400" b="0" i="0" u="none" strike="noStrike" cap="none" baseline="0">
           <a:solidFill>
             <a:srgbClr val="000000"/>
           </a:solidFill>
@@ -1427,7 +1571,7 @@
           <a:rtl val="0"/>
         </a:defRPr>
       </a:lvl5pPr>
-      <a:lvl6pPr marR="0" rtl="0" algn="l">
+      <a:lvl6pPr marR="0" algn="l" rtl="0">
         <a:lnSpc>
           <a:spcPct val="100000"/>
         </a:lnSpc>
@@ -1438,7 +1582,7 @@
           <a:spcPts val="0"/>
         </a:spcAft>
         <a:buNone/>
-        <a:defRPr b="0" baseline="0" i="0" sz="1400" u="none" cap="none" strike="noStrike">
+        <a:defRPr sz="1400" b="0" i="0" u="none" strike="noStrike" cap="none" baseline="0">
           <a:solidFill>
             <a:srgbClr val="000000"/>
           </a:solidFill>
@@ -1449,7 +1593,7 @@
           <a:rtl val="0"/>
         </a:defRPr>
       </a:lvl6pPr>
-      <a:lvl7pPr marR="0" rtl="0" algn="l">
+      <a:lvl7pPr marR="0" algn="l" rtl="0">
         <a:lnSpc>
           <a:spcPct val="100000"/>
         </a:lnSpc>
@@ -1460,7 +1604,7 @@
           <a:spcPts val="0"/>
         </a:spcAft>
         <a:buNone/>
-        <a:defRPr b="0" baseline="0" i="0" sz="1400" u="none" cap="none" strike="noStrike">
+        <a:defRPr sz="1400" b="0" i="0" u="none" strike="noStrike" cap="none" baseline="0">
           <a:solidFill>
             <a:srgbClr val="000000"/>
           </a:solidFill>
@@ -1471,7 +1615,7 @@
           <a:rtl val="0"/>
         </a:defRPr>
       </a:lvl7pPr>
-      <a:lvl8pPr marR="0" rtl="0" algn="l">
+      <a:lvl8pPr marR="0" algn="l" rtl="0">
         <a:lnSpc>
           <a:spcPct val="100000"/>
         </a:lnSpc>
@@ -1482,7 +1626,7 @@
           <a:spcPts val="0"/>
         </a:spcAft>
         <a:buNone/>
-        <a:defRPr b="0" baseline="0" i="0" sz="1400" u="none" cap="none" strike="noStrike">
+        <a:defRPr sz="1400" b="0" i="0" u="none" strike="noStrike" cap="none" baseline="0">
           <a:solidFill>
             <a:srgbClr val="000000"/>
           </a:solidFill>
@@ -1493,7 +1637,7 @@
           <a:rtl val="0"/>
         </a:defRPr>
       </a:lvl8pPr>
-      <a:lvl9pPr marR="0" rtl="0" algn="l">
+      <a:lvl9pPr marR="0" algn="l" rtl="0">
         <a:lnSpc>
           <a:spcPct val="100000"/>
         </a:lnSpc>
@@ -1504,7 +1648,7 @@
           <a:spcPts val="0"/>
         </a:spcAft>
         <a:buNone/>
-        <a:defRPr b="0" baseline="0" i="0" sz="1400" u="none" cap="none" strike="noStrike">
+        <a:defRPr sz="1400" b="0" i="0" u="none" strike="noStrike" cap="none" baseline="0">
           <a:solidFill>
             <a:srgbClr val="000000"/>
           </a:solidFill>
@@ -1521,11 +1665,11 @@
 </file>
 
 <file path=ppt/slides/slide1.xml><?xml version="1.0" encoding="utf-8"?>
-<p:sld xmlns:a="http://schemas.openxmlformats.org/drawingml/2006/main" xmlns:r="http://schemas.openxmlformats.org/officeDocument/2006/relationships" xmlns:mc="http://schemas.openxmlformats.org/markup-compatibility/2006" xmlns:mv="urn:schemas-microsoft-com:mac:vml" xmlns:p="http://schemas.openxmlformats.org/presentationml/2006/main" xmlns:c="http://schemas.openxmlformats.org/drawingml/2006/chart" xmlns:dgm="http://schemas.openxmlformats.org/drawingml/2006/diagram" xmlns:o="urn:schemas-microsoft-com:office:office" xmlns:v="urn:schemas-microsoft-com:vml" xmlns:pvml="urn:schemas-microsoft-com:office:powerpoint" xmlns:com="http://schemas.openxmlformats.org/drawingml/2006/compatibility" xmlns:p14="http://schemas.microsoft.com/office/powerpoint/2010/main">
+<p:sld xmlns:a="http://schemas.openxmlformats.org/drawingml/2006/main" xmlns:r="http://schemas.openxmlformats.org/officeDocument/2006/relationships" xmlns:p="http://schemas.openxmlformats.org/presentationml/2006/main">
   <p:cSld>
     <p:spTree>
       <p:nvGrpSpPr>
-        <p:cNvPr id="13" name="Shape 13"/>
+        <p:cNvPr id="1" name="Shape 13"/>
         <p:cNvGrpSpPr/>
         <p:nvPr/>
       </p:nvGrpSpPr>
@@ -1570,21 +1714,18 @@
           </a:ln>
         </p:spPr>
         <p:txBody>
-          <a:bodyPr anchorCtr="0" anchor="ctr" bIns="45700" lIns="91425" rIns="91425" tIns="45700">
+          <a:bodyPr lIns="91425" tIns="45700" rIns="91425" bIns="45700" anchor="ctr" anchorCtr="0">
             <a:noAutofit/>
           </a:bodyPr>
           <a:lstStyle/>
           <a:p>
-            <a:pPr indent="0" lvl="0" marL="0" marR="0" rtl="0" algn="ctr">
+            <a:pPr marL="0" marR="0" lvl="0" indent="0" algn="ctr" rtl="0">
               <a:spcBef>
                 <a:spcPts val="0"/>
               </a:spcBef>
               <a:buNone/>
             </a:pPr>
-            <a:r>
-              <a:t/>
-            </a:r>
-            <a:endParaRPr b="0" baseline="0" i="0" sz="6200" u="none" cap="none" strike="noStrike">
+            <a:endParaRPr sz="6200" b="0" i="0" u="none" strike="noStrike" cap="none" baseline="0">
               <a:solidFill>
                 <a:schemeClr val="lt1"/>
               </a:solidFill>
@@ -1606,7 +1747,7 @@
           <a:blip r:embed="rId3">
             <a:alphaModFix/>
           </a:blip>
-          <a:srcRect b="0" l="0" r="87908" t="0"/>
+          <a:srcRect r="87908"/>
           <a:stretch/>
         </p:blipFill>
         <p:spPr>
@@ -1645,21 +1786,18 @@
           </a:ln>
         </p:spPr>
         <p:txBody>
-          <a:bodyPr anchorCtr="0" anchor="ctr" bIns="45700" lIns="91425" rIns="91425" tIns="45700">
+          <a:bodyPr lIns="91425" tIns="45700" rIns="91425" bIns="45700" anchor="ctr" anchorCtr="0">
             <a:noAutofit/>
           </a:bodyPr>
           <a:lstStyle/>
           <a:p>
-            <a:pPr indent="0" lvl="0" marL="0" marR="0" rtl="0" algn="ctr">
+            <a:pPr marL="0" marR="0" lvl="0" indent="0" algn="ctr" rtl="0">
               <a:spcBef>
                 <a:spcPts val="0"/>
               </a:spcBef>
               <a:buNone/>
             </a:pPr>
-            <a:r>
-              <a:t/>
-            </a:r>
-            <a:endParaRPr b="0" baseline="0" i="0" sz="6200" u="none" cap="none" strike="noStrike">
+            <a:endParaRPr sz="6200" b="0" i="0" u="none" strike="noStrike" cap="none" baseline="0">
               <a:solidFill>
                 <a:schemeClr val="lt1"/>
               </a:solidFill>
@@ -1693,21 +1831,18 @@
           </a:ln>
         </p:spPr>
         <p:txBody>
-          <a:bodyPr anchorCtr="0" anchor="ctr" bIns="45700" lIns="91425" rIns="91425" tIns="45700">
+          <a:bodyPr lIns="91425" tIns="45700" rIns="91425" bIns="45700" anchor="ctr" anchorCtr="0">
             <a:noAutofit/>
           </a:bodyPr>
           <a:lstStyle/>
           <a:p>
-            <a:pPr indent="0" lvl="0" marL="0" marR="0" rtl="0" algn="ctr">
+            <a:pPr marL="0" marR="0" lvl="0" indent="0" algn="ctr" rtl="0">
               <a:spcBef>
                 <a:spcPts val="0"/>
               </a:spcBef>
               <a:buNone/>
             </a:pPr>
-            <a:r>
-              <a:t/>
-            </a:r>
-            <a:endParaRPr b="0" baseline="0" i="0" sz="6200" u="none" cap="none" strike="noStrike">
+            <a:endParaRPr sz="6200" b="0" i="0" u="none" strike="noStrike" cap="none" baseline="0">
               <a:solidFill>
                 <a:schemeClr val="lt1"/>
               </a:solidFill>
@@ -1741,21 +1876,18 @@
           </a:ln>
         </p:spPr>
         <p:txBody>
-          <a:bodyPr anchorCtr="0" anchor="ctr" bIns="45700" lIns="91425" rIns="91425" tIns="45700">
+          <a:bodyPr lIns="91425" tIns="45700" rIns="91425" bIns="45700" anchor="ctr" anchorCtr="0">
             <a:noAutofit/>
           </a:bodyPr>
           <a:lstStyle/>
           <a:p>
-            <a:pPr indent="0" lvl="0" marL="0" marR="0" rtl="0" algn="ctr">
+            <a:pPr marL="0" marR="0" lvl="0" indent="0" algn="ctr" rtl="0">
               <a:spcBef>
                 <a:spcPts val="0"/>
               </a:spcBef>
               <a:buNone/>
             </a:pPr>
-            <a:r>
-              <a:t/>
-            </a:r>
-            <a:endParaRPr b="0" baseline="0" i="0" sz="6200" u="none" cap="none" strike="noStrike">
+            <a:endParaRPr sz="6200" b="0" i="0" u="none" strike="noStrike" cap="none" baseline="0">
               <a:solidFill>
                 <a:schemeClr val="lt1"/>
               </a:solidFill>
@@ -1777,7 +1909,7 @@
           <a:blip r:embed="rId4">
             <a:alphaModFix/>
           </a:blip>
-          <a:srcRect b="69729" l="88481" r="-21814" t="-69730"/>
+          <a:srcRect l="88481" t="-69730" r="-21814" b="69729"/>
           <a:stretch/>
         </p:blipFill>
         <p:spPr>
@@ -1818,11 +1950,11 @@
             <a:blip r:embed="rId5">
               <a:alphaModFix/>
             </a:blip>
-            <a:srcRect b="23120" l="14243" r="50380" t="22222"/>
+            <a:srcRect l="14243" t="22222" r="50380" b="23120"/>
             <a:stretch/>
           </p:blipFill>
           <p:spPr>
-            <a:xfrm flipH="1" rot="10800000">
+            <a:xfrm rot="10800000" flipH="1">
               <a:off x="21273245" y="8848164"/>
               <a:ext cx="11645153" cy="11994775"/>
             </a:xfrm>
@@ -1845,7 +1977,7 @@
             <a:blip r:embed="rId6">
               <a:alphaModFix/>
             </a:blip>
-            <a:srcRect b="23039" l="15197" r="53185" t="22549"/>
+            <a:srcRect l="15197" t="22549" r="53185" b="23039"/>
             <a:stretch/>
           </p:blipFill>
           <p:spPr>
@@ -1872,7 +2004,7 @@
             <a:blip r:embed="rId7">
               <a:alphaModFix/>
             </a:blip>
-            <a:srcRect b="0" l="66667" r="0" t="56740"/>
+            <a:srcRect l="66667" t="56740"/>
             <a:stretch/>
           </p:blipFill>
           <p:spPr>
@@ -1893,7 +2025,9 @@
       <p:sp>
         <p:nvSpPr>
           <p:cNvPr id="24" name="Shape 24"/>
-          <p:cNvSpPr txBox="1"/>
+          <p:cNvSpPr txBox="1">
+            <a:spLocks noGrp="1"/>
+          </p:cNvSpPr>
           <p:nvPr>
             <p:ph type="title"/>
           </p:nvPr>
@@ -1912,12 +2046,12 @@
           </a:ln>
         </p:spPr>
         <p:txBody>
-          <a:bodyPr anchorCtr="0" anchor="t" bIns="45700" lIns="91425" rIns="91425" tIns="45700">
+          <a:bodyPr lIns="91425" tIns="45700" rIns="91425" bIns="45700" anchor="t" anchorCtr="0">
             <a:noAutofit/>
           </a:bodyPr>
           <a:lstStyle/>
           <a:p>
-            <a:pPr indent="0" lvl="0" marL="0" marR="0" rtl="0" algn="ctr">
+            <a:pPr marL="0" marR="0" lvl="0" indent="0" algn="ctr" rtl="0">
               <a:spcBef>
                 <a:spcPts val="0"/>
               </a:spcBef>
@@ -1929,7 +2063,7 @@
               <a:buNone/>
             </a:pPr>
             <a:r>
-              <a:rPr b="1" baseline="0" i="0" lang="en-US" sz="9600" u="none" cap="none" strike="noStrike">
+              <a:rPr lang="en-US" sz="9600" b="1" i="0" u="none" strike="noStrike" cap="none" baseline="0">
                 <a:solidFill>
                   <a:schemeClr val="lt1"/>
                 </a:solidFill>
@@ -1946,9 +2080,11 @@
       <p:sp>
         <p:nvSpPr>
           <p:cNvPr id="25" name="Shape 25"/>
-          <p:cNvSpPr txBox="1"/>
+          <p:cNvSpPr txBox="1">
+            <a:spLocks noGrp="1"/>
+          </p:cNvSpPr>
           <p:nvPr>
-            <p:ph idx="1" type="body"/>
+            <p:ph type="body" idx="1"/>
           </p:nvPr>
         </p:nvSpPr>
         <p:spPr>
@@ -1965,12 +2101,12 @@
           </a:ln>
         </p:spPr>
         <p:txBody>
-          <a:bodyPr anchorCtr="0" anchor="t" bIns="45700" lIns="91425" rIns="91425" tIns="45700">
+          <a:bodyPr lIns="91425" tIns="45700" rIns="91425" bIns="45700" anchor="t" anchorCtr="0">
             <a:noAutofit/>
           </a:bodyPr>
           <a:lstStyle/>
           <a:p>
-            <a:pPr indent="0" lvl="0" marL="0" marR="0" rtl="0" algn="ctr">
+            <a:pPr marL="0" marR="0" lvl="0" indent="0" algn="ctr" rtl="0">
               <a:spcBef>
                 <a:spcPts val="0"/>
               </a:spcBef>
@@ -1982,7 +2118,7 @@
               <a:buNone/>
             </a:pPr>
             <a:r>
-              <a:rPr b="0" baseline="0" i="0" lang="en-US" sz="4400" u="none" cap="none" strike="noStrike">
+              <a:rPr lang="en-US" sz="4400" b="0" i="0" u="none" strike="noStrike" cap="none" baseline="0">
                 <a:solidFill>
                   <a:schemeClr val="lt1"/>
                 </a:solidFill>
@@ -1995,7 +2131,7 @@
             </a:r>
           </a:p>
           <a:p>
-            <a:pPr indent="0" lvl="0" marL="0" marR="0" rtl="0" algn="ctr">
+            <a:pPr marL="0" marR="0" lvl="0" indent="0" algn="ctr" rtl="0">
               <a:spcBef>
                 <a:spcPts val="880"/>
               </a:spcBef>
@@ -2007,7 +2143,7 @@
               <a:buNone/>
             </a:pPr>
             <a:r>
-              <a:rPr b="0" baseline="0" i="0" lang="en-US" sz="4400" u="none" cap="none" strike="noStrike">
+              <a:rPr lang="en-US" sz="4400" b="0" i="0" u="none" strike="noStrike" cap="none" baseline="0">
                 <a:solidFill>
                   <a:schemeClr val="lt1"/>
                 </a:solidFill>
@@ -2045,21 +2181,18 @@
           </a:ln>
         </p:spPr>
         <p:txBody>
-          <a:bodyPr anchorCtr="0" anchor="ctr" bIns="45700" lIns="91425" rIns="91425" tIns="45700">
+          <a:bodyPr lIns="91425" tIns="45700" rIns="91425" bIns="45700" anchor="ctr" anchorCtr="0">
             <a:noAutofit/>
           </a:bodyPr>
           <a:lstStyle/>
           <a:p>
-            <a:pPr indent="0" lvl="0" marL="0" marR="0" rtl="0" algn="ctr">
+            <a:pPr marL="0" marR="0" lvl="0" indent="0" algn="ctr" rtl="0">
               <a:spcBef>
                 <a:spcPts val="0"/>
               </a:spcBef>
               <a:buNone/>
             </a:pPr>
-            <a:r>
-              <a:t/>
-            </a:r>
-            <a:endParaRPr b="0" baseline="0" i="0" sz="6200" u="none" cap="none" strike="noStrike">
+            <a:endParaRPr sz="6200" b="0" i="0" u="none" strike="noStrike" cap="none" baseline="0">
               <a:solidFill>
                 <a:schemeClr val="lt1"/>
               </a:solidFill>
@@ -2095,21 +2228,18 @@
           </a:ln>
         </p:spPr>
         <p:txBody>
-          <a:bodyPr anchorCtr="0" anchor="ctr" bIns="45700" lIns="91425" rIns="91425" tIns="45700">
+          <a:bodyPr lIns="91425" tIns="45700" rIns="91425" bIns="45700" anchor="ctr" anchorCtr="0">
             <a:noAutofit/>
           </a:bodyPr>
           <a:lstStyle/>
           <a:p>
-            <a:pPr indent="0" lvl="0" marL="0" marR="0" rtl="0" algn="ctr">
+            <a:pPr marL="0" marR="0" lvl="0" indent="0" algn="ctr" rtl="0">
               <a:spcBef>
                 <a:spcPts val="0"/>
               </a:spcBef>
               <a:buNone/>
             </a:pPr>
-            <a:r>
-              <a:t/>
-            </a:r>
-            <a:endParaRPr b="0" baseline="0" i="0" sz="6200" u="none" cap="none" strike="noStrike">
+            <a:endParaRPr sz="6200" b="0" i="0" u="none" strike="noStrike" cap="none" baseline="0">
               <a:solidFill>
                 <a:schemeClr val="lt1"/>
               </a:solidFill>
@@ -2145,21 +2275,18 @@
           </a:ln>
         </p:spPr>
         <p:txBody>
-          <a:bodyPr anchorCtr="0" anchor="ctr" bIns="45700" lIns="91425" rIns="91425" tIns="45700">
+          <a:bodyPr lIns="91425" tIns="45700" rIns="91425" bIns="45700" anchor="ctr" anchorCtr="0">
             <a:noAutofit/>
           </a:bodyPr>
           <a:lstStyle/>
           <a:p>
-            <a:pPr indent="0" lvl="0" marL="0" marR="0" rtl="0" algn="ctr">
+            <a:pPr marL="0" marR="0" lvl="0" indent="0" algn="ctr" rtl="0">
               <a:spcBef>
                 <a:spcPts val="0"/>
               </a:spcBef>
               <a:buNone/>
             </a:pPr>
-            <a:r>
-              <a:t/>
-            </a:r>
-            <a:endParaRPr b="0" baseline="0" i="0" sz="6200" u="none" cap="none" strike="noStrike">
+            <a:endParaRPr sz="6200" b="0" i="0" u="none" strike="noStrike" cap="none" baseline="0">
               <a:solidFill>
                 <a:schemeClr val="lt1"/>
               </a:solidFill>
@@ -2195,21 +2322,18 @@
           </a:ln>
         </p:spPr>
         <p:txBody>
-          <a:bodyPr anchorCtr="0" anchor="ctr" bIns="45700" lIns="91425" rIns="91425" tIns="45700">
+          <a:bodyPr lIns="91425" tIns="45700" rIns="91425" bIns="45700" anchor="ctr" anchorCtr="0">
             <a:noAutofit/>
           </a:bodyPr>
           <a:lstStyle/>
           <a:p>
-            <a:pPr indent="0" lvl="0" marL="0" marR="0" rtl="0" algn="ctr">
+            <a:pPr marL="0" marR="0" lvl="0" indent="0" algn="ctr" rtl="0">
               <a:spcBef>
                 <a:spcPts val="0"/>
               </a:spcBef>
               <a:buNone/>
             </a:pPr>
-            <a:r>
-              <a:t/>
-            </a:r>
-            <a:endParaRPr b="0" baseline="0" i="0" sz="6200" u="none" cap="none" strike="noStrike">
+            <a:endParaRPr sz="6200" b="0" i="0" u="none" strike="noStrike" cap="none" baseline="0">
               <a:solidFill>
                 <a:schemeClr val="lt1"/>
               </a:solidFill>
@@ -2245,21 +2369,18 @@
           </a:ln>
         </p:spPr>
         <p:txBody>
-          <a:bodyPr anchorCtr="0" anchor="ctr" bIns="45700" lIns="91425" rIns="91425" tIns="45700">
+          <a:bodyPr lIns="91425" tIns="45700" rIns="91425" bIns="45700" anchor="ctr" anchorCtr="0">
             <a:noAutofit/>
           </a:bodyPr>
           <a:lstStyle/>
           <a:p>
-            <a:pPr indent="0" lvl="0" marL="0" marR="0" rtl="0" algn="ctr">
+            <a:pPr marL="0" marR="0" lvl="0" indent="0" algn="ctr" rtl="0">
               <a:spcBef>
                 <a:spcPts val="0"/>
               </a:spcBef>
               <a:buNone/>
             </a:pPr>
-            <a:r>
-              <a:t/>
-            </a:r>
-            <a:endParaRPr b="0" baseline="0" i="0" sz="6200" u="none" cap="none" strike="noStrike">
+            <a:endParaRPr sz="6200" b="0" i="0" u="none" strike="noStrike" cap="none" baseline="0">
               <a:solidFill>
                 <a:schemeClr val="lt1"/>
               </a:solidFill>
@@ -2295,21 +2416,18 @@
           </a:ln>
         </p:spPr>
         <p:txBody>
-          <a:bodyPr anchorCtr="0" anchor="ctr" bIns="45700" lIns="91425" rIns="91425" tIns="45700">
+          <a:bodyPr lIns="91425" tIns="45700" rIns="91425" bIns="45700" anchor="ctr" anchorCtr="0">
             <a:noAutofit/>
           </a:bodyPr>
           <a:lstStyle/>
           <a:p>
-            <a:pPr indent="0" lvl="0" marL="0" marR="0" rtl="0" algn="ctr">
+            <a:pPr marL="0" marR="0" lvl="0" indent="0" algn="ctr" rtl="0">
               <a:spcBef>
                 <a:spcPts val="0"/>
               </a:spcBef>
               <a:buNone/>
             </a:pPr>
-            <a:r>
-              <a:t/>
-            </a:r>
-            <a:endParaRPr b="0" baseline="0" i="0" sz="6200" u="none" cap="none" strike="noStrike">
+            <a:endParaRPr sz="6200" b="0" i="0" u="none" strike="noStrike" cap="none" baseline="0">
               <a:solidFill>
                 <a:schemeClr val="lt1"/>
               </a:solidFill>
@@ -2341,12 +2459,12 @@
           </a:ln>
         </p:spPr>
         <p:txBody>
-          <a:bodyPr anchorCtr="0" anchor="t" bIns="45700" lIns="91425" rIns="91425" tIns="45700">
+          <a:bodyPr lIns="91425" tIns="45700" rIns="91425" bIns="45700" anchor="t" anchorCtr="0">
             <a:noAutofit/>
           </a:bodyPr>
           <a:lstStyle/>
           <a:p>
-            <a:pPr indent="0" lvl="0" marL="0" marR="0" rtl="0" algn="l">
+            <a:pPr marL="0" marR="0" lvl="0" indent="0" algn="l" rtl="0">
               <a:spcBef>
                 <a:spcPts val="0"/>
               </a:spcBef>
@@ -2354,7 +2472,7 @@
               <a:buNone/>
             </a:pPr>
             <a:r>
-              <a:rPr b="0" baseline="0" i="1" lang="en-US" sz="2800" u="none" cap="none" strike="noStrike">
+              <a:rPr lang="en-US" sz="2800" b="0" i="1" u="none" strike="noStrike" cap="none" baseline="0">
                 <a:solidFill>
                   <a:schemeClr val="dk1"/>
                 </a:solidFill>
@@ -2388,12 +2506,12 @@
           </a:ln>
         </p:spPr>
         <p:txBody>
-          <a:bodyPr anchorCtr="0" anchor="t" bIns="45700" lIns="91425" rIns="91425" tIns="45700">
+          <a:bodyPr lIns="91425" tIns="45700" rIns="91425" bIns="45700" anchor="t" anchorCtr="0">
             <a:noAutofit/>
           </a:bodyPr>
           <a:lstStyle/>
           <a:p>
-            <a:pPr indent="0" lvl="0" marL="0" marR="0" rtl="0" algn="l">
+            <a:pPr marL="0" marR="0" lvl="0" indent="0" algn="l" rtl="0">
               <a:spcBef>
                 <a:spcPts val="0"/>
               </a:spcBef>
@@ -2401,7 +2519,7 @@
               <a:buNone/>
             </a:pPr>
             <a:r>
-              <a:rPr b="0" baseline="0" i="1" lang="en-US" sz="2800" u="none" cap="none" strike="noStrike">
+              <a:rPr lang="en-US" sz="2800" b="0" i="1" u="none" strike="noStrike" cap="none" baseline="0">
                 <a:solidFill>
                   <a:schemeClr val="dk1"/>
                 </a:solidFill>
@@ -2435,12 +2553,12 @@
           </a:ln>
         </p:spPr>
         <p:txBody>
-          <a:bodyPr anchorCtr="0" anchor="t" bIns="45700" lIns="91425" rIns="91425" tIns="45700">
+          <a:bodyPr lIns="91425" tIns="45700" rIns="91425" bIns="45700" anchor="t" anchorCtr="0">
             <a:noAutofit/>
           </a:bodyPr>
           <a:lstStyle/>
           <a:p>
-            <a:pPr indent="0" lvl="0" marL="0" marR="0" rtl="0" algn="l">
+            <a:pPr marL="0" marR="0" lvl="0" indent="0" algn="l" rtl="0">
               <a:spcBef>
                 <a:spcPts val="0"/>
               </a:spcBef>
@@ -2448,7 +2566,7 @@
               <a:buNone/>
             </a:pPr>
             <a:r>
-              <a:rPr b="0" baseline="0" i="1" lang="en-US" sz="2800" u="none" cap="none" strike="noStrike">
+              <a:rPr lang="en-US" sz="2800" b="0" i="1" u="none" strike="noStrike" cap="none" baseline="0">
                 <a:solidFill>
                   <a:schemeClr val="dk1"/>
                 </a:solidFill>
@@ -2482,12 +2600,12 @@
           </a:ln>
         </p:spPr>
         <p:txBody>
-          <a:bodyPr anchorCtr="0" anchor="t" bIns="45700" lIns="91425" rIns="91425" tIns="45700">
+          <a:bodyPr lIns="91425" tIns="45700" rIns="91425" bIns="45700" anchor="t" anchorCtr="0">
             <a:noAutofit/>
           </a:bodyPr>
           <a:lstStyle/>
           <a:p>
-            <a:pPr indent="0" lvl="0" marL="0" marR="0" rtl="0" algn="l">
+            <a:pPr marL="0" marR="0" lvl="0" indent="0" algn="l" rtl="0">
               <a:spcBef>
                 <a:spcPts val="0"/>
               </a:spcBef>
@@ -2495,7 +2613,7 @@
               <a:buNone/>
             </a:pPr>
             <a:r>
-              <a:rPr b="0" baseline="0" i="1" lang="en-US" sz="2800" u="none" cap="none" strike="noStrike">
+              <a:rPr lang="en-US" sz="2800" b="0" i="1" u="none" strike="noStrike" cap="none" baseline="0">
                 <a:solidFill>
                   <a:schemeClr val="dk1"/>
                 </a:solidFill>
@@ -2529,12 +2647,12 @@
           </a:ln>
         </p:spPr>
         <p:txBody>
-          <a:bodyPr anchorCtr="0" anchor="t" bIns="45700" lIns="91425" rIns="91425" tIns="45700">
+          <a:bodyPr lIns="91425" tIns="45700" rIns="91425" bIns="45700" anchor="t" anchorCtr="0">
             <a:noAutofit/>
           </a:bodyPr>
           <a:lstStyle/>
           <a:p>
-            <a:pPr indent="-342900" lvl="0" marL="342900" marR="0" rtl="0" algn="l">
+            <a:pPr marL="342900" marR="0" lvl="0" indent="-342900" algn="l" rtl="0">
               <a:spcBef>
                 <a:spcPts val="0"/>
               </a:spcBef>
@@ -2546,7 +2664,7 @@
               <a:buChar char="•"/>
             </a:pPr>
             <a:r>
-              <a:rPr b="0" baseline="0" i="0" lang="en-US" sz="2800" u="none" cap="none" strike="noStrike">
+              <a:rPr lang="en-US" sz="2800" b="0" i="0" u="none" strike="noStrike" cap="none" baseline="0">
                 <a:solidFill>
                   <a:schemeClr val="dk1"/>
                 </a:solidFill>
@@ -2559,7 +2677,7 @@
             </a:r>
           </a:p>
           <a:p>
-            <a:pPr indent="-342900" lvl="0" marL="342900" marR="0" rtl="0" algn="l">
+            <a:pPr marL="342900" marR="0" lvl="0" indent="-342900" algn="l" rtl="0">
               <a:spcBef>
                 <a:spcPts val="0"/>
               </a:spcBef>
@@ -2571,7 +2689,7 @@
               <a:buChar char="•"/>
             </a:pPr>
             <a:r>
-              <a:rPr b="0" baseline="0" i="0" lang="en-US" sz="2800" u="none" cap="none" strike="noStrike">
+              <a:rPr lang="en-US" sz="2800" b="0" i="0" u="none" strike="noStrike" cap="none" baseline="0">
                 <a:solidFill>
                   <a:schemeClr val="dk1"/>
                 </a:solidFill>
@@ -2584,7 +2702,7 @@
             </a:r>
           </a:p>
           <a:p>
-            <a:pPr indent="-342900" lvl="0" marL="342900" marR="0" rtl="0" algn="l">
+            <a:pPr marL="342900" marR="0" lvl="0" indent="-342900" algn="l" rtl="0">
               <a:spcBef>
                 <a:spcPts val="0"/>
               </a:spcBef>
@@ -2596,7 +2714,7 @@
               <a:buChar char="•"/>
             </a:pPr>
             <a:r>
-              <a:rPr b="0" baseline="0" i="0" lang="en-US" sz="2800" u="none" cap="none" strike="noStrike">
+              <a:rPr lang="en-US" sz="2800" b="0" i="0" u="none" strike="noStrike" cap="none" baseline="0">
                 <a:solidFill>
                   <a:schemeClr val="dk1"/>
                 </a:solidFill>
@@ -2630,12 +2748,12 @@
           </a:ln>
         </p:spPr>
         <p:txBody>
-          <a:bodyPr anchorCtr="0" anchor="t" bIns="45700" lIns="91425" rIns="91425" tIns="45700">
+          <a:bodyPr lIns="91425" tIns="45700" rIns="91425" bIns="45700" anchor="t" anchorCtr="0">
             <a:noAutofit/>
           </a:bodyPr>
           <a:lstStyle/>
           <a:p>
-            <a:pPr indent="-342900" lvl="0" marL="342900" marR="0" rtl="0" algn="l">
+            <a:pPr marL="342900" marR="0" lvl="0" indent="-342900" algn="l" rtl="0">
               <a:spcBef>
                 <a:spcPts val="0"/>
               </a:spcBef>
@@ -2647,7 +2765,7 @@
               <a:buChar char="•"/>
             </a:pPr>
             <a:r>
-              <a:rPr b="0" baseline="0" i="0" lang="en-US" sz="2400" u="none" cap="none" strike="noStrike">
+              <a:rPr lang="en-US" sz="2400" b="0" i="0" u="none" strike="noStrike" cap="none" baseline="0">
                 <a:solidFill>
                   <a:schemeClr val="dk1"/>
                 </a:solidFill>
@@ -2659,7 +2777,7 @@
               <a:t>Vikas Ganjigunte Ashok, Song Feng and Yejin Choi. </a:t>
             </a:r>
             <a:r>
-              <a:rPr b="0" baseline="0" i="1" lang="en-US" sz="2400" u="none" cap="none" strike="noStrike">
+              <a:rPr lang="en-US" sz="2400" b="0" i="1" u="none" strike="noStrike" cap="none" baseline="0">
                 <a:solidFill>
                   <a:schemeClr val="dk1"/>
                 </a:solidFill>
@@ -2693,12 +2811,12 @@
           </a:ln>
         </p:spPr>
         <p:txBody>
-          <a:bodyPr anchorCtr="0" anchor="t" bIns="45700" lIns="91425" rIns="91425" tIns="45700">
+          <a:bodyPr lIns="91425" tIns="45700" rIns="91425" bIns="45700" anchor="t" anchorCtr="0">
             <a:noAutofit/>
           </a:bodyPr>
           <a:lstStyle/>
           <a:p>
-            <a:pPr indent="0" lvl="0" marL="0" marR="0" rtl="0" algn="l">
+            <a:pPr marL="0" marR="0" lvl="0" indent="0" algn="l" rtl="0">
               <a:spcBef>
                 <a:spcPts val="0"/>
               </a:spcBef>
@@ -2706,7 +2824,7 @@
               <a:buNone/>
             </a:pPr>
             <a:r>
-              <a:rPr b="0" baseline="0" i="1" lang="en-US" sz="2800" u="none" cap="none" strike="noStrike">
+              <a:rPr lang="en-US" sz="2800" b="0" i="1" u="none" strike="noStrike" cap="none" baseline="0">
                 <a:solidFill>
                   <a:schemeClr val="dk1"/>
                 </a:solidFill>
@@ -2740,12 +2858,12 @@
           </a:ln>
         </p:spPr>
         <p:txBody>
-          <a:bodyPr anchorCtr="0" anchor="t" bIns="45700" lIns="91425" rIns="91425" tIns="45700">
+          <a:bodyPr lIns="91425" tIns="45700" rIns="91425" bIns="45700" anchor="t" anchorCtr="0">
             <a:noAutofit/>
           </a:bodyPr>
           <a:lstStyle/>
           <a:p>
-            <a:pPr indent="0" lvl="0" marL="0" marR="0" rtl="0" algn="l">
+            <a:pPr marL="0" marR="0" lvl="0" indent="0" algn="l" rtl="0">
               <a:spcBef>
                 <a:spcPts val="0"/>
               </a:spcBef>
@@ -2753,7 +2871,7 @@
               <a:buNone/>
             </a:pPr>
             <a:r>
-              <a:rPr b="0" baseline="0" i="1" lang="en-US" sz="2800" u="none" cap="none" strike="noStrike">
+              <a:rPr lang="en-US" sz="2800" b="0" i="1" u="none" strike="noStrike" cap="none" baseline="0">
                 <a:solidFill>
                   <a:schemeClr val="dk1"/>
                 </a:solidFill>
@@ -2787,12 +2905,12 @@
           </a:ln>
         </p:spPr>
         <p:txBody>
-          <a:bodyPr anchorCtr="0" anchor="t" bIns="45700" lIns="91425" rIns="91425" tIns="45700">
+          <a:bodyPr lIns="91425" tIns="45700" rIns="91425" bIns="45700" anchor="t" anchorCtr="0">
             <a:noAutofit/>
           </a:bodyPr>
           <a:lstStyle/>
           <a:p>
-            <a:pPr indent="0" lvl="0" marL="0" marR="0" rtl="0" algn="l">
+            <a:pPr marL="0" marR="0" lvl="0" indent="0" algn="l" rtl="0">
               <a:spcBef>
                 <a:spcPts val="0"/>
               </a:spcBef>
@@ -2800,7 +2918,7 @@
               <a:buNone/>
             </a:pPr>
             <a:r>
-              <a:rPr b="0" baseline="0" i="1" lang="en-US" sz="2800" u="none" cap="none" strike="noStrike">
+              <a:rPr lang="en-US" sz="2800" b="0" i="1" u="none" strike="noStrike" cap="none" baseline="0">
                 <a:solidFill>
                   <a:schemeClr val="dk1"/>
                 </a:solidFill>
@@ -2838,21 +2956,18 @@
           </a:ln>
         </p:spPr>
         <p:txBody>
-          <a:bodyPr anchorCtr="0" anchor="ctr" bIns="45700" lIns="91425" rIns="91425" tIns="45700">
+          <a:bodyPr lIns="91425" tIns="45700" rIns="91425" bIns="45700" anchor="ctr" anchorCtr="0">
             <a:noAutofit/>
           </a:bodyPr>
           <a:lstStyle/>
           <a:p>
-            <a:pPr indent="0" lvl="0" marL="0" marR="0" rtl="0" algn="ctr">
+            <a:pPr marL="0" marR="0" lvl="0" indent="0" algn="ctr" rtl="0">
               <a:spcBef>
                 <a:spcPts val="0"/>
               </a:spcBef>
               <a:buNone/>
             </a:pPr>
-            <a:r>
-              <a:t/>
-            </a:r>
-            <a:endParaRPr b="0" baseline="0" i="0" sz="6200" u="none" cap="none" strike="noStrike">
+            <a:endParaRPr sz="6200" b="0" i="0" u="none" strike="noStrike" cap="none" baseline="0">
               <a:solidFill>
                 <a:schemeClr val="lt1"/>
               </a:solidFill>
@@ -2888,21 +3003,18 @@
           </a:ln>
         </p:spPr>
         <p:txBody>
-          <a:bodyPr anchorCtr="0" anchor="ctr" bIns="45700" lIns="91425" rIns="91425" tIns="45700">
+          <a:bodyPr lIns="91425" tIns="45700" rIns="91425" bIns="45700" anchor="ctr" anchorCtr="0">
             <a:noAutofit/>
           </a:bodyPr>
           <a:lstStyle/>
           <a:p>
-            <a:pPr indent="0" lvl="0" marL="0" marR="0" rtl="0" algn="ctr">
+            <a:pPr marL="0" marR="0" lvl="0" indent="0" algn="ctr" rtl="0">
               <a:spcBef>
                 <a:spcPts val="0"/>
               </a:spcBef>
               <a:buNone/>
             </a:pPr>
-            <a:r>
-              <a:t/>
-            </a:r>
-            <a:endParaRPr b="0" baseline="0" i="0" sz="6200" u="none" cap="none" strike="noStrike">
+            <a:endParaRPr sz="6200" b="0" i="0" u="none" strike="noStrike" cap="none" baseline="0">
               <a:solidFill>
                 <a:schemeClr val="lt1"/>
               </a:solidFill>
@@ -2924,7 +3036,7 @@
           <a:blip r:embed="rId8">
             <a:alphaModFix/>
           </a:blip>
-          <a:srcRect b="0" l="0" r="0" t="0"/>
+          <a:srcRect/>
           <a:stretch/>
         </p:blipFill>
         <p:spPr>
@@ -2949,12 +3061,12 @@
         </p:nvGraphicFramePr>
         <p:xfrm>
           <a:off x="19054392" y="14534148"/>
-          <a:ext cx="3000000" cy="3000000"/>
+          <a:ext cx="16081200" cy="7193800"/>
         </p:xfrm>
         <a:graphic>
           <a:graphicData uri="http://schemas.openxmlformats.org/drawingml/2006/table">
             <a:tbl>
-              <a:tblPr bandRow="1" firstCol="1" firstRow="1">
+              <a:tblPr firstRow="1" firstCol="1" bandRow="1">
                 <a:noFill/>
                 <a:tableStyleId>{BDD367F2-0D8B-4664-A845-C2F67B89F76B}</a:tableStyleId>
               </a:tblPr>
@@ -2969,12 +3081,10 @@
               <a:tr h="1210125">
                 <a:tc rowSpan="2">
                   <a:txBody>
-                    <a:bodyPr>
-                      <a:noAutofit/>
-                    </a:bodyPr>
+                    <a:bodyPr/>
                     <a:lstStyle/>
                     <a:p>
-                      <a:pPr indent="0" lvl="0" marL="0" marR="0" rtl="0" algn="ctr">
+                      <a:pPr marL="0" marR="0" lvl="0" indent="0" algn="ctr" rtl="0">
                         <a:lnSpc>
                           <a:spcPct val="107000"/>
                         </a:lnSpc>
@@ -2988,7 +3098,7 @@
                         <a:buNone/>
                       </a:pPr>
                       <a:r>
-                        <a:rPr baseline="0" lang="en-US" sz="3200" u="none" cap="none" strike="noStrike">
+                        <a:rPr lang="en-US" sz="3200" u="none" strike="noStrike" cap="none" baseline="0">
                           <a:latin typeface="Arial"/>
                           <a:ea typeface="Arial"/>
                           <a:cs typeface="Arial"/>
@@ -2998,7 +3108,7 @@
                       </a:r>
                     </a:p>
                   </a:txBody>
-                  <a:tcPr marT="0" marB="0" marR="68575" marL="68575" anchor="ctr">
+                  <a:tcPr marL="68575" marR="68575" marT="0" marB="0" anchor="ctr">
                     <a:solidFill>
                       <a:srgbClr val="938953"/>
                     </a:solidFill>
@@ -3006,12 +3116,10 @@
                 </a:tc>
                 <a:tc gridSpan="4">
                   <a:txBody>
-                    <a:bodyPr>
-                      <a:noAutofit/>
-                    </a:bodyPr>
+                    <a:bodyPr/>
                     <a:lstStyle/>
                     <a:p>
-                      <a:pPr indent="0" lvl="0" marL="0" marR="0" rtl="0" algn="ctr">
+                      <a:pPr marL="0" marR="0" lvl="0" indent="0" algn="ctr" rtl="0">
                         <a:lnSpc>
                           <a:spcPct val="107000"/>
                         </a:lnSpc>
@@ -3025,28 +3133,53 @@
                         <a:buNone/>
                       </a:pPr>
                       <a:r>
-                        <a:rPr baseline="0" lang="en-US" sz="3200" u="none" cap="none" strike="noStrike"/>
+                        <a:rPr lang="en-US" sz="3200" u="none" strike="noStrike" cap="none" baseline="0"/>
                         <a:t>GENRE</a:t>
                       </a:r>
                     </a:p>
                   </a:txBody>
-                  <a:tcPr marT="0" marB="0" marR="68575" marL="68575" anchor="ctr">
+                  <a:tcPr marL="68575" marR="68575" marT="0" marB="0" anchor="ctr">
                     <a:solidFill>
                       <a:srgbClr val="938953"/>
                     </a:solidFill>
                   </a:tcPr>
                 </a:tc>
-                <a:tc hMerge="1"/>
-                <a:tc hMerge="1"/>
-                <a:tc hMerge="1"/>
+                <a:tc hMerge="1">
+                  <a:txBody>
+                    <a:bodyPr/>
+                    <a:lstStyle/>
+                    <a:p>
+                      <a:endParaRPr lang="en-US"/>
+                    </a:p>
+                  </a:txBody>
+                  <a:tcPr/>
+                </a:tc>
+                <a:tc hMerge="1">
+                  <a:txBody>
+                    <a:bodyPr/>
+                    <a:lstStyle/>
+                    <a:p>
+                      <a:endParaRPr lang="en-US"/>
+                    </a:p>
+                  </a:txBody>
+                  <a:tcPr/>
+                </a:tc>
+                <a:tc hMerge="1">
+                  <a:txBody>
+                    <a:bodyPr/>
+                    <a:lstStyle/>
+                    <a:p>
+                      <a:endParaRPr lang="en-US"/>
+                    </a:p>
+                  </a:txBody>
+                  <a:tcPr/>
+                </a:tc>
                 <a:tc rowSpan="2">
                   <a:txBody>
-                    <a:bodyPr>
-                      <a:noAutofit/>
-                    </a:bodyPr>
+                    <a:bodyPr/>
                     <a:lstStyle/>
                     <a:p>
-                      <a:pPr indent="0" lvl="0" marL="0" marR="0" rtl="0" algn="ctr">
+                      <a:pPr marL="0" marR="0" lvl="0" indent="0" algn="ctr" rtl="0">
                         <a:lnSpc>
                           <a:spcPct val="107000"/>
                         </a:lnSpc>
@@ -3060,12 +3193,12 @@
                         <a:buNone/>
                       </a:pPr>
                       <a:r>
-                        <a:rPr baseline="0" lang="en-US" sz="3200" u="none" cap="none" strike="noStrike"/>
+                        <a:rPr lang="en-US" sz="3200" u="none" strike="noStrike" cap="none" baseline="0"/>
                         <a:t>Avg</a:t>
                       </a:r>
                     </a:p>
                   </a:txBody>
-                  <a:tcPr marT="0" marB="0" marR="68575" marL="68575" anchor="ctr">
+                  <a:tcPr marL="68575" marR="68575" marT="0" marB="0" anchor="ctr">
                     <a:solidFill>
                       <a:srgbClr val="938953"/>
                     </a:solidFill>
@@ -3073,15 +3206,22 @@
                 </a:tc>
               </a:tr>
               <a:tr h="1319725">
-                <a:tc vMerge="1"/>
+                <a:tc vMerge="1">
+                  <a:txBody>
+                    <a:bodyPr/>
+                    <a:lstStyle/>
+                    <a:p>
+                      <a:endParaRPr lang="en-US"/>
+                    </a:p>
+                  </a:txBody>
+                  <a:tcPr/>
+                </a:tc>
                 <a:tc>
                   <a:txBody>
-                    <a:bodyPr>
-                      <a:noAutofit/>
-                    </a:bodyPr>
+                    <a:bodyPr/>
                     <a:lstStyle/>
                     <a:p>
-                      <a:pPr indent="0" lvl="0" marL="0" marR="0" rtl="0" algn="ctr">
+                      <a:pPr marL="0" marR="0" lvl="0" indent="0" algn="ctr" rtl="0">
                         <a:lnSpc>
                           <a:spcPct val="107000"/>
                         </a:lnSpc>
@@ -3095,21 +3235,19 @@
                         <a:buNone/>
                       </a:pPr>
                       <a:r>
-                        <a:rPr baseline="0" lang="en-US" sz="3200" u="none" cap="none" strike="noStrike"/>
+                        <a:rPr lang="en-US" sz="3200" u="none" strike="noStrike" cap="none" baseline="0"/>
                         <a:t>Adventure</a:t>
                       </a:r>
                     </a:p>
                   </a:txBody>
-                  <a:tcPr marT="0" marB="0" marR="68575" marL="68575" anchor="ctr"/>
+                  <a:tcPr marL="68575" marR="68575" marT="0" marB="0" anchor="ctr"/>
                 </a:tc>
                 <a:tc>
                   <a:txBody>
-                    <a:bodyPr>
-                      <a:noAutofit/>
-                    </a:bodyPr>
+                    <a:bodyPr/>
                     <a:lstStyle/>
                     <a:p>
-                      <a:pPr indent="0" lvl="0" marL="0" marR="0" rtl="0" algn="ctr">
+                      <a:pPr marL="0" marR="0" lvl="0" indent="0" algn="ctr" rtl="0">
                         <a:lnSpc>
                           <a:spcPct val="107000"/>
                         </a:lnSpc>
@@ -3123,21 +3261,19 @@
                         <a:buNone/>
                       </a:pPr>
                       <a:r>
-                        <a:rPr baseline="0" lang="en-US" sz="3200" u="none" cap="none" strike="noStrike"/>
+                        <a:rPr lang="en-US" sz="3200" u="none" strike="noStrike" cap="none" baseline="0"/>
                         <a:t>Fiction</a:t>
                       </a:r>
                     </a:p>
                   </a:txBody>
-                  <a:tcPr marT="0" marB="0" marR="68575" marL="68575" anchor="ctr"/>
+                  <a:tcPr marL="68575" marR="68575" marT="0" marB="0" anchor="ctr"/>
                 </a:tc>
                 <a:tc>
                   <a:txBody>
-                    <a:bodyPr>
-                      <a:noAutofit/>
-                    </a:bodyPr>
+                    <a:bodyPr/>
                     <a:lstStyle/>
                     <a:p>
-                      <a:pPr indent="0" lvl="0" marL="0" marR="0" rtl="0" algn="ctr">
+                      <a:pPr marL="0" marR="0" lvl="0" indent="0" algn="ctr" rtl="0">
                         <a:lnSpc>
                           <a:spcPct val="107000"/>
                         </a:lnSpc>
@@ -3151,21 +3287,19 @@
                         <a:buNone/>
                       </a:pPr>
                       <a:r>
-                        <a:rPr baseline="0" lang="en-US" sz="3200" u="none" cap="none" strike="noStrike"/>
+                        <a:rPr lang="en-US" sz="3200" u="none" strike="noStrike" cap="none" baseline="0"/>
                         <a:t>Drama</a:t>
                       </a:r>
                     </a:p>
                   </a:txBody>
-                  <a:tcPr marT="0" marB="0" marR="68575" marL="68575" anchor="ctr"/>
+                  <a:tcPr marL="68575" marR="68575" marT="0" marB="0" anchor="ctr"/>
                 </a:tc>
                 <a:tc>
                   <a:txBody>
-                    <a:bodyPr>
-                      <a:noAutofit/>
-                    </a:bodyPr>
+                    <a:bodyPr/>
                     <a:lstStyle/>
                     <a:p>
-                      <a:pPr indent="0" lvl="0" marL="0" marR="0" rtl="0" algn="ctr">
+                      <a:pPr marL="0" marR="0" lvl="0" indent="0" algn="ctr" rtl="0">
                         <a:lnSpc>
                           <a:spcPct val="107000"/>
                         </a:lnSpc>
@@ -3179,24 +3313,31 @@
                         <a:buNone/>
                       </a:pPr>
                       <a:r>
-                        <a:rPr baseline="0" lang="en-US" sz="3200" u="none" cap="none" strike="noStrike"/>
+                        <a:rPr lang="en-US" sz="3200" u="none" strike="noStrike" cap="none" baseline="0"/>
                         <a:t>Romance</a:t>
                       </a:r>
                     </a:p>
                   </a:txBody>
-                  <a:tcPr marT="0" marB="0" marR="68575" marL="68575" anchor="ctr"/>
+                  <a:tcPr marL="68575" marR="68575" marT="0" marB="0" anchor="ctr"/>
                 </a:tc>
-                <a:tc vMerge="1"/>
+                <a:tc vMerge="1">
+                  <a:txBody>
+                    <a:bodyPr/>
+                    <a:lstStyle/>
+                    <a:p>
+                      <a:endParaRPr lang="en-US"/>
+                    </a:p>
+                  </a:txBody>
+                  <a:tcPr/>
+                </a:tc>
               </a:tr>
               <a:tr h="975725">
                 <a:tc>
                   <a:txBody>
-                    <a:bodyPr>
-                      <a:noAutofit/>
-                    </a:bodyPr>
+                    <a:bodyPr/>
                     <a:lstStyle/>
                     <a:p>
-                      <a:pPr indent="0" lvl="0" marL="0" marR="0" rtl="0" algn="ctr">
+                      <a:pPr marL="0" marR="0" lvl="0" indent="0" algn="ctr" rtl="0">
                         <a:lnSpc>
                           <a:spcPct val="107000"/>
                         </a:lnSpc>
@@ -3210,12 +3351,12 @@
                         <a:buNone/>
                       </a:pPr>
                       <a:r>
-                        <a:rPr baseline="0" lang="en-US" sz="2800" u="none" cap="none" strike="noStrike"/>
+                        <a:rPr lang="en-US" sz="2800" u="none" strike="noStrike" cap="none" baseline="0"/>
                         <a:t>n-Gram</a:t>
                       </a:r>
                     </a:p>
                   </a:txBody>
-                  <a:tcPr marT="0" marB="0" marR="68575" marL="68575" anchor="ctr">
+                  <a:tcPr marL="68575" marR="68575" marT="0" marB="0" anchor="ctr">
                     <a:solidFill>
                       <a:srgbClr val="A5A5A5"/>
                     </a:solidFill>
@@ -3223,12 +3364,10 @@
                 </a:tc>
                 <a:tc>
                   <a:txBody>
-                    <a:bodyPr>
-                      <a:noAutofit/>
-                    </a:bodyPr>
+                    <a:bodyPr/>
                     <a:lstStyle/>
                     <a:p>
-                      <a:pPr indent="0" lvl="0" marL="0" marR="0" rtl="0" algn="ctr">
+                      <a:pPr marL="0" marR="0" lvl="0" indent="0" algn="ctr" rtl="0">
                         <a:lnSpc>
                           <a:spcPct val="107000"/>
                         </a:lnSpc>
@@ -3242,21 +3381,19 @@
                         <a:buNone/>
                       </a:pPr>
                       <a:r>
-                        <a:rPr baseline="0" lang="en-US" sz="2800" u="none" cap="none" strike="noStrike"/>
+                        <a:rPr lang="en-US" sz="2800" u="none" strike="noStrike" cap="none" baseline="0"/>
                         <a:t>59.7 </a:t>
                       </a:r>
                     </a:p>
                   </a:txBody>
-                  <a:tcPr marT="0" marB="0" marR="68575" marL="68575" anchor="ctr"/>
+                  <a:tcPr marL="68575" marR="68575" marT="0" marB="0" anchor="ctr"/>
                 </a:tc>
                 <a:tc>
                   <a:txBody>
-                    <a:bodyPr>
-                      <a:noAutofit/>
-                    </a:bodyPr>
+                    <a:bodyPr/>
                     <a:lstStyle/>
                     <a:p>
-                      <a:pPr indent="0" lvl="0" marL="0" marR="0" rtl="0" algn="ctr">
+                      <a:pPr marL="0" marR="0" lvl="0" indent="0" algn="ctr" rtl="0">
                         <a:lnSpc>
                           <a:spcPct val="107000"/>
                         </a:lnSpc>
@@ -3270,21 +3407,19 @@
                         <a:buNone/>
                       </a:pPr>
                       <a:r>
-                        <a:rPr baseline="0" lang="en-US" sz="2800" u="none" cap="none" strike="noStrike"/>
+                        <a:rPr lang="en-US" sz="2800" u="none" strike="noStrike" cap="none" baseline="0"/>
                         <a:t>55.3 </a:t>
                       </a:r>
                     </a:p>
                   </a:txBody>
-                  <a:tcPr marT="0" marB="0" marR="68575" marL="68575" anchor="ctr"/>
+                  <a:tcPr marL="68575" marR="68575" marT="0" marB="0" anchor="ctr"/>
                 </a:tc>
                 <a:tc>
                   <a:txBody>
-                    <a:bodyPr>
-                      <a:noAutofit/>
-                    </a:bodyPr>
+                    <a:bodyPr/>
                     <a:lstStyle/>
                     <a:p>
-                      <a:pPr indent="0" lvl="0" marL="0" marR="0" rtl="0" algn="ctr">
+                      <a:pPr marL="0" marR="0" lvl="0" indent="0" algn="ctr" rtl="0">
                         <a:lnSpc>
                           <a:spcPct val="107000"/>
                         </a:lnSpc>
@@ -3298,21 +3433,19 @@
                         <a:buNone/>
                       </a:pPr>
                       <a:r>
-                        <a:rPr baseline="0" lang="en-US" sz="2800" u="none" cap="none" strike="noStrike"/>
+                        <a:rPr lang="en-US" sz="2800" u="none" strike="noStrike" cap="none" baseline="0"/>
                         <a:t>57.26</a:t>
                       </a:r>
                     </a:p>
                   </a:txBody>
-                  <a:tcPr marT="0" marB="0" marR="68575" marL="68575" anchor="ctr"/>
+                  <a:tcPr marL="68575" marR="68575" marT="0" marB="0" anchor="ctr"/>
                 </a:tc>
                 <a:tc>
                   <a:txBody>
-                    <a:bodyPr>
-                      <a:noAutofit/>
-                    </a:bodyPr>
+                    <a:bodyPr/>
                     <a:lstStyle/>
                     <a:p>
-                      <a:pPr indent="0" lvl="0" marL="0" marR="0" rtl="0" algn="ctr">
+                      <a:pPr marL="0" marR="0" lvl="0" indent="0" algn="ctr" rtl="0">
                         <a:lnSpc>
                           <a:spcPct val="107000"/>
                         </a:lnSpc>
@@ -3326,21 +3459,19 @@
                         <a:buNone/>
                       </a:pPr>
                       <a:r>
-                        <a:rPr baseline="0" lang="en-US" sz="2800" u="none" cap="none" strike="noStrike"/>
+                        <a:rPr lang="en-US" sz="2800" u="none" strike="noStrike" cap="none" baseline="0"/>
                         <a:t>49.18</a:t>
                       </a:r>
                     </a:p>
                   </a:txBody>
-                  <a:tcPr marT="0" marB="0" marR="68575" marL="68575" anchor="ctr"/>
+                  <a:tcPr marL="68575" marR="68575" marT="0" marB="0" anchor="ctr"/>
                 </a:tc>
                 <a:tc>
                   <a:txBody>
-                    <a:bodyPr>
-                      <a:noAutofit/>
-                    </a:bodyPr>
+                    <a:bodyPr/>
                     <a:lstStyle/>
                     <a:p>
-                      <a:pPr indent="0" lvl="0" marL="0" marR="0" rtl="0" algn="ctr">
+                      <a:pPr marL="0" marR="0" lvl="0" indent="0" algn="ctr" rtl="0">
                         <a:lnSpc>
                           <a:spcPct val="107000"/>
                         </a:lnSpc>
@@ -3354,12 +3485,12 @@
                         <a:buNone/>
                       </a:pPr>
                       <a:r>
-                        <a:rPr baseline="0" lang="en-US" sz="2800" u="none" cap="none" strike="noStrike"/>
+                        <a:rPr lang="en-US" sz="2800" u="none" strike="noStrike" cap="none" baseline="0"/>
                         <a:t> 55.36</a:t>
                       </a:r>
                     </a:p>
                   </a:txBody>
-                  <a:tcPr marT="0" marB="0" marR="68575" marL="68575" anchor="ctr">
+                  <a:tcPr marL="68575" marR="68575" marT="0" marB="0" anchor="ctr">
                     <a:solidFill>
                       <a:srgbClr val="A5A5A5"/>
                     </a:solidFill>
@@ -3369,12 +3500,10 @@
               <a:tr h="930900">
                 <a:tc>
                   <a:txBody>
-                    <a:bodyPr>
-                      <a:noAutofit/>
-                    </a:bodyPr>
+                    <a:bodyPr/>
                     <a:lstStyle/>
                     <a:p>
-                      <a:pPr indent="0" lvl="0" marL="0" marR="0" rtl="0" algn="ctr">
+                      <a:pPr marL="0" marR="0" lvl="0" indent="0" algn="ctr" rtl="0">
                         <a:lnSpc>
                           <a:spcPct val="107000"/>
                         </a:lnSpc>
@@ -3388,12 +3517,12 @@
                         <a:buNone/>
                       </a:pPr>
                       <a:r>
-                        <a:rPr baseline="0" lang="en-US" sz="2800" u="none" cap="none" strike="noStrike"/>
+                        <a:rPr lang="en-US" sz="2800" u="none" strike="noStrike" cap="none" baseline="0"/>
                         <a:t>Syntactic N-Grams </a:t>
                       </a:r>
                     </a:p>
                   </a:txBody>
-                  <a:tcPr marT="0" marB="0" marR="68575" marL="68575" anchor="ctr">
+                  <a:tcPr marL="68575" marR="68575" marT="0" marB="0" anchor="ctr">
                     <a:solidFill>
                       <a:srgbClr val="A5A5A5"/>
                     </a:solidFill>
@@ -3401,12 +3530,10 @@
                 </a:tc>
                 <a:tc>
                   <a:txBody>
-                    <a:bodyPr>
-                      <a:noAutofit/>
-                    </a:bodyPr>
+                    <a:bodyPr/>
                     <a:lstStyle/>
                     <a:p>
-                      <a:pPr indent="0" lvl="0" marL="0" marR="0" rtl="0" algn="ctr">
+                      <a:pPr marL="0" marR="0" lvl="0" indent="0" algn="ctr" rtl="0">
                         <a:lnSpc>
                           <a:spcPct val="107000"/>
                         </a:lnSpc>
@@ -3420,21 +3547,19 @@
                         <a:buNone/>
                       </a:pPr>
                       <a:r>
-                        <a:rPr baseline="0" lang="en-US" sz="2800" u="none" cap="none" strike="noStrike"/>
+                        <a:rPr lang="en-US" sz="2800" u="none" strike="noStrike" cap="none" baseline="0"/>
                         <a:t>61.73 </a:t>
                       </a:r>
                     </a:p>
                   </a:txBody>
-                  <a:tcPr marT="0" marB="0" marR="68575" marL="68575" anchor="ctr"/>
+                  <a:tcPr marL="68575" marR="68575" marT="0" marB="0" anchor="ctr"/>
                 </a:tc>
                 <a:tc>
                   <a:txBody>
-                    <a:bodyPr>
-                      <a:noAutofit/>
-                    </a:bodyPr>
+                    <a:bodyPr/>
                     <a:lstStyle/>
                     <a:p>
-                      <a:pPr indent="0" lvl="0" marL="0" marR="0" rtl="0" algn="ctr">
+                      <a:pPr marL="0" marR="0" lvl="0" indent="0" algn="ctr" rtl="0">
                         <a:lnSpc>
                           <a:spcPct val="107000"/>
                         </a:lnSpc>
@@ -3448,21 +3573,19 @@
                         <a:buNone/>
                       </a:pPr>
                       <a:r>
-                        <a:rPr baseline="0" lang="en-US" sz="2800" u="none" cap="none" strike="noStrike"/>
+                        <a:rPr lang="en-US" sz="2800" u="none" strike="noStrike" cap="none" baseline="0"/>
                         <a:t>52.24</a:t>
                       </a:r>
                     </a:p>
                   </a:txBody>
-                  <a:tcPr marT="0" marB="0" marR="68575" marL="68575" anchor="ctr"/>
+                  <a:tcPr marL="68575" marR="68575" marT="0" marB="0" anchor="ctr"/>
                 </a:tc>
                 <a:tc>
                   <a:txBody>
-                    <a:bodyPr>
-                      <a:noAutofit/>
-                    </a:bodyPr>
+                    <a:bodyPr/>
                     <a:lstStyle/>
                     <a:p>
-                      <a:pPr indent="0" lvl="0" marL="0" marR="0" rtl="0" algn="ctr">
+                      <a:pPr marL="0" marR="0" lvl="0" indent="0" algn="ctr" rtl="0">
                         <a:lnSpc>
                           <a:spcPct val="107000"/>
                         </a:lnSpc>
@@ -3476,21 +3599,19 @@
                         <a:buNone/>
                       </a:pPr>
                       <a:r>
-                        <a:rPr baseline="0" lang="en-US" sz="2800" u="none" cap="none" strike="noStrike"/>
+                        <a:rPr lang="en-US" sz="2800" u="none" strike="noStrike" cap="none" baseline="0"/>
                         <a:t>54.38</a:t>
                       </a:r>
                     </a:p>
                   </a:txBody>
-                  <a:tcPr marT="0" marB="0" marR="68575" marL="68575" anchor="ctr"/>
+                  <a:tcPr marL="68575" marR="68575" marT="0" marB="0" anchor="ctr"/>
                 </a:tc>
                 <a:tc>
                   <a:txBody>
-                    <a:bodyPr>
-                      <a:noAutofit/>
-                    </a:bodyPr>
+                    <a:bodyPr/>
                     <a:lstStyle/>
                     <a:p>
-                      <a:pPr indent="0" lvl="0" marL="0" marR="0" rtl="0" algn="ctr">
+                      <a:pPr marL="0" marR="0" lvl="0" indent="0" algn="ctr" rtl="0">
                         <a:lnSpc>
                           <a:spcPct val="107000"/>
                         </a:lnSpc>
@@ -3504,21 +3625,19 @@
                         <a:buNone/>
                       </a:pPr>
                       <a:r>
-                        <a:rPr baseline="0" lang="en-US" sz="2800" u="none" cap="none" strike="noStrike"/>
+                        <a:rPr lang="en-US" sz="2800" u="none" strike="noStrike" cap="none" baseline="0"/>
                         <a:t>56.27</a:t>
                       </a:r>
                     </a:p>
                   </a:txBody>
-                  <a:tcPr marT="0" marB="0" marR="68575" marL="68575" anchor="ctr"/>
+                  <a:tcPr marL="68575" marR="68575" marT="0" marB="0" anchor="ctr"/>
                 </a:tc>
                 <a:tc>
                   <a:txBody>
-                    <a:bodyPr>
-                      <a:noAutofit/>
-                    </a:bodyPr>
+                    <a:bodyPr/>
                     <a:lstStyle/>
                     <a:p>
-                      <a:pPr indent="0" lvl="0" marL="0" marR="0" rtl="0" algn="ctr">
+                      <a:pPr marL="0" marR="0" lvl="0" indent="0" algn="ctr" rtl="0">
                         <a:lnSpc>
                           <a:spcPct val="107000"/>
                         </a:lnSpc>
@@ -3532,12 +3651,12 @@
                         <a:buNone/>
                       </a:pPr>
                       <a:r>
-                        <a:rPr baseline="0" lang="en-US" sz="2800" u="none" cap="none" strike="noStrike"/>
+                        <a:rPr lang="en-US" sz="2800" u="none" strike="noStrike" cap="none" baseline="0"/>
                         <a:t> 56.15</a:t>
                       </a:r>
                     </a:p>
                   </a:txBody>
-                  <a:tcPr marT="0" marB="0" marR="68575" marL="68575" anchor="ctr">
+                  <a:tcPr marL="68575" marR="68575" marT="0" marB="0" anchor="ctr">
                     <a:solidFill>
                       <a:srgbClr val="A5A5A5"/>
                     </a:solidFill>
@@ -3547,12 +3666,10 @@
               <a:tr h="874225">
                 <a:tc>
                   <a:txBody>
-                    <a:bodyPr>
-                      <a:noAutofit/>
-                    </a:bodyPr>
+                    <a:bodyPr/>
                     <a:lstStyle/>
                     <a:p>
-                      <a:pPr indent="0" lvl="0" marL="0" marR="0" rtl="0" algn="ctr">
+                      <a:pPr marL="0" marR="0" lvl="0" indent="0" algn="ctr" rtl="0">
                         <a:lnSpc>
                           <a:spcPct val="107000"/>
                         </a:lnSpc>
@@ -3566,12 +3683,12 @@
                         <a:buNone/>
                       </a:pPr>
                       <a:r>
-                        <a:rPr baseline="0" lang="en-US" sz="2800" u="none" cap="none" strike="noStrike"/>
+                        <a:rPr lang="en-US" sz="2800" u="none" strike="noStrike" cap="none" baseline="0"/>
                         <a:t>Sentiment Distribution</a:t>
                       </a:r>
                     </a:p>
                   </a:txBody>
-                  <a:tcPr marT="0" marB="0" marR="68575" marL="68575" anchor="ctr">
+                  <a:tcPr marL="68575" marR="68575" marT="0" marB="0" anchor="ctr">
                     <a:solidFill>
                       <a:srgbClr val="A5A5A5"/>
                     </a:solidFill>
@@ -3579,12 +3696,10 @@
                 </a:tc>
                 <a:tc>
                   <a:txBody>
-                    <a:bodyPr>
-                      <a:noAutofit/>
-                    </a:bodyPr>
+                    <a:bodyPr/>
                     <a:lstStyle/>
                     <a:p>
-                      <a:pPr indent="0" lvl="0" marL="0" marR="0" rtl="0" algn="ctr">
+                      <a:pPr marL="0" marR="0" lvl="0" indent="0" algn="ctr" rtl="0">
                         <a:lnSpc>
                           <a:spcPct val="107000"/>
                         </a:lnSpc>
@@ -3598,21 +3713,19 @@
                         <a:buNone/>
                       </a:pPr>
                       <a:r>
-                        <a:rPr baseline="0" lang="en-US" sz="2800" u="none" cap="none" strike="noStrike"/>
+                        <a:rPr lang="en-US" sz="2800" u="none" strike="noStrike" cap="none" baseline="0"/>
                         <a:t> 64.44</a:t>
                       </a:r>
                     </a:p>
                   </a:txBody>
-                  <a:tcPr marT="0" marB="0" marR="68575" marL="68575" anchor="ctr"/>
+                  <a:tcPr marL="68575" marR="68575" marT="0" marB="0" anchor="ctr"/>
                 </a:tc>
                 <a:tc>
                   <a:txBody>
-                    <a:bodyPr>
-                      <a:noAutofit/>
-                    </a:bodyPr>
+                    <a:bodyPr/>
                     <a:lstStyle/>
                     <a:p>
-                      <a:pPr indent="0" lvl="0" marL="0" marR="0" rtl="0" algn="ctr">
+                      <a:pPr marL="0" marR="0" lvl="0" indent="0" algn="ctr" rtl="0">
                         <a:lnSpc>
                           <a:spcPct val="107000"/>
                         </a:lnSpc>
@@ -3626,21 +3739,19 @@
                         <a:buNone/>
                       </a:pPr>
                       <a:r>
-                        <a:rPr baseline="0" lang="en-US" sz="2800" u="none" cap="none" strike="noStrike"/>
+                        <a:rPr lang="en-US" sz="2800" u="none" strike="noStrike" cap="none" baseline="0"/>
                         <a:t>58.77 </a:t>
                       </a:r>
                     </a:p>
                   </a:txBody>
-                  <a:tcPr marT="0" marB="0" marR="68575" marL="68575" anchor="ctr"/>
+                  <a:tcPr marL="68575" marR="68575" marT="0" marB="0" anchor="ctr"/>
                 </a:tc>
                 <a:tc>
                   <a:txBody>
-                    <a:bodyPr>
-                      <a:noAutofit/>
-                    </a:bodyPr>
+                    <a:bodyPr/>
                     <a:lstStyle/>
                     <a:p>
-                      <a:pPr indent="0" lvl="0" marL="0" marR="0" rtl="0" algn="ctr">
+                      <a:pPr marL="0" marR="0" lvl="0" indent="0" algn="ctr" rtl="0">
                         <a:lnSpc>
                           <a:spcPct val="107000"/>
                         </a:lnSpc>
@@ -3654,21 +3765,19 @@
                         <a:buNone/>
                       </a:pPr>
                       <a:r>
-                        <a:rPr baseline="0" lang="en-US" sz="2800" u="none" cap="none" strike="noStrike"/>
+                        <a:rPr lang="en-US" sz="2800" u="none" strike="noStrike" cap="none" baseline="0"/>
                         <a:t>55.8 </a:t>
                       </a:r>
                     </a:p>
                   </a:txBody>
-                  <a:tcPr marT="0" marB="0" marR="68575" marL="68575" anchor="ctr"/>
+                  <a:tcPr marL="68575" marR="68575" marT="0" marB="0" anchor="ctr"/>
                 </a:tc>
                 <a:tc>
                   <a:txBody>
-                    <a:bodyPr>
-                      <a:noAutofit/>
-                    </a:bodyPr>
+                    <a:bodyPr/>
                     <a:lstStyle/>
                     <a:p>
-                      <a:pPr indent="0" lvl="0" marL="0" marR="0" rtl="0" algn="ctr">
+                      <a:pPr marL="0" marR="0" lvl="0" indent="0" algn="ctr" rtl="0">
                         <a:lnSpc>
                           <a:spcPct val="107000"/>
                         </a:lnSpc>
@@ -3682,21 +3791,19 @@
                         <a:buNone/>
                       </a:pPr>
                       <a:r>
-                        <a:rPr baseline="0" lang="en-US" sz="2800" u="none" cap="none" strike="noStrike"/>
+                        <a:rPr lang="en-US" sz="2800" u="none" strike="noStrike" cap="none" baseline="0"/>
                         <a:t>65.33 </a:t>
                       </a:r>
                     </a:p>
                   </a:txBody>
-                  <a:tcPr marT="0" marB="0" marR="68575" marL="68575" anchor="ctr"/>
+                  <a:tcPr marL="68575" marR="68575" marT="0" marB="0" anchor="ctr"/>
                 </a:tc>
                 <a:tc>
                   <a:txBody>
-                    <a:bodyPr>
-                      <a:noAutofit/>
-                    </a:bodyPr>
+                    <a:bodyPr/>
                     <a:lstStyle/>
                     <a:p>
-                      <a:pPr indent="0" lvl="0" marL="0" marR="0" rtl="0" algn="ctr">
+                      <a:pPr marL="0" marR="0" lvl="0" indent="0" algn="ctr" rtl="0">
                         <a:lnSpc>
                           <a:spcPct val="107000"/>
                         </a:lnSpc>
@@ -3710,12 +3817,12 @@
                         <a:buNone/>
                       </a:pPr>
                       <a:r>
-                        <a:rPr baseline="0" lang="en-US" sz="2800" u="none" cap="none" strike="noStrike"/>
+                        <a:rPr lang="en-US" sz="2800" u="none" strike="noStrike" cap="none" baseline="0"/>
                         <a:t>61.08</a:t>
                       </a:r>
                     </a:p>
                   </a:txBody>
-                  <a:tcPr marT="0" marB="0" marR="68575" marL="68575" anchor="ctr">
+                  <a:tcPr marL="68575" marR="68575" marT="0" marB="0" anchor="ctr">
                     <a:solidFill>
                       <a:srgbClr val="A5A5A5"/>
                     </a:solidFill>
@@ -3725,12 +3832,10 @@
               <a:tr h="1080650">
                 <a:tc>
                   <a:txBody>
-                    <a:bodyPr>
-                      <a:noAutofit/>
-                    </a:bodyPr>
+                    <a:bodyPr/>
                     <a:lstStyle/>
                     <a:p>
-                      <a:pPr indent="0" lvl="0" marL="0" marR="0" rtl="0" algn="ctr">
+                      <a:pPr marL="0" marR="0" lvl="0" indent="0" algn="ctr" rtl="0">
                         <a:lnSpc>
                           <a:spcPct val="107000"/>
                         </a:lnSpc>
@@ -3744,12 +3849,12 @@
                         <a:buNone/>
                       </a:pPr>
                       <a:r>
-                        <a:rPr baseline="0" lang="en-US" sz="2800" u="none" cap="none" strike="noStrike"/>
+                        <a:rPr lang="en-US" sz="2800" u="none" strike="noStrike" cap="none" baseline="0"/>
                         <a:t>PCFG</a:t>
                       </a:r>
                     </a:p>
                   </a:txBody>
-                  <a:tcPr marT="0" marB="0" marR="68575" marL="68575" anchor="ctr">
+                  <a:tcPr marL="68575" marR="68575" marT="0" marB="0" anchor="ctr">
                     <a:solidFill>
                       <a:srgbClr val="A5A5A5"/>
                     </a:solidFill>
@@ -3757,12 +3862,10 @@
                 </a:tc>
                 <a:tc>
                   <a:txBody>
-                    <a:bodyPr>
-                      <a:noAutofit/>
-                    </a:bodyPr>
+                    <a:bodyPr/>
                     <a:lstStyle/>
                     <a:p>
-                      <a:pPr indent="0" lvl="0" marL="0" marR="0" rtl="0" algn="ctr">
+                      <a:pPr marL="0" marR="0" lvl="0" indent="0" algn="ctr" rtl="0">
                         <a:lnSpc>
                           <a:spcPct val="107000"/>
                         </a:lnSpc>
@@ -3776,21 +3879,19 @@
                         <a:buNone/>
                       </a:pPr>
                       <a:r>
-                        <a:rPr baseline="0" lang="en-US" sz="2800" u="none" cap="none" strike="noStrike"/>
+                        <a:rPr lang="en-US" sz="2800" u="none" strike="noStrike" cap="none" baseline="0"/>
                         <a:t> 51.73</a:t>
                       </a:r>
                     </a:p>
                   </a:txBody>
-                  <a:tcPr marT="0" marB="0" marR="68575" marL="68575" anchor="ctr"/>
+                  <a:tcPr marL="68575" marR="68575" marT="0" marB="0" anchor="ctr"/>
                 </a:tc>
                 <a:tc>
                   <a:txBody>
-                    <a:bodyPr>
-                      <a:noAutofit/>
-                    </a:bodyPr>
+                    <a:bodyPr/>
                     <a:lstStyle/>
                     <a:p>
-                      <a:pPr indent="0" lvl="0" marL="0" marR="0" rtl="0" algn="ctr">
+                      <a:pPr marL="0" marR="0" lvl="0" indent="0" algn="ctr" rtl="0">
                         <a:lnSpc>
                           <a:spcPct val="107000"/>
                         </a:lnSpc>
@@ -3804,7 +3905,7 @@
                         <a:buNone/>
                       </a:pPr>
                       <a:r>
-                        <a:rPr baseline="0" lang="en-US" sz="2800" u="none" cap="none" strike="noStrike">
+                        <a:rPr lang="en-US" sz="2800" u="none" strike="noStrike" cap="none" baseline="0">
                           <a:latin typeface="Arial"/>
                           <a:ea typeface="Arial"/>
                           <a:cs typeface="Arial"/>
@@ -3814,16 +3915,14 @@
                       </a:r>
                     </a:p>
                   </a:txBody>
-                  <a:tcPr marT="0" marB="0" marR="68575" marL="68575" anchor="ctr"/>
+                  <a:tcPr marL="68575" marR="68575" marT="0" marB="0" anchor="ctr"/>
                 </a:tc>
                 <a:tc>
                   <a:txBody>
-                    <a:bodyPr>
-                      <a:noAutofit/>
-                    </a:bodyPr>
+                    <a:bodyPr/>
                     <a:lstStyle/>
                     <a:p>
-                      <a:pPr indent="0" lvl="0" marL="0" marR="0" rtl="0" algn="ctr">
+                      <a:pPr marL="0" marR="0" lvl="0" indent="0" algn="ctr" rtl="0">
                         <a:lnSpc>
                           <a:spcPct val="107000"/>
                         </a:lnSpc>
@@ -3837,21 +3936,19 @@
                         <a:buNone/>
                       </a:pPr>
                       <a:r>
-                        <a:rPr baseline="0" lang="en-US" sz="2800" u="none" cap="none" strike="noStrike"/>
+                        <a:rPr lang="en-US" sz="2800" u="none" strike="noStrike" cap="none" baseline="0"/>
                         <a:t>39.8</a:t>
                       </a:r>
                     </a:p>
                   </a:txBody>
-                  <a:tcPr marT="0" marB="0" marR="68575" marL="68575" anchor="ctr"/>
+                  <a:tcPr marL="68575" marR="68575" marT="0" marB="0" anchor="ctr"/>
                 </a:tc>
                 <a:tc>
                   <a:txBody>
-                    <a:bodyPr>
-                      <a:noAutofit/>
-                    </a:bodyPr>
+                    <a:bodyPr/>
                     <a:lstStyle/>
                     <a:p>
-                      <a:pPr indent="0" lvl="0" marL="0" marR="0" rtl="0" algn="ctr">
+                      <a:pPr marL="0" marR="0" lvl="0" indent="0" algn="ctr" rtl="0">
                         <a:lnSpc>
                           <a:spcPct val="107000"/>
                         </a:lnSpc>
@@ -3865,21 +3962,19 @@
                         <a:buNone/>
                       </a:pPr>
                       <a:r>
-                        <a:rPr baseline="0" lang="en-US" sz="2800" u="none" cap="none" strike="noStrike"/>
+                        <a:rPr lang="en-US" sz="2800" u="none" strike="noStrike" cap="none" baseline="0"/>
                         <a:t>49.78</a:t>
                       </a:r>
                     </a:p>
                   </a:txBody>
-                  <a:tcPr marT="0" marB="0" marR="68575" marL="68575" anchor="ctr"/>
+                  <a:tcPr marL="68575" marR="68575" marT="0" marB="0" anchor="ctr"/>
                 </a:tc>
                 <a:tc>
                   <a:txBody>
-                    <a:bodyPr>
-                      <a:noAutofit/>
-                    </a:bodyPr>
+                    <a:bodyPr/>
                     <a:lstStyle/>
                     <a:p>
-                      <a:pPr indent="0" lvl="0" marL="0" marR="0" rtl="0" algn="ctr">
+                      <a:pPr marL="0" marR="0" lvl="0" indent="0" algn="ctr" rtl="0">
                         <a:lnSpc>
                           <a:spcPct val="107000"/>
                         </a:lnSpc>
@@ -3893,12 +3988,12 @@
                         <a:buNone/>
                       </a:pPr>
                       <a:r>
-                        <a:rPr baseline="0" lang="en-US" sz="2800" u="none" cap="none" strike="noStrike"/>
+                        <a:rPr lang="en-US" sz="2800" u="none" strike="noStrike" cap="none" baseline="0"/>
                         <a:t>49.39 </a:t>
                       </a:r>
                     </a:p>
                   </a:txBody>
-                  <a:tcPr marT="0" marB="0" marR="68575" marL="68575" anchor="ctr">
+                  <a:tcPr marL="68575" marR="68575" marT="0" marB="0" anchor="ctr">
                     <a:solidFill>
                       <a:srgbClr val="A5A5A5"/>
                     </a:solidFill>
@@ -3908,12 +4003,10 @@
               <a:tr h="802450">
                 <a:tc>
                   <a:txBody>
-                    <a:bodyPr>
-                      <a:noAutofit/>
-                    </a:bodyPr>
+                    <a:bodyPr/>
                     <a:lstStyle/>
                     <a:p>
-                      <a:pPr indent="0" lvl="0" marL="0" marR="0" rtl="0" algn="ctr">
+                      <a:pPr marL="0" marR="0" lvl="0" indent="0" algn="ctr" rtl="0">
                         <a:lnSpc>
                           <a:spcPct val="107000"/>
                         </a:lnSpc>
@@ -3927,12 +4020,12 @@
                         <a:buNone/>
                       </a:pPr>
                       <a:r>
-                        <a:rPr baseline="0" lang="en-US" sz="2800" u="none" cap="none" strike="noStrike"/>
+                        <a:rPr lang="en-US" sz="2800" u="none" strike="noStrike" cap="none" baseline="0"/>
                         <a:t>Neural Networks</a:t>
                       </a:r>
                     </a:p>
                   </a:txBody>
-                  <a:tcPr marT="0" marB="0" marR="68575" marL="68575" anchor="ctr">
+                  <a:tcPr marL="68575" marR="68575" marT="0" marB="0" anchor="ctr">
                     <a:solidFill>
                       <a:srgbClr val="A5A5A5"/>
                     </a:solidFill>
@@ -3940,12 +4033,10 @@
                 </a:tc>
                 <a:tc>
                   <a:txBody>
-                    <a:bodyPr>
-                      <a:noAutofit/>
-                    </a:bodyPr>
+                    <a:bodyPr/>
                     <a:lstStyle/>
                     <a:p>
-                      <a:pPr indent="0" lvl="0" marL="0" marR="0" rtl="0" algn="ctr">
+                      <a:pPr marL="0" marR="0" lvl="0" indent="0" algn="ctr" rtl="0">
                         <a:lnSpc>
                           <a:spcPct val="107000"/>
                         </a:lnSpc>
@@ -3959,21 +4050,19 @@
                         <a:buNone/>
                       </a:pPr>
                       <a:r>
-                        <a:rPr baseline="0" lang="en-US" sz="2800" u="none" cap="none" strike="noStrike"/>
+                        <a:rPr lang="en-US" sz="2800" u="none" strike="noStrike" cap="none" baseline="0"/>
                         <a:t>57.23 </a:t>
                       </a:r>
                     </a:p>
                   </a:txBody>
-                  <a:tcPr marT="0" marB="0" marR="68575" marL="68575" anchor="ctr"/>
+                  <a:tcPr marL="68575" marR="68575" marT="0" marB="0" anchor="ctr"/>
                 </a:tc>
                 <a:tc>
                   <a:txBody>
-                    <a:bodyPr>
-                      <a:noAutofit/>
-                    </a:bodyPr>
+                    <a:bodyPr/>
                     <a:lstStyle/>
                     <a:p>
-                      <a:pPr indent="0" lvl="0" marL="0" marR="0" rtl="0" algn="ctr">
+                      <a:pPr marL="0" marR="0" lvl="0" indent="0" algn="ctr" rtl="0">
                         <a:lnSpc>
                           <a:spcPct val="107000"/>
                         </a:lnSpc>
@@ -3987,21 +4076,19 @@
                         <a:buNone/>
                       </a:pPr>
                       <a:r>
-                        <a:rPr baseline="0" lang="en-US" sz="2800" u="none" cap="none" strike="noStrike"/>
+                        <a:rPr lang="en-US" sz="2800" u="none" strike="noStrike" cap="none" baseline="0"/>
                         <a:t>30.45</a:t>
                       </a:r>
                     </a:p>
                   </a:txBody>
-                  <a:tcPr marT="0" marB="0" marR="68575" marL="68575" anchor="ctr"/>
+                  <a:tcPr marL="68575" marR="68575" marT="0" marB="0" anchor="ctr"/>
                 </a:tc>
                 <a:tc>
                   <a:txBody>
-                    <a:bodyPr>
-                      <a:noAutofit/>
-                    </a:bodyPr>
+                    <a:bodyPr/>
                     <a:lstStyle/>
                     <a:p>
-                      <a:pPr indent="0" lvl="0" marL="0" marR="0" rtl="0" algn="ctr">
+                      <a:pPr marL="0" marR="0" lvl="0" indent="0" algn="ctr" rtl="0">
                         <a:lnSpc>
                           <a:spcPct val="107000"/>
                         </a:lnSpc>
@@ -4015,21 +4102,19 @@
                         <a:buNone/>
                       </a:pPr>
                       <a:r>
-                        <a:rPr baseline="0" lang="en-US" sz="2800" u="none" cap="none" strike="noStrike"/>
+                        <a:rPr lang="en-US" sz="2800" u="none" strike="noStrike" cap="none" baseline="0"/>
                         <a:t>53.69</a:t>
                       </a:r>
                     </a:p>
                   </a:txBody>
-                  <a:tcPr marT="0" marB="0" marR="68575" marL="68575" anchor="ctr"/>
+                  <a:tcPr marL="68575" marR="68575" marT="0" marB="0" anchor="ctr"/>
                 </a:tc>
                 <a:tc>
                   <a:txBody>
-                    <a:bodyPr>
-                      <a:noAutofit/>
-                    </a:bodyPr>
+                    <a:bodyPr/>
                     <a:lstStyle/>
                     <a:p>
-                      <a:pPr indent="0" lvl="0" marL="0" marR="0" rtl="0" algn="ctr">
+                      <a:pPr marL="0" marR="0" lvl="0" indent="0" algn="ctr" rtl="0">
                         <a:lnSpc>
                           <a:spcPct val="107000"/>
                         </a:lnSpc>
@@ -4043,21 +4128,19 @@
                         <a:buNone/>
                       </a:pPr>
                       <a:r>
-                        <a:rPr baseline="0" lang="en-US" sz="2800" u="none" cap="none" strike="noStrike"/>
+                        <a:rPr lang="en-US" sz="2800" u="none" strike="noStrike" cap="none" baseline="0"/>
                         <a:t>62.33</a:t>
                       </a:r>
                     </a:p>
                   </a:txBody>
-                  <a:tcPr marT="0" marB="0" marR="68575" marL="68575" anchor="ctr"/>
+                  <a:tcPr marL="68575" marR="68575" marT="0" marB="0" anchor="ctr"/>
                 </a:tc>
                 <a:tc>
                   <a:txBody>
-                    <a:bodyPr>
-                      <a:noAutofit/>
-                    </a:bodyPr>
+                    <a:bodyPr/>
                     <a:lstStyle/>
                     <a:p>
-                      <a:pPr indent="0" lvl="0" marL="0" marR="0" rtl="0" algn="ctr">
+                      <a:pPr marL="0" marR="0" lvl="0" indent="0" algn="ctr" rtl="0">
                         <a:lnSpc>
                           <a:spcPct val="107000"/>
                         </a:lnSpc>
@@ -4071,12 +4154,12 @@
                         <a:buNone/>
                       </a:pPr>
                       <a:r>
-                        <a:rPr baseline="0" lang="en-US" sz="2800" u="none" cap="none" strike="noStrike"/>
+                        <a:rPr lang="en-US" sz="2800" u="none" strike="noStrike" cap="none" baseline="0"/>
                         <a:t>50.93 </a:t>
                       </a:r>
                     </a:p>
                   </a:txBody>
-                  <a:tcPr marT="0" marB="0" marR="68575" marL="68575" anchor="ctr">
+                  <a:tcPr marL="68575" marR="68575" marT="0" marB="0" anchor="ctr">
                     <a:solidFill>
                       <a:srgbClr val="A5A5A5"/>
                     </a:solidFill>
@@ -4107,12 +4190,12 @@
           </a:ln>
         </p:spPr>
         <p:txBody>
-          <a:bodyPr anchorCtr="0" anchor="t" bIns="45700" lIns="91425" rIns="91425" tIns="45700">
+          <a:bodyPr lIns="91425" tIns="45700" rIns="91425" bIns="45700" anchor="t" anchorCtr="0">
             <a:noAutofit/>
           </a:bodyPr>
           <a:lstStyle/>
           <a:p>
-            <a:pPr indent="0" lvl="0" marL="0" marR="0" rtl="0" algn="l">
+            <a:pPr marL="0" marR="0" lvl="0" indent="0" algn="l" rtl="0">
               <a:spcBef>
                 <a:spcPts val="0"/>
               </a:spcBef>
@@ -4120,7 +4203,7 @@
               <a:buNone/>
             </a:pPr>
             <a:r>
-              <a:rPr b="0" baseline="0" i="1" lang="en-US" sz="2800" u="none" cap="none" strike="noStrike">
+              <a:rPr lang="en-US" sz="2800" b="0" i="1" u="none" strike="noStrike" cap="none" baseline="0">
                 <a:solidFill>
                   <a:schemeClr val="dk1"/>
                 </a:solidFill>
@@ -4154,12 +4237,12 @@
           </a:ln>
         </p:spPr>
         <p:txBody>
-          <a:bodyPr anchorCtr="0" anchor="t" bIns="45700" lIns="91425" rIns="91425" tIns="45700">
+          <a:bodyPr lIns="91425" tIns="45700" rIns="91425" bIns="45700" anchor="t" anchorCtr="0">
             <a:noAutofit/>
           </a:bodyPr>
           <a:lstStyle/>
           <a:p>
-            <a:pPr indent="0" lvl="0" marL="0" marR="0" rtl="0" algn="l">
+            <a:pPr marL="0" marR="0" lvl="0" indent="0" algn="l" rtl="0">
               <a:spcBef>
                 <a:spcPts val="0"/>
               </a:spcBef>
@@ -4167,7 +4250,7 @@
               <a:buNone/>
             </a:pPr>
             <a:r>
-              <a:rPr b="0" baseline="0" i="1" lang="en-US" sz="2800" u="none" cap="none" strike="noStrike">
+              <a:rPr lang="en-US" sz="2800" b="0" i="1" u="none" strike="noStrike" cap="none" baseline="0">
                 <a:solidFill>
                   <a:schemeClr val="dk1"/>
                 </a:solidFill>
@@ -4194,36 +4277,33 @@
           </a:xfrm>
           <a:prstGeom prst="roundRect">
             <a:avLst>
-              <a:gd fmla="val 16667" name="adj"/>
+              <a:gd name="adj" fmla="val 16667"/>
             </a:avLst>
           </a:prstGeom>
           <a:noFill/>
-          <a:ln cap="flat" w="25400">
+          <a:ln w="25400" cap="flat">
             <a:solidFill>
               <a:schemeClr val="lt1"/>
             </a:solidFill>
             <a:prstDash val="solid"/>
             <a:round/>
-            <a:headEnd len="med" w="med" type="none"/>
-            <a:tailEnd len="med" w="med" type="none"/>
+            <a:headEnd type="none" w="med" len="med"/>
+            <a:tailEnd type="none" w="med" len="med"/>
           </a:ln>
         </p:spPr>
         <p:txBody>
-          <a:bodyPr anchorCtr="0" anchor="ctr" bIns="45700" lIns="91425" rIns="91425" tIns="45700">
+          <a:bodyPr lIns="91425" tIns="45700" rIns="91425" bIns="45700" anchor="ctr" anchorCtr="0">
             <a:noAutofit/>
           </a:bodyPr>
           <a:lstStyle/>
           <a:p>
-            <a:pPr indent="0" lvl="0" marL="0" marR="0" rtl="0" algn="ctr">
+            <a:pPr marL="0" marR="0" lvl="0" indent="0" algn="ctr" rtl="0">
               <a:spcBef>
                 <a:spcPts val="0"/>
               </a:spcBef>
               <a:buNone/>
             </a:pPr>
-            <a:r>
-              <a:t/>
-            </a:r>
-            <a:endParaRPr b="0" baseline="0" i="0" sz="6200" u="none" cap="none" strike="noStrike">
+            <a:endParaRPr sz="6200" b="0" i="0" u="none" strike="noStrike" cap="none" baseline="0">
               <a:solidFill>
                 <a:schemeClr val="dk1"/>
               </a:solidFill>
@@ -4248,36 +4328,33 @@
           </a:xfrm>
           <a:prstGeom prst="roundRect">
             <a:avLst>
-              <a:gd fmla="val 16667" name="adj"/>
+              <a:gd name="adj" fmla="val 16667"/>
             </a:avLst>
           </a:prstGeom>
           <a:noFill/>
-          <a:ln cap="flat" w="25400">
+          <a:ln w="25400" cap="flat">
             <a:solidFill>
               <a:schemeClr val="lt1"/>
             </a:solidFill>
             <a:prstDash val="solid"/>
             <a:round/>
-            <a:headEnd len="med" w="med" type="none"/>
-            <a:tailEnd len="med" w="med" type="none"/>
+            <a:headEnd type="none" w="med" len="med"/>
+            <a:tailEnd type="none" w="med" len="med"/>
           </a:ln>
         </p:spPr>
         <p:txBody>
-          <a:bodyPr anchorCtr="0" anchor="ctr" bIns="45700" lIns="91425" rIns="91425" tIns="45700">
+          <a:bodyPr lIns="91425" tIns="45700" rIns="91425" bIns="45700" anchor="ctr" anchorCtr="0">
             <a:noAutofit/>
           </a:bodyPr>
           <a:lstStyle/>
           <a:p>
-            <a:pPr indent="0" lvl="0" marL="0" marR="0" rtl="0" algn="ctr">
+            <a:pPr marL="0" marR="0" lvl="0" indent="0" algn="ctr" rtl="0">
               <a:spcBef>
                 <a:spcPts val="0"/>
               </a:spcBef>
               <a:buNone/>
             </a:pPr>
-            <a:r>
-              <a:t/>
-            </a:r>
-            <a:endParaRPr b="0" baseline="0" i="0" sz="6200" u="none" cap="none" strike="noStrike">
+            <a:endParaRPr sz="6200" b="0" i="0" u="none" strike="noStrike" cap="none" baseline="0">
               <a:solidFill>
                 <a:schemeClr val="dk1"/>
               </a:solidFill>
@@ -4302,36 +4379,33 @@
           </a:xfrm>
           <a:prstGeom prst="roundRect">
             <a:avLst>
-              <a:gd fmla="val 16667" name="adj"/>
+              <a:gd name="adj" fmla="val 16667"/>
             </a:avLst>
           </a:prstGeom>
           <a:noFill/>
-          <a:ln cap="flat" w="25400">
+          <a:ln w="25400" cap="flat">
             <a:solidFill>
               <a:schemeClr val="lt1"/>
             </a:solidFill>
             <a:prstDash val="solid"/>
             <a:round/>
-            <a:headEnd len="med" w="med" type="none"/>
-            <a:tailEnd len="med" w="med" type="none"/>
+            <a:headEnd type="none" w="med" len="med"/>
+            <a:tailEnd type="none" w="med" len="med"/>
           </a:ln>
         </p:spPr>
         <p:txBody>
-          <a:bodyPr anchorCtr="0" anchor="ctr" bIns="45700" lIns="91425" rIns="91425" tIns="45700">
+          <a:bodyPr lIns="91425" tIns="45700" rIns="91425" bIns="45700" anchor="ctr" anchorCtr="0">
             <a:noAutofit/>
           </a:bodyPr>
           <a:lstStyle/>
           <a:p>
-            <a:pPr indent="0" lvl="0" marL="0" marR="0" rtl="0" algn="ctr">
+            <a:pPr marL="0" marR="0" lvl="0" indent="0" algn="ctr" rtl="0">
               <a:spcBef>
                 <a:spcPts val="0"/>
               </a:spcBef>
               <a:buNone/>
             </a:pPr>
-            <a:r>
-              <a:t/>
-            </a:r>
-            <a:endParaRPr b="0" baseline="0" i="0" sz="6200" u="none" cap="none" strike="noStrike">
+            <a:endParaRPr sz="6200" b="0" i="0" u="none" strike="noStrike" cap="none" baseline="0">
               <a:solidFill>
                 <a:schemeClr val="dk1"/>
               </a:solidFill>
@@ -4356,36 +4430,33 @@
           </a:xfrm>
           <a:prstGeom prst="roundRect">
             <a:avLst>
-              <a:gd fmla="val 16667" name="adj"/>
+              <a:gd name="adj" fmla="val 16667"/>
             </a:avLst>
           </a:prstGeom>
           <a:noFill/>
-          <a:ln cap="flat" w="12700">
+          <a:ln w="12700" cap="flat">
             <a:solidFill>
               <a:schemeClr val="lt1"/>
             </a:solidFill>
             <a:prstDash val="solid"/>
             <a:round/>
-            <a:headEnd len="med" w="med" type="none"/>
-            <a:tailEnd len="med" w="med" type="none"/>
+            <a:headEnd type="none" w="med" len="med"/>
+            <a:tailEnd type="none" w="med" len="med"/>
           </a:ln>
         </p:spPr>
         <p:txBody>
-          <a:bodyPr anchorCtr="0" anchor="ctr" bIns="45700" lIns="91425" rIns="91425" tIns="45700">
+          <a:bodyPr lIns="91425" tIns="45700" rIns="91425" bIns="45700" anchor="ctr" anchorCtr="0">
             <a:noAutofit/>
           </a:bodyPr>
           <a:lstStyle/>
           <a:p>
-            <a:pPr indent="0" lvl="0" marL="0" marR="0" rtl="0" algn="ctr">
+            <a:pPr marL="0" marR="0" lvl="0" indent="0" algn="ctr" rtl="0">
               <a:spcBef>
                 <a:spcPts val="0"/>
               </a:spcBef>
               <a:buNone/>
             </a:pPr>
-            <a:r>
-              <a:t/>
-            </a:r>
-            <a:endParaRPr b="0" baseline="0" i="0" sz="6200" u="none" cap="none" strike="noStrike">
+            <a:endParaRPr sz="6200" b="0" i="0" u="none" strike="noStrike" cap="none" baseline="0">
               <a:solidFill>
                 <a:schemeClr val="dk1"/>
               </a:solidFill>
@@ -4417,12 +4488,12 @@
           </a:ln>
         </p:spPr>
         <p:txBody>
-          <a:bodyPr anchorCtr="0" anchor="t" bIns="45700" lIns="91425" rIns="91425" tIns="45700">
+          <a:bodyPr lIns="91425" tIns="45700" rIns="91425" bIns="45700" anchor="t" anchorCtr="0">
             <a:noAutofit/>
           </a:bodyPr>
           <a:lstStyle/>
           <a:p>
-            <a:pPr indent="-457200" lvl="0" marL="457200" marR="0" rtl="0" algn="l">
+            <a:pPr marL="457200" marR="0" lvl="0" indent="-457200" algn="l" rtl="0">
               <a:spcBef>
                 <a:spcPts val="0"/>
               </a:spcBef>
@@ -4434,7 +4505,7 @@
               <a:buChar char="•"/>
             </a:pPr>
             <a:r>
-              <a:rPr b="0" baseline="0" i="0" lang="en-US" sz="2800" u="none" cap="none" strike="noStrike">
+              <a:rPr lang="en-US" sz="2800" b="0" i="0" u="none" strike="noStrike" cap="none" baseline="0">
                 <a:solidFill>
                   <a:schemeClr val="dk1"/>
                 </a:solidFill>
@@ -4447,7 +4518,7 @@
             </a:r>
           </a:p>
           <a:p>
-            <a:pPr indent="-457200" lvl="0" marL="457200" marR="0" rtl="0" algn="l">
+            <a:pPr marL="457200" marR="0" lvl="0" indent="-457200" algn="l" rtl="0">
               <a:spcBef>
                 <a:spcPts val="0"/>
               </a:spcBef>
@@ -4459,7 +4530,7 @@
               <a:buChar char="•"/>
             </a:pPr>
             <a:r>
-              <a:rPr b="0" baseline="0" i="0" lang="en-US" sz="2800" u="none" cap="none" strike="noStrike">
+              <a:rPr lang="en-US" sz="2800" b="0" i="0" u="none" strike="noStrike" cap="none" baseline="0">
                 <a:solidFill>
                   <a:schemeClr val="dk1"/>
                 </a:solidFill>
@@ -4472,7 +4543,7 @@
             </a:r>
           </a:p>
           <a:p>
-            <a:pPr indent="-457200" lvl="0" marL="457200" marR="0" rtl="0" algn="l">
+            <a:pPr marL="457200" marR="0" lvl="0" indent="-457200" algn="l" rtl="0">
               <a:spcBef>
                 <a:spcPts val="0"/>
               </a:spcBef>
@@ -4484,7 +4555,7 @@
               <a:buChar char="•"/>
             </a:pPr>
             <a:r>
-              <a:rPr b="0" baseline="0" i="0" lang="en-US" sz="2800" u="none" cap="none" strike="noStrike">
+              <a:rPr lang="en-US" sz="2800" b="0" i="0" u="none" strike="noStrike" cap="none" baseline="0">
                 <a:solidFill>
                   <a:schemeClr val="dk1"/>
                 </a:solidFill>
@@ -4497,7 +4568,7 @@
             </a:r>
           </a:p>
           <a:p>
-            <a:pPr indent="-279400" lvl="0" marL="457200" marR="0" rtl="0" algn="l">
+            <a:pPr marL="457200" marR="0" lvl="0" indent="-279400" algn="l" rtl="0">
               <a:spcBef>
                 <a:spcPts val="0"/>
               </a:spcBef>
@@ -4507,10 +4578,7 @@
               <a:buFont typeface="Arial"/>
               <a:buNone/>
             </a:pPr>
-            <a:r>
-              <a:t/>
-            </a:r>
-            <a:endParaRPr b="0" baseline="0" i="0" sz="2800" u="none" cap="none" strike="noStrike">
+            <a:endParaRPr sz="2800" b="0" i="0" u="none" strike="noStrike" cap="none" baseline="0">
               <a:solidFill>
                 <a:schemeClr val="dk1"/>
               </a:solidFill>
@@ -4521,7 +4589,7 @@
             </a:endParaRPr>
           </a:p>
           <a:p>
-            <a:pPr indent="0" lvl="0" marL="0" marR="0" rtl="0" algn="l">
+            <a:pPr marL="0" marR="0" lvl="0" indent="0" algn="l" rtl="0">
               <a:spcBef>
                 <a:spcPts val="0"/>
               </a:spcBef>
@@ -4529,7 +4597,7 @@
               <a:buNone/>
             </a:pPr>
             <a:r>
-              <a:rPr b="0" baseline="0" i="1" lang="en-US" sz="2800" u="none" cap="none" strike="noStrike">
+              <a:rPr lang="en-US" sz="2800" b="0" i="1" u="none" strike="noStrike" cap="none" baseline="0">
                 <a:solidFill>
                   <a:schemeClr val="dk1"/>
                 </a:solidFill>
@@ -4542,7 +4610,7 @@
             </a:r>
           </a:p>
           <a:p>
-            <a:pPr indent="-457200" lvl="0" marL="457200" marR="0" rtl="0" algn="l">
+            <a:pPr marL="457200" marR="0" lvl="0" indent="-457200" algn="l" rtl="0">
               <a:spcBef>
                 <a:spcPts val="0"/>
               </a:spcBef>
@@ -4554,7 +4622,7 @@
               <a:buChar char="•"/>
             </a:pPr>
             <a:r>
-              <a:rPr b="0" baseline="0" i="0" lang="en-US" sz="2800" u="none" cap="none" strike="noStrike">
+              <a:rPr lang="en-US" sz="2800" b="0" i="0" u="none" strike="noStrike" cap="none" baseline="0">
                 <a:solidFill>
                   <a:schemeClr val="dk1"/>
                 </a:solidFill>
@@ -4581,36 +4649,33 @@
           </a:xfrm>
           <a:prstGeom prst="roundRect">
             <a:avLst>
-              <a:gd fmla="val 16667" name="adj"/>
+              <a:gd name="adj" fmla="val 16667"/>
             </a:avLst>
           </a:prstGeom>
           <a:noFill/>
-          <a:ln cap="flat" w="25400">
+          <a:ln w="25400" cap="flat">
             <a:solidFill>
               <a:srgbClr val="E36C09"/>
             </a:solidFill>
             <a:prstDash val="solid"/>
             <a:round/>
-            <a:headEnd len="med" w="med" type="none"/>
-            <a:tailEnd len="med" w="med" type="none"/>
+            <a:headEnd type="none" w="med" len="med"/>
+            <a:tailEnd type="none" w="med" len="med"/>
           </a:ln>
         </p:spPr>
         <p:txBody>
-          <a:bodyPr anchorCtr="0" anchor="ctr" bIns="45700" lIns="91425" rIns="91425" tIns="45700">
+          <a:bodyPr lIns="91425" tIns="45700" rIns="91425" bIns="45700" anchor="ctr" anchorCtr="0">
             <a:noAutofit/>
           </a:bodyPr>
           <a:lstStyle/>
           <a:p>
-            <a:pPr indent="0" lvl="0" marL="0" marR="0" rtl="0" algn="ctr">
+            <a:pPr marL="0" marR="0" lvl="0" indent="0" algn="ctr" rtl="0">
               <a:spcBef>
                 <a:spcPts val="0"/>
               </a:spcBef>
               <a:buNone/>
             </a:pPr>
-            <a:r>
-              <a:t/>
-            </a:r>
-            <a:endParaRPr b="0" baseline="0" i="0" sz="6200" u="none" cap="none" strike="noStrike">
+            <a:endParaRPr sz="6200" b="0" i="0" u="none" strike="noStrike" cap="none" baseline="0">
               <a:solidFill>
                 <a:schemeClr val="dk1"/>
               </a:solidFill>
@@ -4642,12 +4707,12 @@
           </a:ln>
         </p:spPr>
         <p:txBody>
-          <a:bodyPr anchorCtr="0" anchor="t" bIns="45700" lIns="91425" rIns="91425" tIns="45700">
+          <a:bodyPr lIns="91425" tIns="45700" rIns="91425" bIns="45700" anchor="t" anchorCtr="0">
             <a:noAutofit/>
           </a:bodyPr>
           <a:lstStyle/>
           <a:p>
-            <a:pPr indent="0" lvl="0" marL="0" marR="0" rtl="0" algn="l">
+            <a:pPr marL="0" marR="0" lvl="0" indent="0" algn="l" rtl="0">
               <a:spcBef>
                 <a:spcPts val="0"/>
               </a:spcBef>
@@ -4655,7 +4720,7 @@
               <a:buNone/>
             </a:pPr>
             <a:r>
-              <a:rPr b="0" baseline="0" i="0" lang="en-US" sz="2000" u="none" cap="none" strike="noStrike">
+              <a:rPr lang="en-US" sz="2000" b="0" i="0" u="none" strike="noStrike" cap="none" baseline="0">
                 <a:solidFill>
                   <a:schemeClr val="dk1"/>
                 </a:solidFill>
@@ -4668,7 +4733,7 @@
             </a:r>
           </a:p>
           <a:p>
-            <a:pPr indent="0" lvl="0" marL="0" marR="0" rtl="0" algn="l">
+            <a:pPr marL="0" marR="0" lvl="0" indent="0" algn="l" rtl="0">
               <a:spcBef>
                 <a:spcPts val="0"/>
               </a:spcBef>
@@ -4676,7 +4741,7 @@
               <a:buNone/>
             </a:pPr>
             <a:r>
-              <a:rPr b="0" baseline="0" i="0" lang="en-US" sz="2000" u="none" cap="none" strike="noStrike">
+              <a:rPr lang="en-US" sz="2000" b="0" i="0" u="none" strike="noStrike" cap="none" baseline="0">
                 <a:solidFill>
                   <a:schemeClr val="dk1"/>
                 </a:solidFill>
@@ -4689,7 +4754,7 @@
             </a:r>
           </a:p>
           <a:p>
-            <a:pPr indent="0" lvl="0" marL="0" marR="0" rtl="0" algn="l">
+            <a:pPr marL="0" marR="0" lvl="0" indent="0" algn="l" rtl="0">
               <a:spcBef>
                 <a:spcPts val="0"/>
               </a:spcBef>
@@ -4697,7 +4762,7 @@
               <a:buNone/>
             </a:pPr>
             <a:r>
-              <a:rPr b="0" baseline="0" i="0" lang="en-US" sz="2000" u="none" cap="none" strike="noStrike">
+              <a:rPr lang="en-US" sz="2000" b="0" i="0" u="none" strike="noStrike" cap="none" baseline="0">
                 <a:solidFill>
                   <a:schemeClr val="dk1"/>
                 </a:solidFill>
@@ -4710,7 +4775,7 @@
             </a:r>
           </a:p>
           <a:p>
-            <a:pPr indent="0" lvl="0" marL="0" marR="0" rtl="0" algn="l">
+            <a:pPr marL="0" marR="0" lvl="0" indent="0" algn="l" rtl="0">
               <a:spcBef>
                 <a:spcPts val="0"/>
               </a:spcBef>
@@ -4718,7 +4783,7 @@
               <a:buNone/>
             </a:pPr>
             <a:r>
-              <a:rPr b="0" baseline="0" i="0" lang="en-US" sz="2000" u="none" cap="none" strike="noStrike">
+              <a:rPr lang="en-US" sz="2000" b="0" i="0" u="none" strike="noStrike" cap="none" baseline="0">
                 <a:solidFill>
                   <a:schemeClr val="dk1"/>
                 </a:solidFill>
@@ -4731,16 +4796,13 @@
             </a:r>
           </a:p>
           <a:p>
-            <a:pPr indent="0" lvl="0" marL="0" marR="0" rtl="0" algn="l">
+            <a:pPr marL="0" marR="0" lvl="0" indent="0" algn="l" rtl="0">
               <a:spcBef>
                 <a:spcPts val="0"/>
               </a:spcBef>
               <a:buNone/>
             </a:pPr>
-            <a:r>
-              <a:t/>
-            </a:r>
-            <a:endParaRPr b="0" baseline="0" i="0" sz="2000" u="none" cap="none" strike="noStrike">
+            <a:endParaRPr sz="2000" b="0" i="0" u="none" strike="noStrike" cap="none" baseline="0">
               <a:solidFill>
                 <a:schemeClr val="dk1"/>
               </a:solidFill>
@@ -4772,12 +4834,12 @@
           </a:ln>
         </p:spPr>
         <p:txBody>
-          <a:bodyPr anchorCtr="0" anchor="t" bIns="45700" lIns="91425" rIns="91425" tIns="45700">
+          <a:bodyPr lIns="91425" tIns="45700" rIns="91425" bIns="45700" anchor="t" anchorCtr="0">
             <a:noAutofit/>
           </a:bodyPr>
           <a:lstStyle/>
           <a:p>
-            <a:pPr indent="0" lvl="0" marL="0" marR="0" rtl="0" algn="l">
+            <a:pPr marL="0" marR="0" lvl="0" indent="0" algn="l" rtl="0">
               <a:spcBef>
                 <a:spcPts val="0"/>
               </a:spcBef>
@@ -4785,7 +4847,7 @@
               <a:buNone/>
             </a:pPr>
             <a:r>
-              <a:rPr b="0" baseline="0" i="1" lang="en-US" sz="2800" u="none" cap="none" strike="noStrike">
+              <a:rPr lang="en-US" sz="2800" b="0" i="1" u="none" strike="noStrike" cap="none" baseline="0">
                 <a:solidFill>
                   <a:schemeClr val="dk1"/>
                 </a:solidFill>
@@ -4812,36 +4874,33 @@
           </a:xfrm>
           <a:prstGeom prst="roundRect">
             <a:avLst>
-              <a:gd fmla="val 16667" name="adj"/>
+              <a:gd name="adj" fmla="val 16667"/>
             </a:avLst>
           </a:prstGeom>
           <a:noFill/>
-          <a:ln cap="flat" w="12700">
+          <a:ln w="12700" cap="flat">
             <a:solidFill>
               <a:schemeClr val="lt1"/>
             </a:solidFill>
             <a:prstDash val="solid"/>
             <a:round/>
-            <a:headEnd len="med" w="med" type="none"/>
-            <a:tailEnd len="med" w="med" type="none"/>
+            <a:headEnd type="none" w="med" len="med"/>
+            <a:tailEnd type="none" w="med" len="med"/>
           </a:ln>
         </p:spPr>
         <p:txBody>
-          <a:bodyPr anchorCtr="0" anchor="ctr" bIns="45700" lIns="91425" rIns="91425" tIns="45700">
+          <a:bodyPr lIns="91425" tIns="45700" rIns="91425" bIns="45700" anchor="ctr" anchorCtr="0">
             <a:noAutofit/>
           </a:bodyPr>
           <a:lstStyle/>
           <a:p>
-            <a:pPr indent="0" lvl="0" marL="0" marR="0" rtl="0" algn="ctr">
+            <a:pPr marL="0" marR="0" lvl="0" indent="0" algn="ctr" rtl="0">
               <a:spcBef>
                 <a:spcPts val="0"/>
               </a:spcBef>
               <a:buNone/>
             </a:pPr>
-            <a:r>
-              <a:t/>
-            </a:r>
-            <a:endParaRPr b="0" baseline="0" i="0" sz="6200" u="none" cap="none" strike="noStrike">
+            <a:endParaRPr sz="6200" b="0" i="0" u="none" strike="noStrike" cap="none" baseline="0">
               <a:solidFill>
                 <a:schemeClr val="dk1"/>
               </a:solidFill>
@@ -4863,7 +4922,7 @@
           <a:blip r:embed="rId9">
             <a:alphaModFix/>
           </a:blip>
-          <a:srcRect b="0" l="0" r="0" t="0"/>
+          <a:srcRect/>
           <a:stretch/>
         </p:blipFill>
         <p:spPr>
@@ -4900,12 +4959,12 @@
           </a:ln>
         </p:spPr>
         <p:txBody>
-          <a:bodyPr anchorCtr="0" anchor="t" bIns="45700" lIns="91425" rIns="91425" tIns="45700">
+          <a:bodyPr lIns="91425" tIns="45700" rIns="91425" bIns="45700" anchor="t" anchorCtr="0">
             <a:noAutofit/>
           </a:bodyPr>
           <a:lstStyle/>
           <a:p>
-            <a:pPr indent="-457200" lvl="0" marL="457200" marR="0" rtl="0" algn="l">
+            <a:pPr marL="457200" marR="0" lvl="0" indent="-457200" algn="l" rtl="0">
               <a:spcBef>
                 <a:spcPts val="0"/>
               </a:spcBef>
@@ -4917,7 +4976,7 @@
               <a:buChar char="•"/>
             </a:pPr>
             <a:r>
-              <a:rPr b="0" baseline="0" i="0" lang="en-US" sz="2800" u="none" cap="none" strike="noStrike">
+              <a:rPr lang="en-US" sz="2800" b="0" i="0" u="none" strike="noStrike" cap="none" baseline="0">
                 <a:solidFill>
                   <a:schemeClr val="dk1"/>
                 </a:solidFill>
@@ -4930,7 +4989,7 @@
             </a:r>
           </a:p>
           <a:p>
-            <a:pPr indent="-457200" lvl="0" marL="457200" marR="0" rtl="0" algn="l">
+            <a:pPr marL="457200" marR="0" lvl="0" indent="-457200" algn="l" rtl="0">
               <a:spcBef>
                 <a:spcPts val="0"/>
               </a:spcBef>
@@ -4942,7 +5001,7 @@
               <a:buChar char="•"/>
             </a:pPr>
             <a:r>
-              <a:rPr b="0" baseline="0" i="0" lang="en-US" sz="2800" u="none" cap="none" strike="noStrike">
+              <a:rPr lang="en-US" sz="2800" b="0" i="0" u="none" strike="noStrike" cap="none" baseline="0">
                 <a:solidFill>
                   <a:schemeClr val="dk1"/>
                 </a:solidFill>
@@ -4955,7 +5014,7 @@
             </a:r>
           </a:p>
           <a:p>
-            <a:pPr indent="-457200" lvl="0" marL="457200" marR="0" rtl="0" algn="l">
+            <a:pPr marL="457200" marR="0" lvl="0" indent="-457200" algn="l" rtl="0">
               <a:spcBef>
                 <a:spcPts val="0"/>
               </a:spcBef>
@@ -4967,7 +5026,7 @@
               <a:buChar char="•"/>
             </a:pPr>
             <a:r>
-              <a:rPr b="0" baseline="0" i="0" lang="en-US" sz="2800" u="none" cap="none" strike="noStrike">
+              <a:rPr lang="en-US" sz="2800" b="0" i="0" u="none" strike="noStrike" cap="none" baseline="0">
                 <a:solidFill>
                   <a:schemeClr val="dk1"/>
                 </a:solidFill>
@@ -4980,7 +5039,7 @@
             </a:r>
           </a:p>
           <a:p>
-            <a:pPr indent="0" lvl="0" marL="0" marR="0" rtl="0" algn="l">
+            <a:pPr marL="0" marR="0" lvl="0" indent="0" algn="l" rtl="0">
               <a:spcBef>
                 <a:spcPts val="0"/>
               </a:spcBef>
@@ -4988,7 +5047,7 @@
               <a:buNone/>
             </a:pPr>
             <a:r>
-              <a:rPr b="0" baseline="0" i="0" lang="en-US" sz="2800" u="none" cap="none" strike="noStrike">
+              <a:rPr lang="en-US" sz="2800" b="0" i="0" u="none" strike="noStrike" cap="none" baseline="0">
                 <a:solidFill>
                   <a:schemeClr val="dk1"/>
                 </a:solidFill>
@@ -5001,7 +5060,7 @@
             </a:r>
           </a:p>
           <a:p>
-            <a:pPr indent="-279400" lvl="0" marL="457200" marR="0" rtl="0" algn="l">
+            <a:pPr marL="457200" marR="0" lvl="0" indent="-279400" algn="l" rtl="0">
               <a:spcBef>
                 <a:spcPts val="0"/>
               </a:spcBef>
@@ -5011,10 +5070,7 @@
               <a:buFont typeface="Arial"/>
               <a:buNone/>
             </a:pPr>
-            <a:r>
-              <a:t/>
-            </a:r>
-            <a:endParaRPr b="0" baseline="0" i="0" sz="2800" u="none" cap="none" strike="noStrike">
+            <a:endParaRPr sz="2800" b="0" i="0" u="none" strike="noStrike" cap="none" baseline="0">
               <a:solidFill>
                 <a:schemeClr val="dk1"/>
               </a:solidFill>
@@ -5025,7 +5081,7 @@
             </a:endParaRPr>
           </a:p>
           <a:p>
-            <a:pPr indent="0" lvl="0" marL="0" marR="0" rtl="0" algn="l">
+            <a:pPr marL="0" marR="0" lvl="0" indent="0" algn="l" rtl="0">
               <a:spcBef>
                 <a:spcPts val="0"/>
               </a:spcBef>
@@ -5033,7 +5089,7 @@
               <a:buNone/>
             </a:pPr>
             <a:r>
-              <a:rPr b="0" baseline="0" i="0" lang="en-US" sz="1800" u="none" cap="none" strike="noStrike">
+              <a:rPr lang="en-US" sz="1800" b="0" i="0" u="none" strike="noStrike" cap="none" baseline="0">
                 <a:solidFill>
                   <a:schemeClr val="dk1"/>
                 </a:solidFill>
@@ -5045,7 +5101,7 @@
               <a:t>(ROOT-0, rain-3)  (The-1, strongest-2)  (rain-3, The-1)  (rain-3, recorded-5</a:t>
             </a:r>
             <a:r>
-              <a:rPr b="0" baseline="0" i="0" lang="en-US" sz="2000" u="none" cap="none" strike="noStrike">
+              <a:rPr lang="en-US" sz="2000" b="0" i="0" u="none" strike="noStrike" cap="none" baseline="0">
                 <a:solidFill>
                   <a:schemeClr val="dk1"/>
                 </a:solidFill>
@@ -5058,7 +5114,7 @@
             </a:r>
           </a:p>
           <a:p>
-            <a:pPr indent="-279400" lvl="0" marL="457200" marR="0" rtl="0" algn="l">
+            <a:pPr marL="457200" marR="0" lvl="0" indent="-279400" algn="l" rtl="0">
               <a:spcBef>
                 <a:spcPts val="0"/>
               </a:spcBef>
@@ -5068,10 +5124,7 @@
               <a:buFont typeface="Arial"/>
               <a:buNone/>
             </a:pPr>
-            <a:r>
-              <a:t/>
-            </a:r>
-            <a:endParaRPr b="0" baseline="0" i="0" sz="2800" u="none" cap="none" strike="noStrike">
+            <a:endParaRPr sz="2800" b="0" i="0" u="none" strike="noStrike" cap="none" baseline="0">
               <a:solidFill>
                 <a:schemeClr val="dk1"/>
               </a:solidFill>
@@ -5096,40 +5149,37 @@
           </a:xfrm>
           <a:prstGeom prst="curvedDownArrow">
             <a:avLst>
-              <a:gd fmla="val 25000" name="adj1"/>
-              <a:gd fmla="val 50000" name="adj2"/>
-              <a:gd fmla="val 25000" name="adj3"/>
+              <a:gd name="adj1" fmla="val 25000"/>
+              <a:gd name="adj2" fmla="val 50000"/>
+              <a:gd name="adj3" fmla="val 25000"/>
             </a:avLst>
           </a:prstGeom>
           <a:solidFill>
             <a:schemeClr val="accent1"/>
           </a:solidFill>
-          <a:ln cap="flat" w="25400">
+          <a:ln w="25400" cap="flat">
             <a:solidFill>
               <a:srgbClr val="395E8A"/>
             </a:solidFill>
             <a:prstDash val="solid"/>
             <a:round/>
-            <a:headEnd len="med" w="med" type="none"/>
-            <a:tailEnd len="med" w="med" type="none"/>
+            <a:headEnd type="none" w="med" len="med"/>
+            <a:tailEnd type="none" w="med" len="med"/>
           </a:ln>
         </p:spPr>
         <p:txBody>
-          <a:bodyPr anchorCtr="0" anchor="ctr" bIns="45700" lIns="91425" rIns="91425" tIns="45700">
+          <a:bodyPr lIns="91425" tIns="45700" rIns="91425" bIns="45700" anchor="ctr" anchorCtr="0">
             <a:noAutofit/>
           </a:bodyPr>
           <a:lstStyle/>
           <a:p>
-            <a:pPr indent="0" lvl="0" marL="0" marR="0" rtl="0" algn="ctr">
+            <a:pPr marL="0" marR="0" lvl="0" indent="0" algn="ctr" rtl="0">
               <a:spcBef>
                 <a:spcPts val="0"/>
               </a:spcBef>
               <a:buNone/>
             </a:pPr>
-            <a:r>
-              <a:t/>
-            </a:r>
-            <a:endParaRPr b="0" baseline="0" i="0" sz="6200" u="none" cap="none" strike="noStrike">
+            <a:endParaRPr sz="6200" b="0" i="0" u="none" strike="noStrike" cap="none" baseline="0">
               <a:solidFill>
                 <a:schemeClr val="dk1"/>
               </a:solidFill>
@@ -5154,40 +5204,37 @@
           </a:xfrm>
           <a:prstGeom prst="curvedUpArrow">
             <a:avLst>
-              <a:gd fmla="val 25000" name="adj1"/>
-              <a:gd fmla="val 50000" name="adj2"/>
-              <a:gd fmla="val 25000" name="adj3"/>
+              <a:gd name="adj1" fmla="val 25000"/>
+              <a:gd name="adj2" fmla="val 50000"/>
+              <a:gd name="adj3" fmla="val 25000"/>
             </a:avLst>
           </a:prstGeom>
           <a:solidFill>
             <a:schemeClr val="accent1"/>
           </a:solidFill>
-          <a:ln cap="flat" w="25400">
+          <a:ln w="25400" cap="flat">
             <a:solidFill>
               <a:srgbClr val="395E8A"/>
             </a:solidFill>
             <a:prstDash val="solid"/>
             <a:round/>
-            <a:headEnd len="med" w="med" type="none"/>
-            <a:tailEnd len="med" w="med" type="none"/>
+            <a:headEnd type="none" w="med" len="med"/>
+            <a:tailEnd type="none" w="med" len="med"/>
           </a:ln>
         </p:spPr>
         <p:txBody>
-          <a:bodyPr anchorCtr="0" anchor="ctr" bIns="45700" lIns="91425" rIns="91425" tIns="45700">
+          <a:bodyPr lIns="91425" tIns="45700" rIns="91425" bIns="45700" anchor="ctr" anchorCtr="0">
             <a:noAutofit/>
           </a:bodyPr>
           <a:lstStyle/>
           <a:p>
-            <a:pPr indent="0" lvl="0" marL="0" marR="0" rtl="0" algn="ctr">
+            <a:pPr marL="0" marR="0" lvl="0" indent="0" algn="ctr" rtl="0">
               <a:spcBef>
                 <a:spcPts val="0"/>
               </a:spcBef>
               <a:buNone/>
             </a:pPr>
-            <a:r>
-              <a:t/>
-            </a:r>
-            <a:endParaRPr b="0" baseline="0" i="0" sz="6200" u="none" cap="none" strike="noStrike">
+            <a:endParaRPr sz="6200" b="0" i="0" u="none" strike="noStrike" cap="none" baseline="0">
               <a:solidFill>
                 <a:schemeClr val="dk1"/>
               </a:solidFill>
@@ -5212,40 +5259,37 @@
           </a:xfrm>
           <a:prstGeom prst="curvedUpArrow">
             <a:avLst>
-              <a:gd fmla="val 25000" name="adj1"/>
-              <a:gd fmla="val 50000" name="adj2"/>
-              <a:gd fmla="val 25000" name="adj3"/>
+              <a:gd name="adj1" fmla="val 25000"/>
+              <a:gd name="adj2" fmla="val 50000"/>
+              <a:gd name="adj3" fmla="val 25000"/>
             </a:avLst>
           </a:prstGeom>
           <a:solidFill>
             <a:schemeClr val="accent1"/>
           </a:solidFill>
-          <a:ln cap="flat" w="25400">
+          <a:ln w="25400" cap="flat">
             <a:solidFill>
               <a:srgbClr val="395E8A"/>
             </a:solidFill>
             <a:prstDash val="solid"/>
             <a:round/>
-            <a:headEnd len="med" w="med" type="none"/>
-            <a:tailEnd len="med" w="med" type="none"/>
+            <a:headEnd type="none" w="med" len="med"/>
+            <a:tailEnd type="none" w="med" len="med"/>
           </a:ln>
         </p:spPr>
         <p:txBody>
-          <a:bodyPr anchorCtr="0" anchor="ctr" bIns="45700" lIns="91425" rIns="91425" tIns="45700">
+          <a:bodyPr lIns="91425" tIns="45700" rIns="91425" bIns="45700" anchor="ctr" anchorCtr="0">
             <a:noAutofit/>
           </a:bodyPr>
           <a:lstStyle/>
           <a:p>
-            <a:pPr indent="0" lvl="0" marL="0" marR="0" rtl="0" algn="ctr">
+            <a:pPr marL="0" marR="0" lvl="0" indent="0" algn="ctr" rtl="0">
               <a:spcBef>
                 <a:spcPts val="0"/>
               </a:spcBef>
               <a:buNone/>
             </a:pPr>
-            <a:r>
-              <a:t/>
-            </a:r>
-            <a:endParaRPr b="0" baseline="0" i="0" sz="6200" u="none" cap="none" strike="noStrike">
+            <a:endParaRPr sz="6200" b="0" i="0" u="none" strike="noStrike" cap="none" baseline="0">
               <a:solidFill>
                 <a:schemeClr val="dk1"/>
               </a:solidFill>
@@ -5277,12 +5321,12 @@
           </a:ln>
         </p:spPr>
         <p:txBody>
-          <a:bodyPr anchorCtr="0" anchor="t" bIns="45700" lIns="91425" rIns="91425" tIns="45700">
+          <a:bodyPr lIns="91425" tIns="45700" rIns="91425" bIns="45700" anchor="t" anchorCtr="0">
             <a:noAutofit/>
           </a:bodyPr>
           <a:lstStyle/>
           <a:p>
-            <a:pPr indent="-457200" lvl="0" marL="457200" marR="0" rtl="0" algn="l">
+            <a:pPr marL="457200" marR="0" lvl="0" indent="-457200" algn="l" rtl="0">
               <a:spcBef>
                 <a:spcPts val="0"/>
               </a:spcBef>
@@ -5294,7 +5338,7 @@
               <a:buChar char="•"/>
             </a:pPr>
             <a:r>
-              <a:rPr b="0" baseline="0" i="0" lang="en-US" sz="2800" u="none" cap="none" strike="noStrike">
+              <a:rPr lang="en-US" sz="2800" b="0" i="0" u="none" strike="noStrike" cap="none" baseline="0">
                 <a:solidFill>
                   <a:schemeClr val="dk1"/>
                 </a:solidFill>
@@ -5307,7 +5351,7 @@
             </a:r>
           </a:p>
           <a:p>
-            <a:pPr indent="-457200" lvl="0" marL="457200" marR="0" rtl="0" algn="l">
+            <a:pPr marL="457200" marR="0" lvl="0" indent="-457200" algn="l" rtl="0">
               <a:spcBef>
                 <a:spcPts val="0"/>
               </a:spcBef>
@@ -5319,7 +5363,7 @@
               <a:buChar char="•"/>
             </a:pPr>
             <a:r>
-              <a:rPr b="0" baseline="0" i="0" lang="en-US" sz="2800" u="none" cap="none" strike="noStrike">
+              <a:rPr lang="en-US" sz="2800" b="0" i="0" u="none" strike="noStrike" cap="none" baseline="0">
                 <a:solidFill>
                   <a:schemeClr val="dk1"/>
                 </a:solidFill>
@@ -5332,7 +5376,7 @@
             </a:r>
           </a:p>
           <a:p>
-            <a:pPr indent="-457200" lvl="0" marL="457200" marR="0" rtl="0" algn="l">
+            <a:pPr marL="457200" marR="0" lvl="0" indent="-457200" algn="l" rtl="0">
               <a:spcBef>
                 <a:spcPts val="0"/>
               </a:spcBef>
@@ -5344,7 +5388,7 @@
               <a:buChar char="•"/>
             </a:pPr>
             <a:r>
-              <a:rPr b="0" baseline="0" i="0" lang="en-US" sz="2800" u="none" cap="none" strike="noStrike">
+              <a:rPr lang="en-US" sz="2800" b="0" i="0" u="none" strike="noStrike" cap="none" baseline="0">
                 <a:solidFill>
                   <a:schemeClr val="dk1"/>
                 </a:solidFill>
@@ -5357,7 +5401,7 @@
             </a:r>
           </a:p>
           <a:p>
-            <a:pPr indent="-279400" lvl="0" marL="457200" marR="0" rtl="0" algn="l">
+            <a:pPr marL="457200" marR="0" lvl="0" indent="-279400" algn="l" rtl="0">
               <a:spcBef>
                 <a:spcPts val="0"/>
               </a:spcBef>
@@ -5367,10 +5411,7 @@
               <a:buFont typeface="Arial"/>
               <a:buNone/>
             </a:pPr>
-            <a:r>
-              <a:t/>
-            </a:r>
-            <a:endParaRPr b="0" baseline="0" i="0" sz="2800" u="none" cap="none" strike="noStrike">
+            <a:endParaRPr sz="2800" b="0" i="0" u="none" strike="noStrike" cap="none" baseline="0">
               <a:solidFill>
                 <a:schemeClr val="dk1"/>
               </a:solidFill>
@@ -5381,7 +5422,7 @@
             </a:endParaRPr>
           </a:p>
           <a:p>
-            <a:pPr indent="-457200" lvl="0" marL="457200" marR="0" rtl="0" algn="l">
+            <a:pPr marL="457200" marR="0" lvl="0" indent="-457200" algn="l" rtl="0">
               <a:spcBef>
                 <a:spcPts val="0"/>
               </a:spcBef>
@@ -5393,7 +5434,7 @@
               <a:buChar char="•"/>
             </a:pPr>
             <a:r>
-              <a:rPr b="0" baseline="0" i="0" lang="en-US" sz="2800" u="none" cap="none" strike="noStrike">
+              <a:rPr lang="en-US" sz="2800" b="0" i="0" u="none" strike="noStrike" cap="none" baseline="0">
                 <a:solidFill>
                   <a:schemeClr val="dk1"/>
                 </a:solidFill>
@@ -5406,7 +5447,7 @@
             </a:r>
           </a:p>
           <a:p>
-            <a:pPr indent="-457200" lvl="0" marL="457200" marR="0" rtl="0" algn="l">
+            <a:pPr marL="457200" marR="0" lvl="0" indent="-457200" algn="l" rtl="0">
               <a:spcBef>
                 <a:spcPts val="0"/>
               </a:spcBef>
@@ -5418,7 +5459,7 @@
               <a:buChar char="•"/>
             </a:pPr>
             <a:r>
-              <a:rPr b="0" baseline="0" i="0" lang="en-US" sz="2800" u="none" cap="none" strike="noStrike">
+              <a:rPr lang="en-US" sz="2800" b="0" i="0" u="none" strike="noStrike" cap="none" baseline="0">
                 <a:solidFill>
                   <a:schemeClr val="dk1"/>
                 </a:solidFill>
@@ -5430,7 +5471,7 @@
               <a:t>Used lexical parsing to get PCFGs (G</a:t>
             </a:r>
             <a:r>
-              <a:rPr b="0" baseline="-25000" i="0" lang="en-US" sz="2800" u="none" cap="none" strike="noStrike">
+              <a:rPr lang="en-US" sz="2800" b="0" i="0" u="none" strike="noStrike" cap="none" baseline="-25000">
                 <a:solidFill>
                   <a:schemeClr val="dk1"/>
                 </a:solidFill>
@@ -5442,7 +5483,7 @@
               <a:t>succ</a:t>
             </a:r>
             <a:r>
-              <a:rPr b="0" baseline="0" i="0" lang="en-US" sz="2800" u="none" cap="none" strike="noStrike">
+              <a:rPr lang="en-US" sz="2800" b="0" i="0" u="none" strike="noStrike" cap="none" baseline="0">
                 <a:solidFill>
                   <a:schemeClr val="dk1"/>
                 </a:solidFill>
@@ -5454,7 +5495,7 @@
               <a:t>,G</a:t>
             </a:r>
             <a:r>
-              <a:rPr b="0" baseline="-25000" i="0" lang="en-US" sz="2800" u="none" cap="none" strike="noStrike">
+              <a:rPr lang="en-US" sz="2800" b="0" i="0" u="none" strike="noStrike" cap="none" baseline="-25000">
                 <a:solidFill>
                   <a:schemeClr val="dk1"/>
                 </a:solidFill>
@@ -5466,7 +5507,7 @@
               <a:t>nonsucc</a:t>
             </a:r>
             <a:r>
-              <a:rPr b="0" baseline="0" i="0" lang="en-US" sz="2800" u="none" cap="none" strike="noStrike">
+              <a:rPr lang="en-US" sz="2800" b="0" i="0" u="none" strike="noStrike" cap="none" baseline="0">
                 <a:solidFill>
                   <a:schemeClr val="dk1"/>
                 </a:solidFill>
@@ -5479,7 +5520,7 @@
             </a:r>
           </a:p>
           <a:p>
-            <a:pPr indent="-457200" lvl="0" marL="457200" marR="0" rtl="0" algn="l">
+            <a:pPr marL="457200" marR="0" lvl="0" indent="-457200" algn="l" rtl="0">
               <a:spcBef>
                 <a:spcPts val="0"/>
               </a:spcBef>
@@ -5491,7 +5532,7 @@
               <a:buChar char="•"/>
             </a:pPr>
             <a:r>
-              <a:rPr b="0" baseline="0" i="0" lang="en-US" sz="2800" u="none" cap="none" strike="noStrike">
+              <a:rPr lang="en-US" sz="2800" b="0" i="0" u="none" strike="noStrike" cap="none" baseline="0">
                 <a:solidFill>
                   <a:schemeClr val="dk1"/>
                 </a:solidFill>
@@ -5504,7 +5545,7 @@
             </a:r>
           </a:p>
           <a:p>
-            <a:pPr indent="-457200" lvl="0" marL="457200" marR="0" rtl="0" algn="l">
+            <a:pPr marL="457200" marR="0" lvl="0" indent="-457200" algn="l" rtl="0">
               <a:spcBef>
                 <a:spcPts val="0"/>
               </a:spcBef>
@@ -5516,7 +5557,7 @@
               <a:buChar char="•"/>
             </a:pPr>
             <a:r>
-              <a:rPr b="0" baseline="0" i="0" lang="en-US" sz="2800" u="none" cap="none" strike="noStrike">
+              <a:rPr lang="en-US" sz="2800" b="0" i="0" u="none" strike="noStrike" cap="none" baseline="0">
                 <a:solidFill>
                   <a:schemeClr val="dk1"/>
                 </a:solidFill>
@@ -5550,12 +5591,12 @@
           </a:ln>
         </p:spPr>
         <p:txBody>
-          <a:bodyPr anchorCtr="0" anchor="t" bIns="45700" lIns="91425" rIns="91425" tIns="45700">
+          <a:bodyPr lIns="91425" tIns="45700" rIns="91425" bIns="45700" anchor="t" anchorCtr="0">
             <a:noAutofit/>
           </a:bodyPr>
           <a:lstStyle/>
           <a:p>
-            <a:pPr indent="-457200" lvl="0" marL="457200" marR="0" rtl="0" algn="l">
+            <a:pPr marL="457200" marR="0" lvl="0" indent="-457200" algn="l" rtl="0">
               <a:spcBef>
                 <a:spcPts val="0"/>
               </a:spcBef>
@@ -5567,7 +5608,7 @@
               <a:buChar char="•"/>
             </a:pPr>
             <a:r>
-              <a:rPr b="0" baseline="0" i="0" lang="en-US" sz="2800" u="none" cap="none" strike="noStrike">
+              <a:rPr lang="en-US" sz="2800" b="0" i="0" u="none" strike="noStrike" cap="none" baseline="0">
                 <a:solidFill>
                   <a:schemeClr val="dk1"/>
                 </a:solidFill>
@@ -5580,7 +5621,7 @@
             </a:r>
           </a:p>
           <a:p>
-            <a:pPr indent="-457200" lvl="0" marL="457200" marR="0" rtl="0" algn="l">
+            <a:pPr marL="457200" marR="0" lvl="0" indent="-457200" algn="l" rtl="0">
               <a:spcBef>
                 <a:spcPts val="0"/>
               </a:spcBef>
@@ -5592,7 +5633,7 @@
               <a:buChar char="•"/>
             </a:pPr>
             <a:r>
-              <a:rPr b="0" baseline="0" i="0" lang="en-US" sz="2800" u="none" cap="none" strike="noStrike">
+              <a:rPr lang="en-US" sz="2800" b="0" i="0" u="none" strike="noStrike" cap="none" baseline="0">
                 <a:solidFill>
                   <a:schemeClr val="dk1"/>
                 </a:solidFill>
@@ -5605,7 +5646,7 @@
             </a:r>
           </a:p>
           <a:p>
-            <a:pPr indent="-457200" lvl="0" marL="457200" marR="0" rtl="0" algn="l">
+            <a:pPr marL="457200" marR="0" lvl="0" indent="-457200" algn="l" rtl="0">
               <a:spcBef>
                 <a:spcPts val="0"/>
               </a:spcBef>
@@ -5617,7 +5658,7 @@
               <a:buChar char="•"/>
             </a:pPr>
             <a:r>
-              <a:rPr b="0" baseline="0" i="0" lang="en-US" sz="2800" u="none" cap="none" strike="noStrike">
+              <a:rPr lang="en-US" sz="2800" b="0" i="0" u="none" strike="noStrike" cap="none" baseline="0">
                 <a:solidFill>
                   <a:schemeClr val="dk1"/>
                 </a:solidFill>
@@ -5651,12 +5692,12 @@
           </a:ln>
         </p:spPr>
         <p:txBody>
-          <a:bodyPr anchorCtr="0" anchor="t" bIns="45700" lIns="91425" rIns="91425" tIns="45700">
+          <a:bodyPr lIns="91425" tIns="45700" rIns="91425" bIns="45700" anchor="t" anchorCtr="0">
             <a:noAutofit/>
           </a:bodyPr>
           <a:lstStyle/>
           <a:p>
-            <a:pPr indent="0" lvl="0" marL="0" marR="0" rtl="0" algn="l">
+            <a:pPr marL="0" marR="0" lvl="0" indent="0" algn="l" rtl="0">
               <a:spcBef>
                 <a:spcPts val="0"/>
               </a:spcBef>
@@ -5664,7 +5705,7 @@
               <a:buNone/>
             </a:pPr>
             <a:r>
-              <a:rPr b="0" baseline="0" i="0" lang="en-US" sz="2800" u="none" cap="none" strike="noStrike">
+              <a:rPr lang="en-US" sz="2800" b="0" i="0" u="none" strike="noStrike" cap="none" baseline="0">
                 <a:solidFill>
                   <a:schemeClr val="dk1"/>
                 </a:solidFill>
@@ -5677,7 +5718,7 @@
             </a:r>
           </a:p>
           <a:p>
-            <a:pPr indent="0" lvl="0" marL="0" marR="0" rtl="0" algn="l">
+            <a:pPr marL="0" marR="0" lvl="0" indent="0" algn="l" rtl="0">
               <a:spcBef>
                 <a:spcPts val="0"/>
               </a:spcBef>
@@ -5685,7 +5726,7 @@
               <a:buNone/>
             </a:pPr>
             <a:r>
-              <a:rPr b="0" baseline="0" i="0" lang="en-US" sz="2800" u="none" cap="none" strike="noStrike">
+              <a:rPr lang="en-US" sz="2800" b="0" i="0" u="none" strike="noStrike" cap="none" baseline="0">
                 <a:solidFill>
                   <a:schemeClr val="dk1"/>
                 </a:solidFill>
@@ -5698,7 +5739,7 @@
             </a:r>
           </a:p>
           <a:p>
-            <a:pPr indent="-457200" lvl="0" marL="457200" marR="0" rtl="0" algn="l">
+            <a:pPr marL="457200" marR="0" lvl="0" indent="-457200" algn="l" rtl="0">
               <a:spcBef>
                 <a:spcPts val="0"/>
               </a:spcBef>
@@ -5718,7 +5759,7 @@
               <a:t>T</a:t>
             </a:r>
             <a:r>
-              <a:rPr b="0" baseline="0" i="0" lang="en-US" sz="2800" u="none" cap="none" strike="noStrike">
+              <a:rPr lang="en-US" sz="2800" b="0" i="0" u="none" strike="noStrike" cap="none" baseline="0">
                 <a:solidFill>
                   <a:schemeClr val="dk1"/>
                 </a:solidFill>
@@ -5731,7 +5772,7 @@
             </a:r>
           </a:p>
           <a:p>
-            <a:pPr indent="-457200" lvl="0" marL="457200" marR="0" rtl="0" algn="l">
+            <a:pPr marL="457200" marR="0" lvl="0" indent="-457200" algn="l" rtl="0">
               <a:spcBef>
                 <a:spcPts val="0"/>
               </a:spcBef>
@@ -5743,7 +5784,7 @@
               <a:buChar char="•"/>
             </a:pPr>
             <a:r>
-              <a:rPr b="0" baseline="0" i="0" lang="en-US" sz="2800" u="none" cap="none" strike="noStrike">
+              <a:rPr lang="en-US" sz="2800" b="0" i="0" u="none" strike="noStrike" cap="none" baseline="0">
                 <a:solidFill>
                   <a:schemeClr val="dk1"/>
                 </a:solidFill>
@@ -5756,7 +5797,7 @@
             </a:r>
           </a:p>
           <a:p>
-            <a:pPr indent="-457200" lvl="0" marL="457200" marR="0" rtl="0" algn="l">
+            <a:pPr marL="457200" marR="0" lvl="0" indent="-457200" algn="l" rtl="0">
               <a:spcBef>
                 <a:spcPts val="0"/>
               </a:spcBef>
@@ -5776,7 +5817,7 @@
               <a:t>Ease of r</a:t>
             </a:r>
             <a:r>
-              <a:rPr b="0" baseline="0" i="0" lang="en-US" sz="2800" u="none" cap="none" strike="noStrike">
+              <a:rPr lang="en-US" sz="2800" b="0" i="0" u="none" strike="noStrike" cap="none" baseline="0">
                 <a:solidFill>
                   <a:schemeClr val="dk1"/>
                 </a:solidFill>
@@ -5789,7 +5830,7 @@
             </a:r>
           </a:p>
           <a:p>
-            <a:pPr indent="-457200" lvl="0" marL="457200" marR="0" rtl="0" algn="l">
+            <a:pPr marL="457200" marR="0" lvl="0" indent="-457200" algn="l" rtl="0">
               <a:spcBef>
                 <a:spcPts val="0"/>
               </a:spcBef>
@@ -5810,7 +5851,7 @@
             </a:r>
           </a:p>
           <a:p>
-            <a:pPr indent="-457200" lvl="0" marL="457200" marR="0" rtl="0" algn="l">
+            <a:pPr marL="457200" marR="0" lvl="0" indent="-457200" algn="l" rtl="0">
               <a:spcBef>
                 <a:spcPts val="0"/>
               </a:spcBef>
@@ -5852,12 +5893,12 @@
           </a:ln>
         </p:spPr>
         <p:txBody>
-          <a:bodyPr anchorCtr="0" anchor="t" bIns="45700" lIns="91425" rIns="91425" tIns="45700">
+          <a:bodyPr lIns="91425" tIns="45700" rIns="91425" bIns="45700" anchor="t" anchorCtr="0">
             <a:noAutofit/>
           </a:bodyPr>
           <a:lstStyle/>
           <a:p>
-            <a:pPr indent="-457200" lvl="0" marL="457200" marR="0" rtl="0" algn="l">
+            <a:pPr marL="457200" marR="0" lvl="0" indent="-457200" algn="l" rtl="0">
               <a:spcBef>
                 <a:spcPts val="0"/>
               </a:spcBef>
@@ -5869,7 +5910,7 @@
               <a:buChar char="•"/>
             </a:pPr>
             <a:r>
-              <a:rPr b="0" baseline="0" i="0" lang="en-US" sz="2800" u="none" cap="none" strike="noStrike">
+              <a:rPr lang="en-US" sz="2800" b="0" i="0" u="none" strike="noStrike" cap="none" baseline="0">
                 <a:solidFill>
                   <a:schemeClr val="dk1"/>
                 </a:solidFill>
@@ -5882,7 +5923,7 @@
             </a:r>
           </a:p>
           <a:p>
-            <a:pPr indent="-457200" lvl="0" marL="457200" marR="0" rtl="0" algn="l">
+            <a:pPr marL="457200" marR="0" lvl="0" indent="-457200" algn="l" rtl="0">
               <a:spcBef>
                 <a:spcPts val="0"/>
               </a:spcBef>
@@ -5894,7 +5935,7 @@
               <a:buChar char="•"/>
             </a:pPr>
             <a:r>
-              <a:rPr b="0" baseline="0" i="0" lang="en-US" sz="2800" u="none" cap="none" strike="noStrike">
+              <a:rPr lang="en-US" sz="2800" b="0" i="0" u="none" strike="noStrike" cap="none" baseline="0">
                 <a:solidFill>
                   <a:schemeClr val="dk1"/>
                 </a:solidFill>
@@ -5907,7 +5948,7 @@
             </a:r>
           </a:p>
           <a:p>
-            <a:pPr indent="-457200" lvl="0" marL="457200" marR="0" rtl="0" algn="l">
+            <a:pPr marL="457200" marR="0" lvl="0" indent="-457200" algn="l" rtl="0">
               <a:spcBef>
                 <a:spcPts val="0"/>
               </a:spcBef>
@@ -5919,7 +5960,7 @@
               <a:buChar char="•"/>
             </a:pPr>
             <a:r>
-              <a:rPr b="0" baseline="0" i="0" lang="en-US" sz="2800" u="none" cap="none" strike="noStrike">
+              <a:rPr lang="en-US" sz="2800" b="0" i="0" u="none" strike="noStrike" cap="none" baseline="0">
                 <a:solidFill>
                   <a:schemeClr val="dk1"/>
                 </a:solidFill>
@@ -5932,16 +5973,13 @@
             </a:r>
           </a:p>
           <a:p>
-            <a:pPr indent="0" lvl="0" marL="0" marR="0" rtl="0" algn="l">
+            <a:pPr marL="0" marR="0" lvl="0" indent="0" algn="l" rtl="0">
               <a:spcBef>
                 <a:spcPts val="0"/>
               </a:spcBef>
               <a:buNone/>
             </a:pPr>
-            <a:r>
-              <a:t/>
-            </a:r>
-            <a:endParaRPr b="0" baseline="0" i="0" sz="2800" u="none" cap="none" strike="noStrike">
+            <a:endParaRPr sz="2800" b="0" i="0" u="none" strike="noStrike" cap="none" baseline="0">
               <a:solidFill>
                 <a:schemeClr val="dk1"/>
               </a:solidFill>
@@ -5952,7 +5990,7 @@
             </a:endParaRPr>
           </a:p>
           <a:p>
-            <a:pPr indent="-457200" lvl="0" marL="457200" marR="0" rtl="0" algn="l">
+            <a:pPr marL="457200" marR="0" lvl="0" indent="-457200" algn="l" rtl="0">
               <a:spcBef>
                 <a:spcPts val="0"/>
               </a:spcBef>
@@ -5964,7 +6002,7 @@
               <a:buChar char="•"/>
             </a:pPr>
             <a:r>
-              <a:rPr b="0" baseline="0" i="0" lang="en-US" sz="2800" u="none" cap="none" strike="noStrike">
+              <a:rPr lang="en-US" sz="2800" b="0" i="0" u="none" strike="noStrike" cap="none" baseline="0">
                 <a:solidFill>
                   <a:schemeClr val="dk1"/>
                 </a:solidFill>
@@ -5977,7 +6015,7 @@
             </a:r>
           </a:p>
           <a:p>
-            <a:pPr indent="0" lvl="0" marL="0" marR="0" rtl="0" algn="l">
+            <a:pPr marL="0" marR="0" lvl="0" indent="0" algn="l" rtl="0">
               <a:spcBef>
                 <a:spcPts val="0"/>
               </a:spcBef>
@@ -5985,7 +6023,7 @@
               <a:buNone/>
             </a:pPr>
             <a:r>
-              <a:rPr b="0" baseline="0" i="0" lang="en-US" sz="2800" u="none" cap="none" strike="noStrike">
+              <a:rPr lang="en-US" sz="2800" b="0" i="0" u="none" strike="noStrike" cap="none" baseline="0">
                 <a:solidFill>
                   <a:schemeClr val="dk1"/>
                 </a:solidFill>
@@ -6019,12 +6057,12 @@
           </a:ln>
         </p:spPr>
         <p:txBody>
-          <a:bodyPr anchorCtr="0" anchor="t" bIns="45700" lIns="91425" rIns="91425" tIns="45700">
+          <a:bodyPr lIns="91425" tIns="45700" rIns="91425" bIns="45700" anchor="t" anchorCtr="0">
             <a:noAutofit/>
           </a:bodyPr>
           <a:lstStyle/>
           <a:p>
-            <a:pPr indent="-457200" lvl="0" marL="457200" marR="0" rtl="0" algn="l">
+            <a:pPr marL="457200" marR="0" lvl="0" indent="-457200" algn="l" rtl="0">
               <a:spcBef>
                 <a:spcPts val="0"/>
               </a:spcBef>
@@ -6036,7 +6074,7 @@
               <a:buChar char="•"/>
             </a:pPr>
             <a:r>
-              <a:rPr b="0" baseline="0" i="0" lang="en-US" sz="2800" u="none" cap="none" strike="noStrike">
+              <a:rPr lang="en-US" sz="2800" b="0" i="0" u="none" strike="noStrike" cap="none" baseline="0">
                 <a:solidFill>
                   <a:schemeClr val="dk1"/>
                 </a:solidFill>
@@ -6049,7 +6087,7 @@
             </a:r>
           </a:p>
           <a:p>
-            <a:pPr indent="-457200" lvl="0" marL="457200" marR="0" rtl="0" algn="l">
+            <a:pPr marL="457200" marR="0" lvl="0" indent="-457200" algn="l" rtl="0">
               <a:spcBef>
                 <a:spcPts val="0"/>
               </a:spcBef>
@@ -6061,7 +6099,7 @@
               <a:buChar char="•"/>
             </a:pPr>
             <a:r>
-              <a:rPr b="0" baseline="0" i="0" lang="en-US" sz="2800" u="none" cap="none" strike="noStrike">
+              <a:rPr lang="en-US" sz="2800" b="0" i="0" u="none" strike="noStrike" cap="none" baseline="0">
                 <a:solidFill>
                   <a:schemeClr val="dk1"/>
                 </a:solidFill>
@@ -6074,7 +6112,7 @@
             </a:r>
           </a:p>
           <a:p>
-            <a:pPr indent="-457200" lvl="0" marL="457200" marR="0" rtl="0" algn="l">
+            <a:pPr marL="457200" marR="0" lvl="0" indent="-457200" algn="l" rtl="0">
               <a:spcBef>
                 <a:spcPts val="0"/>
               </a:spcBef>
@@ -6086,7 +6124,7 @@
               <a:buChar char="•"/>
             </a:pPr>
             <a:r>
-              <a:rPr b="0" baseline="0" i="0" lang="en-US" sz="2800" u="none" cap="none" strike="noStrike">
+              <a:rPr lang="en-US" sz="2800" b="0" i="0" u="none" strike="noStrike" cap="none" baseline="0">
                 <a:solidFill>
                   <a:schemeClr val="dk1"/>
                 </a:solidFill>
@@ -6099,7 +6137,7 @@
             </a:r>
           </a:p>
           <a:p>
-            <a:pPr indent="-457200" lvl="0" marL="457200" marR="0" rtl="0" algn="l">
+            <a:pPr marL="457200" marR="0" lvl="0" indent="-457200" algn="l" rtl="0">
               <a:spcBef>
                 <a:spcPts val="0"/>
               </a:spcBef>
@@ -6111,7 +6149,7 @@
               <a:buChar char="•"/>
             </a:pPr>
             <a:r>
-              <a:rPr b="0" baseline="0" i="0" lang="en-US" sz="2800" u="none" cap="none" strike="noStrike">
+              <a:rPr lang="en-US" sz="2800" b="0" i="0" u="none" strike="noStrike" cap="none" baseline="0">
                 <a:solidFill>
                   <a:schemeClr val="dk1"/>
                 </a:solidFill>
@@ -6135,7 +6173,7 @@
           <a:blip r:embed="rId10">
             <a:alphaModFix/>
           </a:blip>
-          <a:srcRect b="0" l="0" r="0" t="0"/>
+          <a:srcRect/>
           <a:stretch/>
         </p:blipFill>
         <p:spPr>
@@ -6162,7 +6200,7 @@
           <a:blip r:embed="rId11">
             <a:alphaModFix/>
           </a:blip>
-          <a:srcRect b="0" l="0" r="0" t="0"/>
+          <a:srcRect/>
           <a:stretch/>
         </p:blipFill>
         <p:spPr>
@@ -6189,7 +6227,7 @@
           <a:blip r:embed="rId12">
             <a:alphaModFix/>
           </a:blip>
-          <a:srcRect b="0" l="0" r="0" t="0"/>
+          <a:srcRect/>
           <a:stretch/>
         </p:blipFill>
         <p:spPr>
@@ -6216,7 +6254,7 @@
           <a:blip r:embed="rId13">
             <a:alphaModFix/>
           </a:blip>
-          <a:srcRect b="0" l="0" r="0" t="0"/>
+          <a:srcRect/>
           <a:stretch/>
         </p:blipFill>
         <p:spPr>
@@ -6253,12 +6291,12 @@
           </a:ln>
         </p:spPr>
         <p:txBody>
-          <a:bodyPr anchorCtr="0" anchor="t" bIns="45700" lIns="91425" rIns="91425" tIns="45700">
+          <a:bodyPr lIns="91425" tIns="45700" rIns="91425" bIns="45700" anchor="t" anchorCtr="0">
             <a:noAutofit/>
           </a:bodyPr>
           <a:lstStyle/>
           <a:p>
-            <a:pPr indent="0" lvl="0" marL="0" marR="0" rtl="0" algn="l">
+            <a:pPr marL="0" marR="0" lvl="0" indent="0" algn="l" rtl="0">
               <a:spcBef>
                 <a:spcPts val="0"/>
               </a:spcBef>
@@ -6266,7 +6304,7 @@
               <a:buNone/>
             </a:pPr>
             <a:r>
-              <a:rPr b="1" baseline="0" i="0" lang="en-US" sz="2800" u="none" cap="none" strike="noStrike">
+              <a:rPr lang="en-US" sz="2800" b="1" i="0" u="none" strike="noStrike" cap="none" baseline="0">
                 <a:solidFill>
                   <a:schemeClr val="dk1"/>
                 </a:solidFill>
@@ -6300,12 +6338,12 @@
           </a:ln>
         </p:spPr>
         <p:txBody>
-          <a:bodyPr anchorCtr="0" anchor="t" bIns="45700" lIns="91425" rIns="91425" tIns="45700">
+          <a:bodyPr lIns="91425" tIns="45700" rIns="91425" bIns="45700" anchor="t" anchorCtr="0">
             <a:noAutofit/>
           </a:bodyPr>
           <a:lstStyle/>
           <a:p>
-            <a:pPr indent="0" lvl="0" marL="0" marR="0" rtl="0" algn="l">
+            <a:pPr marL="0" marR="0" lvl="0" indent="0" algn="l" rtl="0">
               <a:spcBef>
                 <a:spcPts val="0"/>
               </a:spcBef>
@@ -6313,7 +6351,7 @@
               <a:buNone/>
             </a:pPr>
             <a:r>
-              <a:rPr b="1" baseline="0" i="0" lang="en-US" sz="2800" u="none" cap="none" strike="noStrike">
+              <a:rPr lang="en-US" sz="2800" b="1" i="0" u="none" strike="noStrike" cap="none" baseline="0">
                 <a:solidFill>
                   <a:schemeClr val="dk1"/>
                 </a:solidFill>
@@ -6347,12 +6385,12 @@
           </a:ln>
         </p:spPr>
         <p:txBody>
-          <a:bodyPr anchorCtr="0" anchor="t" bIns="45700" lIns="91425" rIns="91425" tIns="45700">
+          <a:bodyPr lIns="91425" tIns="45700" rIns="91425" bIns="45700" anchor="t" anchorCtr="0">
             <a:noAutofit/>
           </a:bodyPr>
           <a:lstStyle/>
           <a:p>
-            <a:pPr indent="0" lvl="0" marL="0" marR="0" rtl="0" algn="l">
+            <a:pPr marL="0" marR="0" lvl="0" indent="0" algn="l" rtl="0">
               <a:spcBef>
                 <a:spcPts val="0"/>
               </a:spcBef>
@@ -6360,7 +6398,7 @@
               <a:buNone/>
             </a:pPr>
             <a:r>
-              <a:rPr b="1" baseline="0" i="0" lang="en-US" sz="2800" u="none" cap="none" strike="noStrike">
+              <a:rPr lang="en-US" sz="2800" b="1" i="0" u="none" strike="noStrike" cap="none" baseline="0">
                 <a:solidFill>
                   <a:schemeClr val="dk1"/>
                 </a:solidFill>
@@ -6394,12 +6432,12 @@
           </a:ln>
         </p:spPr>
         <p:txBody>
-          <a:bodyPr anchorCtr="0" anchor="t" bIns="45700" lIns="91425" rIns="91425" tIns="45700">
+          <a:bodyPr lIns="91425" tIns="45700" rIns="91425" bIns="45700" anchor="t" anchorCtr="0">
             <a:noAutofit/>
           </a:bodyPr>
           <a:lstStyle/>
           <a:p>
-            <a:pPr indent="0" lvl="0" marL="0" marR="0" rtl="0" algn="l">
+            <a:pPr marL="0" marR="0" lvl="0" indent="0" algn="l" rtl="0">
               <a:spcBef>
                 <a:spcPts val="0"/>
               </a:spcBef>
@@ -6407,7 +6445,7 @@
               <a:buNone/>
             </a:pPr>
             <a:r>
-              <a:rPr b="1" baseline="0" i="0" lang="en-US" sz="2800" u="none" cap="none" strike="noStrike">
+              <a:rPr lang="en-US" sz="2800" b="1" i="0" u="none" strike="noStrike" cap="none" baseline="0">
                 <a:solidFill>
                   <a:schemeClr val="dk1"/>
                 </a:solidFill>
@@ -6441,12 +6479,12 @@
           </a:ln>
         </p:spPr>
         <p:txBody>
-          <a:bodyPr anchorCtr="0" anchor="t" bIns="45700" lIns="91425" rIns="91425" tIns="45700">
+          <a:bodyPr lIns="91425" tIns="45700" rIns="91425" bIns="45700" anchor="t" anchorCtr="0">
             <a:noAutofit/>
           </a:bodyPr>
           <a:lstStyle/>
           <a:p>
-            <a:pPr indent="0" lvl="0" marL="0" marR="0" rtl="0" algn="ctr">
+            <a:pPr marL="0" marR="0" lvl="0" indent="0" algn="ctr" rtl="0">
               <a:spcBef>
                 <a:spcPts val="0"/>
               </a:spcBef>
@@ -6454,7 +6492,7 @@
               <a:buNone/>
             </a:pPr>
             <a:r>
-              <a:rPr b="0" baseline="0" i="1" lang="en-US" sz="2800" u="none" cap="none" strike="noStrike">
+              <a:rPr lang="en-US" sz="2800" b="0" i="1" u="none" strike="noStrike" cap="none" baseline="0">
                 <a:solidFill>
                   <a:schemeClr val="dk1"/>
                 </a:solidFill>
@@ -6480,7 +6518,286 @@
 </file>
 
 <file path=ppt/theme/theme1.xml><?xml version="1.0" encoding="utf-8"?>
-<a:theme xmlns:a="http://schemas.openxmlformats.org/drawingml/2006/main" xmlns:r="http://schemas.openxmlformats.org/officeDocument/2006/relationships" name="Custom Theme">
+<a:theme xmlns:a="http://schemas.openxmlformats.org/drawingml/2006/main" name="Office Theme">
+  <a:themeElements>
+    <a:clrScheme name="Office">
+      <a:dk1>
+        <a:srgbClr val="000000"/>
+      </a:dk1>
+      <a:lt1>
+        <a:srgbClr val="FFFFFF"/>
+      </a:lt1>
+      <a:dk2>
+        <a:srgbClr val="1F497D"/>
+      </a:dk2>
+      <a:lt2>
+        <a:srgbClr val="EEECE1"/>
+      </a:lt2>
+      <a:accent1>
+        <a:srgbClr val="4F81BD"/>
+      </a:accent1>
+      <a:accent2>
+        <a:srgbClr val="C0504D"/>
+      </a:accent2>
+      <a:accent3>
+        <a:srgbClr val="9BBB59"/>
+      </a:accent3>
+      <a:accent4>
+        <a:srgbClr val="8064A2"/>
+      </a:accent4>
+      <a:accent5>
+        <a:srgbClr val="4BACC6"/>
+      </a:accent5>
+      <a:accent6>
+        <a:srgbClr val="F79646"/>
+      </a:accent6>
+      <a:hlink>
+        <a:srgbClr val="0000FF"/>
+      </a:hlink>
+      <a:folHlink>
+        <a:srgbClr val="800080"/>
+      </a:folHlink>
+    </a:clrScheme>
+    <a:fontScheme name="Office">
+      <a:majorFont>
+        <a:latin typeface="Arial"/>
+        <a:ea typeface=""/>
+        <a:cs typeface=""/>
+        <a:font script="Jpan" typeface="ＭＳ Ｐゴシック"/>
+        <a:font script="Hang" typeface="맑은 고딕"/>
+        <a:font script="Hans" typeface="宋体"/>
+        <a:font script="Hant" typeface="新細明體"/>
+        <a:font script="Arab" typeface="Times New Roman"/>
+        <a:font script="Hebr" typeface="Times New Roman"/>
+        <a:font script="Thai" typeface="Angsana New"/>
+        <a:font script="Ethi" typeface="Nyala"/>
+        <a:font script="Beng" typeface="Vrinda"/>
+        <a:font script="Gujr" typeface="Shruti"/>
+        <a:font script="Khmr" typeface="MoolBoran"/>
+        <a:font script="Knda" typeface="Tunga"/>
+        <a:font script="Guru" typeface="Raavi"/>
+        <a:font script="Cans" typeface="Euphemia"/>
+        <a:font script="Cher" typeface="Plantagenet Cherokee"/>
+        <a:font script="Yiii" typeface="Microsoft Yi Baiti"/>
+        <a:font script="Tibt" typeface="Microsoft Himalaya"/>
+        <a:font script="Thaa" typeface="MV Boli"/>
+        <a:font script="Deva" typeface="Mangal"/>
+        <a:font script="Telu" typeface="Gautami"/>
+        <a:font script="Taml" typeface="Latha"/>
+        <a:font script="Syrc" typeface="Estrangelo Edessa"/>
+        <a:font script="Orya" typeface="Kalinga"/>
+        <a:font script="Mlym" typeface="Kartika"/>
+        <a:font script="Laoo" typeface="DokChampa"/>
+        <a:font script="Sinh" typeface="Iskoola Pota"/>
+        <a:font script="Mong" typeface="Mongolian Baiti"/>
+        <a:font script="Viet" typeface="Times New Roman"/>
+        <a:font script="Uigh" typeface="Microsoft Uighur"/>
+      </a:majorFont>
+      <a:minorFont>
+        <a:latin typeface="Arial"/>
+        <a:ea typeface=""/>
+        <a:cs typeface=""/>
+        <a:font script="Jpan" typeface="ＭＳ Ｐゴシック"/>
+        <a:font script="Hang" typeface="맑은 고딕"/>
+        <a:font script="Hans" typeface="宋体"/>
+        <a:font script="Hant" typeface="新細明體"/>
+        <a:font script="Arab" typeface="Times New Roman"/>
+        <a:font script="Hebr" typeface="Times New Roman"/>
+        <a:font script="Thai" typeface="Angsana New"/>
+        <a:font script="Ethi" typeface="Nyala"/>
+        <a:font script="Beng" typeface="Vrinda"/>
+        <a:font script="Gujr" typeface="Shruti"/>
+        <a:font script="Khmr" typeface="MoolBoran"/>
+        <a:font script="Knda" typeface="Tunga"/>
+        <a:font script="Guru" typeface="Raavi"/>
+        <a:font script="Cans" typeface="Euphemia"/>
+        <a:font script="Cher" typeface="Plantagenet Cherokee"/>
+        <a:font script="Yiii" typeface="Microsoft Yi Baiti"/>
+        <a:font script="Tibt" typeface="Microsoft Himalaya"/>
+        <a:font script="Thaa" typeface="MV Boli"/>
+        <a:font script="Deva" typeface="Mangal"/>
+        <a:font script="Telu" typeface="Gautami"/>
+        <a:font script="Taml" typeface="Latha"/>
+        <a:font script="Syrc" typeface="Estrangelo Edessa"/>
+        <a:font script="Orya" typeface="Kalinga"/>
+        <a:font script="Mlym" typeface="Kartika"/>
+        <a:font script="Laoo" typeface="DokChampa"/>
+        <a:font script="Sinh" typeface="Iskoola Pota"/>
+        <a:font script="Mong" typeface="Mongolian Baiti"/>
+        <a:font script="Viet" typeface="Times New Roman"/>
+        <a:font script="Uigh" typeface="Microsoft Uighur"/>
+      </a:minorFont>
+    </a:fontScheme>
+    <a:fmtScheme name="Office">
+      <a:fillStyleLst>
+        <a:solidFill>
+          <a:schemeClr val="phClr"/>
+        </a:solidFill>
+        <a:gradFill rotWithShape="1">
+          <a:gsLst>
+            <a:gs pos="0">
+              <a:schemeClr val="phClr">
+                <a:tint val="50000"/>
+                <a:satMod val="300000"/>
+              </a:schemeClr>
+            </a:gs>
+            <a:gs pos="35000">
+              <a:schemeClr val="phClr">
+                <a:tint val="37000"/>
+                <a:satMod val="300000"/>
+              </a:schemeClr>
+            </a:gs>
+            <a:gs pos="100000">
+              <a:schemeClr val="phClr">
+                <a:tint val="15000"/>
+                <a:satMod val="350000"/>
+              </a:schemeClr>
+            </a:gs>
+          </a:gsLst>
+          <a:lin ang="16200000" scaled="1"/>
+        </a:gradFill>
+        <a:gradFill rotWithShape="1">
+          <a:gsLst>
+            <a:gs pos="0">
+              <a:schemeClr val="phClr">
+                <a:tint val="100000"/>
+                <a:shade val="100000"/>
+                <a:satMod val="130000"/>
+              </a:schemeClr>
+            </a:gs>
+            <a:gs pos="100000">
+              <a:schemeClr val="phClr">
+                <a:tint val="50000"/>
+                <a:shade val="100000"/>
+                <a:satMod val="350000"/>
+              </a:schemeClr>
+            </a:gs>
+          </a:gsLst>
+          <a:lin ang="16200000" scaled="0"/>
+        </a:gradFill>
+      </a:fillStyleLst>
+      <a:lnStyleLst>
+        <a:ln w="9525" cap="flat" cmpd="sng" algn="ctr">
+          <a:solidFill>
+            <a:schemeClr val="phClr">
+              <a:shade val="95000"/>
+              <a:satMod val="105000"/>
+            </a:schemeClr>
+          </a:solidFill>
+          <a:prstDash val="solid"/>
+        </a:ln>
+        <a:ln w="25400" cap="flat" cmpd="sng" algn="ctr">
+          <a:solidFill>
+            <a:schemeClr val="phClr"/>
+          </a:solidFill>
+          <a:prstDash val="solid"/>
+        </a:ln>
+        <a:ln w="38100" cap="flat" cmpd="sng" algn="ctr">
+          <a:solidFill>
+            <a:schemeClr val="phClr"/>
+          </a:solidFill>
+          <a:prstDash val="solid"/>
+        </a:ln>
+      </a:lnStyleLst>
+      <a:effectStyleLst>
+        <a:effectStyle>
+          <a:effectLst>
+            <a:outerShdw blurRad="40000" dist="20000" dir="5400000" rotWithShape="0">
+              <a:srgbClr val="000000">
+                <a:alpha val="38000"/>
+              </a:srgbClr>
+            </a:outerShdw>
+          </a:effectLst>
+        </a:effectStyle>
+        <a:effectStyle>
+          <a:effectLst>
+            <a:outerShdw blurRad="40000" dist="23000" dir="5400000" rotWithShape="0">
+              <a:srgbClr val="000000">
+                <a:alpha val="35000"/>
+              </a:srgbClr>
+            </a:outerShdw>
+          </a:effectLst>
+        </a:effectStyle>
+        <a:effectStyle>
+          <a:effectLst>
+            <a:outerShdw blurRad="40000" dist="23000" dir="5400000" rotWithShape="0">
+              <a:srgbClr val="000000">
+                <a:alpha val="35000"/>
+              </a:srgbClr>
+            </a:outerShdw>
+          </a:effectLst>
+          <a:scene3d>
+            <a:camera prst="orthographicFront">
+              <a:rot lat="0" lon="0" rev="0"/>
+            </a:camera>
+            <a:lightRig rig="threePt" dir="t">
+              <a:rot lat="0" lon="0" rev="1200000"/>
+            </a:lightRig>
+          </a:scene3d>
+          <a:sp3d>
+            <a:bevelT w="63500" h="25400"/>
+          </a:sp3d>
+        </a:effectStyle>
+      </a:effectStyleLst>
+      <a:bgFillStyleLst>
+        <a:solidFill>
+          <a:schemeClr val="phClr"/>
+        </a:solidFill>
+        <a:gradFill rotWithShape="1">
+          <a:gsLst>
+            <a:gs pos="0">
+              <a:schemeClr val="phClr">
+                <a:tint val="40000"/>
+                <a:satMod val="350000"/>
+              </a:schemeClr>
+            </a:gs>
+            <a:gs pos="40000">
+              <a:schemeClr val="phClr">
+                <a:tint val="45000"/>
+                <a:shade val="99000"/>
+                <a:satMod val="350000"/>
+              </a:schemeClr>
+            </a:gs>
+            <a:gs pos="100000">
+              <a:schemeClr val="phClr">
+                <a:shade val="20000"/>
+                <a:satMod val="255000"/>
+              </a:schemeClr>
+            </a:gs>
+          </a:gsLst>
+          <a:path path="circle">
+            <a:fillToRect l="50000" t="-80000" r="50000" b="180000"/>
+          </a:path>
+        </a:gradFill>
+        <a:gradFill rotWithShape="1">
+          <a:gsLst>
+            <a:gs pos="0">
+              <a:schemeClr val="phClr">
+                <a:tint val="80000"/>
+                <a:satMod val="300000"/>
+              </a:schemeClr>
+            </a:gs>
+            <a:gs pos="100000">
+              <a:schemeClr val="phClr">
+                <a:shade val="30000"/>
+                <a:satMod val="200000"/>
+              </a:schemeClr>
+            </a:gs>
+          </a:gsLst>
+          <a:path path="circle">
+            <a:fillToRect l="50000" t="50000" r="50000" b="50000"/>
+          </a:path>
+        </a:gradFill>
+      </a:bgFillStyleLst>
+    </a:fmtScheme>
+  </a:themeElements>
+  <a:objectDefaults/>
+  <a:extraClrSchemeLst/>
+</a:theme>
+</file>
+
+<file path=ppt/theme/theme2.xml><?xml version="1.0" encoding="utf-8"?>
+<a:theme xmlns:a="http://schemas.openxmlformats.org/drawingml/2006/main" name="Custom Theme">
   <a:themeElements>
     <a:clrScheme name="Default">
       <a:dk1>
@@ -6639,7 +6956,7 @@
         </a:gradFill>
       </a:fillStyleLst>
       <a:lnStyleLst>
-        <a:ln cap="flat" cmpd="sng" w="9525" algn="ctr">
+        <a:ln w="9525" cap="flat" cmpd="sng" algn="ctr">
           <a:solidFill>
             <a:schemeClr val="phClr">
               <a:shade val="95000"/>
@@ -6648,13 +6965,13 @@
           </a:solidFill>
           <a:prstDash val="solid"/>
         </a:ln>
-        <a:ln cap="flat" cmpd="sng" w="25400" algn="ctr">
+        <a:ln w="25400" cap="flat" cmpd="sng" algn="ctr">
           <a:solidFill>
             <a:schemeClr val="phClr"/>
           </a:solidFill>
           <a:prstDash val="solid"/>
         </a:ln>
-        <a:ln cap="flat" cmpd="sng" w="38100" algn="ctr">
+        <a:ln w="38100" cap="flat" cmpd="sng" algn="ctr">
           <a:solidFill>
             <a:schemeClr val="phClr"/>
           </a:solidFill>
@@ -6664,7 +6981,7 @@
       <a:effectStyleLst>
         <a:effectStyle>
           <a:effectLst>
-            <a:outerShdw blurRad="40000" rotWithShape="0" dir="5400000" dist="20000">
+            <a:outerShdw blurRad="40000" dist="20000" dir="5400000" rotWithShape="0">
               <a:srgbClr val="000000">
                 <a:alpha val="38000"/>
               </a:srgbClr>
@@ -6673,7 +6990,7 @@
         </a:effectStyle>
         <a:effectStyle>
           <a:effectLst>
-            <a:outerShdw blurRad="40000" rotWithShape="0" dir="5400000" dist="23000">
+            <a:outerShdw blurRad="40000" dist="23000" dir="5400000" rotWithShape="0">
               <a:srgbClr val="000000">
                 <a:alpha val="35000"/>
               </a:srgbClr>
@@ -6682,7 +6999,7 @@
         </a:effectStyle>
         <a:effectStyle>
           <a:effectLst>
-            <a:outerShdw blurRad="40000" rotWithShape="0" dir="5400000" dist="23000">
+            <a:outerShdw blurRad="40000" dist="23000" dir="5400000" rotWithShape="0">
               <a:srgbClr val="000000">
                 <a:alpha val="35000"/>
               </a:srgbClr>
@@ -6692,12 +7009,12 @@
             <a:camera prst="orthographicFront">
               <a:rot lat="0" lon="0" rev="0"/>
             </a:camera>
-            <a:lightRig dir="t" rig="threePt">
+            <a:lightRig rig="threePt" dir="t">
               <a:rot lat="0" lon="0" rev="1200000"/>
             </a:lightRig>
           </a:scene3d>
           <a:sp3d>
-            <a:bevelT h="25400" w="63500"/>
+            <a:bevelT w="63500" h="25400"/>
           </a:sp3d>
         </a:effectStyle>
       </a:effectStyleLst>
@@ -6728,7 +7045,7 @@
             </a:gs>
           </a:gsLst>
           <a:path path="circle">
-            <a:fillToRect b="180000" l="50000" r="50000" t="-80000"/>
+            <a:fillToRect l="50000" t="-80000" r="50000" b="180000"/>
           </a:path>
         </a:gradFill>
         <a:gradFill rotWithShape="1">
@@ -6747,605 +7064,13 @@
             </a:gs>
           </a:gsLst>
           <a:path path="circle">
-            <a:fillToRect b="50000" l="50000" r="50000" t="50000"/>
+            <a:fillToRect l="50000" t="50000" r="50000" b="50000"/>
           </a:path>
         </a:gradFill>
       </a:bgFillStyleLst>
     </a:fmtScheme>
   </a:themeElements>
-</a:theme>
-</file>
-
-<file path=ppt/theme/theme2.xml><?xml version="1.0" encoding="utf-8"?>
-<a:theme xmlns:a="http://schemas.openxmlformats.org/drawingml/2006/main" xmlns:r="http://schemas.openxmlformats.org/officeDocument/2006/relationships" name="Office Theme">
-  <a:themeElements>
-    <a:clrScheme name="Office">
-      <a:dk1>
-        <a:sysClr lastClr="000000" val="windowText"/>
-      </a:dk1>
-      <a:lt1>
-        <a:sysClr lastClr="FFFFFF" val="window"/>
-      </a:lt1>
-      <a:dk2>
-        <a:srgbClr val="1F497D"/>
-      </a:dk2>
-      <a:lt2>
-        <a:srgbClr val="EEECE1"/>
-      </a:lt2>
-      <a:accent1>
-        <a:srgbClr val="4F81BD"/>
-      </a:accent1>
-      <a:accent2>
-        <a:srgbClr val="C0504D"/>
-      </a:accent2>
-      <a:accent3>
-        <a:srgbClr val="9BBB59"/>
-      </a:accent3>
-      <a:accent4>
-        <a:srgbClr val="8064A2"/>
-      </a:accent4>
-      <a:accent5>
-        <a:srgbClr val="4BACC6"/>
-      </a:accent5>
-      <a:accent6>
-        <a:srgbClr val="F79646"/>
-      </a:accent6>
-      <a:hlink>
-        <a:srgbClr val="0000FF"/>
-      </a:hlink>
-      <a:folHlink>
-        <a:srgbClr val="800080"/>
-      </a:folHlink>
-    </a:clrScheme>
-    <a:fontScheme name="Office">
-      <a:majorFont>
-        <a:latin typeface="Arial"/>
-        <a:ea typeface=""/>
-        <a:cs typeface=""/>
-        <a:font script="Jpan" typeface="ＭＳ Ｐゴシック"/>
-        <a:font script="Hang" typeface="맑은 고딕"/>
-        <a:font script="Hans" typeface="宋体"/>
-        <a:font script="Hant" typeface="新細明體"/>
-        <a:font script="Arab" typeface="Times New Roman"/>
-        <a:font script="Hebr" typeface="Times New Roman"/>
-        <a:font script="Thai" typeface="Angsana New"/>
-        <a:font script="Ethi" typeface="Nyala"/>
-        <a:font script="Beng" typeface="Vrinda"/>
-        <a:font script="Gujr" typeface="Shruti"/>
-        <a:font script="Khmr" typeface="MoolBoran"/>
-        <a:font script="Knda" typeface="Tunga"/>
-        <a:font script="Guru" typeface="Raavi"/>
-        <a:font script="Cans" typeface="Euphemia"/>
-        <a:font script="Cher" typeface="Plantagenet Cherokee"/>
-        <a:font script="Yiii" typeface="Microsoft Yi Baiti"/>
-        <a:font script="Tibt" typeface="Microsoft Himalaya"/>
-        <a:font script="Thaa" typeface="MV Boli"/>
-        <a:font script="Deva" typeface="Mangal"/>
-        <a:font script="Telu" typeface="Gautami"/>
-        <a:font script="Taml" typeface="Latha"/>
-        <a:font script="Syrc" typeface="Estrangelo Edessa"/>
-        <a:font script="Orya" typeface="Kalinga"/>
-        <a:font script="Mlym" typeface="Kartika"/>
-        <a:font script="Laoo" typeface="DokChampa"/>
-        <a:font script="Sinh" typeface="Iskoola Pota"/>
-        <a:font script="Mong" typeface="Mongolian Baiti"/>
-        <a:font script="Viet" typeface="Times New Roman"/>
-        <a:font script="Uigh" typeface="Microsoft Uighur"/>
-      </a:majorFont>
-      <a:minorFont>
-        <a:latin typeface="Arial"/>
-        <a:ea typeface=""/>
-        <a:cs typeface=""/>
-        <a:font script="Jpan" typeface="ＭＳ Ｐゴシック"/>
-        <a:font script="Hang" typeface="맑은 고딕"/>
-        <a:font script="Hans" typeface="宋体"/>
-        <a:font script="Hant" typeface="新細明體"/>
-        <a:font script="Arab" typeface="Times New Roman"/>
-        <a:font script="Hebr" typeface="Times New Roman"/>
-        <a:font script="Thai" typeface="Angsana New"/>
-        <a:font script="Ethi" typeface="Nyala"/>
-        <a:font script="Beng" typeface="Vrinda"/>
-        <a:font script="Gujr" typeface="Shruti"/>
-        <a:font script="Khmr" typeface="MoolBoran"/>
-        <a:font script="Knda" typeface="Tunga"/>
-        <a:font script="Guru" typeface="Raavi"/>
-        <a:font script="Cans" typeface="Euphemia"/>
-        <a:font script="Cher" typeface="Plantagenet Cherokee"/>
-        <a:font script="Yiii" typeface="Microsoft Yi Baiti"/>
-        <a:font script="Tibt" typeface="Microsoft Himalaya"/>
-        <a:font script="Thaa" typeface="MV Boli"/>
-        <a:font script="Deva" typeface="Mangal"/>
-        <a:font script="Telu" typeface="Gautami"/>
-        <a:font script="Taml" typeface="Latha"/>
-        <a:font script="Syrc" typeface="Estrangelo Edessa"/>
-        <a:font script="Orya" typeface="Kalinga"/>
-        <a:font script="Mlym" typeface="Kartika"/>
-        <a:font script="Laoo" typeface="DokChampa"/>
-        <a:font script="Sinh" typeface="Iskoola Pota"/>
-        <a:font script="Mong" typeface="Mongolian Baiti"/>
-        <a:font script="Viet" typeface="Times New Roman"/>
-        <a:font script="Uigh" typeface="Microsoft Uighur"/>
-      </a:minorFont>
-    </a:fontScheme>
-    <a:fmtScheme name="Office">
-      <a:fillStyleLst>
-        <a:solidFill>
-          <a:schemeClr val="phClr"/>
-        </a:solidFill>
-        <a:gradFill rotWithShape="1">
-          <a:gsLst>
-            <a:gs pos="0">
-              <a:schemeClr val="phClr">
-                <a:tint val="50000"/>
-                <a:satMod val="300000"/>
-              </a:schemeClr>
-            </a:gs>
-            <a:gs pos="35000">
-              <a:schemeClr val="phClr">
-                <a:tint val="37000"/>
-                <a:satMod val="300000"/>
-              </a:schemeClr>
-            </a:gs>
-            <a:gs pos="100000">
-              <a:schemeClr val="phClr">
-                <a:tint val="15000"/>
-                <a:satMod val="350000"/>
-              </a:schemeClr>
-            </a:gs>
-          </a:gsLst>
-          <a:lin ang="16200000" scaled="1"/>
-        </a:gradFill>
-        <a:gradFill rotWithShape="1">
-          <a:gsLst>
-            <a:gs pos="0">
-              <a:schemeClr val="phClr">
-                <a:tint val="100000"/>
-                <a:shade val="100000"/>
-                <a:satMod val="130000"/>
-              </a:schemeClr>
-            </a:gs>
-            <a:gs pos="100000">
-              <a:schemeClr val="phClr">
-                <a:tint val="50000"/>
-                <a:shade val="100000"/>
-                <a:satMod val="350000"/>
-              </a:schemeClr>
-            </a:gs>
-          </a:gsLst>
-          <a:lin ang="16200000" scaled="0"/>
-        </a:gradFill>
-      </a:fillStyleLst>
-      <a:lnStyleLst>
-        <a:ln cap="flat" cmpd="sng" w="9525" algn="ctr">
-          <a:solidFill>
-            <a:schemeClr val="phClr">
-              <a:shade val="95000"/>
-              <a:satMod val="105000"/>
-            </a:schemeClr>
-          </a:solidFill>
-          <a:prstDash val="solid"/>
-        </a:ln>
-        <a:ln cap="flat" cmpd="sng" w="25400" algn="ctr">
-          <a:solidFill>
-            <a:schemeClr val="phClr"/>
-          </a:solidFill>
-          <a:prstDash val="solid"/>
-        </a:ln>
-        <a:ln cap="flat" cmpd="sng" w="38100" algn="ctr">
-          <a:solidFill>
-            <a:schemeClr val="phClr"/>
-          </a:solidFill>
-          <a:prstDash val="solid"/>
-        </a:ln>
-      </a:lnStyleLst>
-      <a:effectStyleLst>
-        <a:effectStyle>
-          <a:effectLst>
-            <a:outerShdw blurRad="40000" rotWithShape="0" dir="5400000" dist="20000">
-              <a:srgbClr val="000000">
-                <a:alpha val="38000"/>
-              </a:srgbClr>
-            </a:outerShdw>
-          </a:effectLst>
-        </a:effectStyle>
-        <a:effectStyle>
-          <a:effectLst>
-            <a:outerShdw blurRad="40000" rotWithShape="0" dir="5400000" dist="23000">
-              <a:srgbClr val="000000">
-                <a:alpha val="35000"/>
-              </a:srgbClr>
-            </a:outerShdw>
-          </a:effectLst>
-        </a:effectStyle>
-        <a:effectStyle>
-          <a:effectLst>
-            <a:outerShdw blurRad="40000" rotWithShape="0" dir="5400000" dist="23000">
-              <a:srgbClr val="000000">
-                <a:alpha val="35000"/>
-              </a:srgbClr>
-            </a:outerShdw>
-          </a:effectLst>
-          <a:scene3d>
-            <a:camera prst="orthographicFront">
-              <a:rot lat="0" lon="0" rev="0"/>
-            </a:camera>
-            <a:lightRig dir="t" rig="threePt">
-              <a:rot lat="0" lon="0" rev="1200000"/>
-            </a:lightRig>
-          </a:scene3d>
-          <a:sp3d>
-            <a:bevelT h="25400" w="63500"/>
-          </a:sp3d>
-        </a:effectStyle>
-      </a:effectStyleLst>
-      <a:bgFillStyleLst>
-        <a:solidFill>
-          <a:schemeClr val="phClr"/>
-        </a:solidFill>
-        <a:gradFill rotWithShape="1">
-          <a:gsLst>
-            <a:gs pos="0">
-              <a:schemeClr val="phClr">
-                <a:tint val="40000"/>
-                <a:satMod val="350000"/>
-              </a:schemeClr>
-            </a:gs>
-            <a:gs pos="40000">
-              <a:schemeClr val="phClr">
-                <a:tint val="45000"/>
-                <a:shade val="99000"/>
-                <a:satMod val="350000"/>
-              </a:schemeClr>
-            </a:gs>
-            <a:gs pos="100000">
-              <a:schemeClr val="phClr">
-                <a:shade val="20000"/>
-                <a:satMod val="255000"/>
-              </a:schemeClr>
-            </a:gs>
-          </a:gsLst>
-          <a:path path="circle">
-            <a:fillToRect b="180000" l="50000" r="50000" t="-80000"/>
-          </a:path>
-        </a:gradFill>
-        <a:gradFill rotWithShape="1">
-          <a:gsLst>
-            <a:gs pos="0">
-              <a:schemeClr val="phClr">
-                <a:tint val="80000"/>
-                <a:satMod val="300000"/>
-              </a:schemeClr>
-            </a:gs>
-            <a:gs pos="100000">
-              <a:schemeClr val="phClr">
-                <a:shade val="30000"/>
-                <a:satMod val="200000"/>
-              </a:schemeClr>
-            </a:gs>
-          </a:gsLst>
-          <a:path path="circle">
-            <a:fillToRect b="50000" l="50000" r="50000" t="50000"/>
-          </a:path>
-        </a:gradFill>
-      </a:bgFillStyleLst>
-    </a:fmtScheme>
-  </a:themeElements>
-  <a:objectDefaults>
-    <a:spDef>
-      <a:spPr/>
-      <a:bodyPr/>
-      <a:lstStyle/>
-      <a:style>
-        <a:lnRef idx="1">
-          <a:schemeClr val="accent1"/>
-        </a:lnRef>
-        <a:fillRef idx="3">
-          <a:schemeClr val="accent1"/>
-        </a:fillRef>
-        <a:effectRef idx="2">
-          <a:schemeClr val="accent1"/>
-        </a:effectRef>
-        <a:fontRef idx="minor">
-          <a:schemeClr val="lt1"/>
-        </a:fontRef>
-      </a:style>
-    </a:spDef>
-    <a:lnDef>
-      <a:spPr/>
-      <a:bodyPr/>
-      <a:lstStyle/>
-      <a:style>
-        <a:lnRef idx="2">
-          <a:schemeClr val="accent1"/>
-        </a:lnRef>
-        <a:fillRef idx="0">
-          <a:schemeClr val="accent1"/>
-        </a:fillRef>
-        <a:effectRef idx="1">
-          <a:schemeClr val="accent1"/>
-        </a:effectRef>
-        <a:fontRef idx="minor">
-          <a:schemeClr val="tx1"/>
-        </a:fontRef>
-      </a:style>
-    </a:lnDef>
-  </a:objectDefaults>
-</a:theme>
-</file>
-
-<file path=ppt/theme/theme3.xml><?xml version="1.0" encoding="utf-8"?>
-<a:theme xmlns:a="http://schemas.openxmlformats.org/drawingml/2006/main" xmlns:r="http://schemas.openxmlformats.org/officeDocument/2006/relationships" name="Office Theme">
-  <a:themeElements>
-    <a:clrScheme name="Office">
-      <a:dk1>
-        <a:srgbClr val="000000"/>
-      </a:dk1>
-      <a:lt1>
-        <a:srgbClr val="FFFFFF"/>
-      </a:lt1>
-      <a:dk2>
-        <a:srgbClr val="1F497D"/>
-      </a:dk2>
-      <a:lt2>
-        <a:srgbClr val="EEECE1"/>
-      </a:lt2>
-      <a:accent1>
-        <a:srgbClr val="4F81BD"/>
-      </a:accent1>
-      <a:accent2>
-        <a:srgbClr val="C0504D"/>
-      </a:accent2>
-      <a:accent3>
-        <a:srgbClr val="9BBB59"/>
-      </a:accent3>
-      <a:accent4>
-        <a:srgbClr val="8064A2"/>
-      </a:accent4>
-      <a:accent5>
-        <a:srgbClr val="4BACC6"/>
-      </a:accent5>
-      <a:accent6>
-        <a:srgbClr val="F79646"/>
-      </a:accent6>
-      <a:hlink>
-        <a:srgbClr val="0000FF"/>
-      </a:hlink>
-      <a:folHlink>
-        <a:srgbClr val="800080"/>
-      </a:folHlink>
-    </a:clrScheme>
-    <a:fontScheme name="Office">
-      <a:majorFont>
-        <a:latin typeface="Arial"/>
-        <a:ea typeface=""/>
-        <a:cs typeface=""/>
-        <a:font script="Jpan" typeface="ＭＳ Ｐゴシック"/>
-        <a:font script="Hang" typeface="맑은 고딕"/>
-        <a:font script="Hans" typeface="宋体"/>
-        <a:font script="Hant" typeface="新細明體"/>
-        <a:font script="Arab" typeface="Times New Roman"/>
-        <a:font script="Hebr" typeface="Times New Roman"/>
-        <a:font script="Thai" typeface="Angsana New"/>
-        <a:font script="Ethi" typeface="Nyala"/>
-        <a:font script="Beng" typeface="Vrinda"/>
-        <a:font script="Gujr" typeface="Shruti"/>
-        <a:font script="Khmr" typeface="MoolBoran"/>
-        <a:font script="Knda" typeface="Tunga"/>
-        <a:font script="Guru" typeface="Raavi"/>
-        <a:font script="Cans" typeface="Euphemia"/>
-        <a:font script="Cher" typeface="Plantagenet Cherokee"/>
-        <a:font script="Yiii" typeface="Microsoft Yi Baiti"/>
-        <a:font script="Tibt" typeface="Microsoft Himalaya"/>
-        <a:font script="Thaa" typeface="MV Boli"/>
-        <a:font script="Deva" typeface="Mangal"/>
-        <a:font script="Telu" typeface="Gautami"/>
-        <a:font script="Taml" typeface="Latha"/>
-        <a:font script="Syrc" typeface="Estrangelo Edessa"/>
-        <a:font script="Orya" typeface="Kalinga"/>
-        <a:font script="Mlym" typeface="Kartika"/>
-        <a:font script="Laoo" typeface="DokChampa"/>
-        <a:font script="Sinh" typeface="Iskoola Pota"/>
-        <a:font script="Mong" typeface="Mongolian Baiti"/>
-        <a:font script="Viet" typeface="Times New Roman"/>
-        <a:font script="Uigh" typeface="Microsoft Uighur"/>
-      </a:majorFont>
-      <a:minorFont>
-        <a:latin typeface="Arial"/>
-        <a:ea typeface=""/>
-        <a:cs typeface=""/>
-        <a:font script="Jpan" typeface="ＭＳ Ｐゴシック"/>
-        <a:font script="Hang" typeface="맑은 고딕"/>
-        <a:font script="Hans" typeface="宋体"/>
-        <a:font script="Hant" typeface="新細明體"/>
-        <a:font script="Arab" typeface="Times New Roman"/>
-        <a:font script="Hebr" typeface="Times New Roman"/>
-        <a:font script="Thai" typeface="Angsana New"/>
-        <a:font script="Ethi" typeface="Nyala"/>
-        <a:font script="Beng" typeface="Vrinda"/>
-        <a:font script="Gujr" typeface="Shruti"/>
-        <a:font script="Khmr" typeface="MoolBoran"/>
-        <a:font script="Knda" typeface="Tunga"/>
-        <a:font script="Guru" typeface="Raavi"/>
-        <a:font script="Cans" typeface="Euphemia"/>
-        <a:font script="Cher" typeface="Plantagenet Cherokee"/>
-        <a:font script="Yiii" typeface="Microsoft Yi Baiti"/>
-        <a:font script="Tibt" typeface="Microsoft Himalaya"/>
-        <a:font script="Thaa" typeface="MV Boli"/>
-        <a:font script="Deva" typeface="Mangal"/>
-        <a:font script="Telu" typeface="Gautami"/>
-        <a:font script="Taml" typeface="Latha"/>
-        <a:font script="Syrc" typeface="Estrangelo Edessa"/>
-        <a:font script="Orya" typeface="Kalinga"/>
-        <a:font script="Mlym" typeface="Kartika"/>
-        <a:font script="Laoo" typeface="DokChampa"/>
-        <a:font script="Sinh" typeface="Iskoola Pota"/>
-        <a:font script="Mong" typeface="Mongolian Baiti"/>
-        <a:font script="Viet" typeface="Times New Roman"/>
-        <a:font script="Uigh" typeface="Microsoft Uighur"/>
-      </a:minorFont>
-    </a:fontScheme>
-    <a:fmtScheme name="Office">
-      <a:fillStyleLst>
-        <a:solidFill>
-          <a:schemeClr val="phClr"/>
-        </a:solidFill>
-        <a:gradFill rotWithShape="1">
-          <a:gsLst>
-            <a:gs pos="0">
-              <a:schemeClr val="phClr">
-                <a:tint val="50000"/>
-                <a:satMod val="300000"/>
-              </a:schemeClr>
-            </a:gs>
-            <a:gs pos="35000">
-              <a:schemeClr val="phClr">
-                <a:tint val="37000"/>
-                <a:satMod val="300000"/>
-              </a:schemeClr>
-            </a:gs>
-            <a:gs pos="100000">
-              <a:schemeClr val="phClr">
-                <a:tint val="15000"/>
-                <a:satMod val="350000"/>
-              </a:schemeClr>
-            </a:gs>
-          </a:gsLst>
-          <a:lin ang="16200000" scaled="1"/>
-        </a:gradFill>
-        <a:gradFill rotWithShape="1">
-          <a:gsLst>
-            <a:gs pos="0">
-              <a:schemeClr val="phClr">
-                <a:tint val="100000"/>
-                <a:shade val="100000"/>
-                <a:satMod val="130000"/>
-              </a:schemeClr>
-            </a:gs>
-            <a:gs pos="100000">
-              <a:schemeClr val="phClr">
-                <a:tint val="50000"/>
-                <a:shade val="100000"/>
-                <a:satMod val="350000"/>
-              </a:schemeClr>
-            </a:gs>
-          </a:gsLst>
-          <a:lin ang="16200000" scaled="0"/>
-        </a:gradFill>
-      </a:fillStyleLst>
-      <a:lnStyleLst>
-        <a:ln cap="flat" cmpd="sng" w="9525" algn="ctr">
-          <a:solidFill>
-            <a:schemeClr val="phClr">
-              <a:shade val="95000"/>
-              <a:satMod val="105000"/>
-            </a:schemeClr>
-          </a:solidFill>
-          <a:prstDash val="solid"/>
-        </a:ln>
-        <a:ln cap="flat" cmpd="sng" w="25400" algn="ctr">
-          <a:solidFill>
-            <a:schemeClr val="phClr"/>
-          </a:solidFill>
-          <a:prstDash val="solid"/>
-        </a:ln>
-        <a:ln cap="flat" cmpd="sng" w="38100" algn="ctr">
-          <a:solidFill>
-            <a:schemeClr val="phClr"/>
-          </a:solidFill>
-          <a:prstDash val="solid"/>
-        </a:ln>
-      </a:lnStyleLst>
-      <a:effectStyleLst>
-        <a:effectStyle>
-          <a:effectLst>
-            <a:outerShdw blurRad="40000" rotWithShape="0" dir="5400000" dist="20000">
-              <a:srgbClr val="000000">
-                <a:alpha val="38000"/>
-              </a:srgbClr>
-            </a:outerShdw>
-          </a:effectLst>
-        </a:effectStyle>
-        <a:effectStyle>
-          <a:effectLst>
-            <a:outerShdw blurRad="40000" rotWithShape="0" dir="5400000" dist="23000">
-              <a:srgbClr val="000000">
-                <a:alpha val="35000"/>
-              </a:srgbClr>
-            </a:outerShdw>
-          </a:effectLst>
-        </a:effectStyle>
-        <a:effectStyle>
-          <a:effectLst>
-            <a:outerShdw blurRad="40000" rotWithShape="0" dir="5400000" dist="23000">
-              <a:srgbClr val="000000">
-                <a:alpha val="35000"/>
-              </a:srgbClr>
-            </a:outerShdw>
-          </a:effectLst>
-          <a:scene3d>
-            <a:camera prst="orthographicFront">
-              <a:rot lat="0" lon="0" rev="0"/>
-            </a:camera>
-            <a:lightRig dir="t" rig="threePt">
-              <a:rot lat="0" lon="0" rev="1200000"/>
-            </a:lightRig>
-          </a:scene3d>
-          <a:sp3d>
-            <a:bevelT h="25400" w="63500"/>
-          </a:sp3d>
-        </a:effectStyle>
-      </a:effectStyleLst>
-      <a:bgFillStyleLst>
-        <a:solidFill>
-          <a:schemeClr val="phClr"/>
-        </a:solidFill>
-        <a:gradFill rotWithShape="1">
-          <a:gsLst>
-            <a:gs pos="0">
-              <a:schemeClr val="phClr">
-                <a:tint val="40000"/>
-                <a:satMod val="350000"/>
-              </a:schemeClr>
-            </a:gs>
-            <a:gs pos="40000">
-              <a:schemeClr val="phClr">
-                <a:tint val="45000"/>
-                <a:shade val="99000"/>
-                <a:satMod val="350000"/>
-              </a:schemeClr>
-            </a:gs>
-            <a:gs pos="100000">
-              <a:schemeClr val="phClr">
-                <a:shade val="20000"/>
-                <a:satMod val="255000"/>
-              </a:schemeClr>
-            </a:gs>
-          </a:gsLst>
-          <a:path path="circle">
-            <a:fillToRect b="180000" l="50000" r="50000" t="-80000"/>
-          </a:path>
-        </a:gradFill>
-        <a:gradFill rotWithShape="1">
-          <a:gsLst>
-            <a:gs pos="0">
-              <a:schemeClr val="phClr">
-                <a:tint val="80000"/>
-                <a:satMod val="300000"/>
-              </a:schemeClr>
-            </a:gs>
-            <a:gs pos="100000">
-              <a:schemeClr val="phClr">
-                <a:shade val="30000"/>
-                <a:satMod val="200000"/>
-              </a:schemeClr>
-            </a:gs>
-          </a:gsLst>
-          <a:path path="circle">
-            <a:fillToRect b="50000" l="50000" r="50000" t="50000"/>
-          </a:path>
-        </a:gradFill>
-      </a:bgFillStyleLst>
-    </a:fmtScheme>
-  </a:themeElements>
+  <a:objectDefaults/>
+  <a:extraClrSchemeLst/>
 </a:theme>
 </file>